--- a/PPTs/Ch4_ARM_Arithmetic_Logic_Exercises_ANS.pptx
+++ b/PPTs/Ch4_ARM_Arithmetic_Logic_Exercises_ANS.pptx
@@ -5,28 +5,37 @@
     <p:sldMasterId id="2147483660" r:id="rId1"/>
   </p:sldMasterIdLst>
   <p:notesMasterIdLst>
-    <p:notesMasterId r:id="rId21"/>
+    <p:notesMasterId r:id="rId30"/>
   </p:notesMasterIdLst>
   <p:sldIdLst>
     <p:sldId id="256" r:id="rId2"/>
-    <p:sldId id="383" r:id="rId3"/>
-    <p:sldId id="554" r:id="rId4"/>
-    <p:sldId id="354" r:id="rId5"/>
-    <p:sldId id="356" r:id="rId6"/>
-    <p:sldId id="357" r:id="rId7"/>
-    <p:sldId id="358" r:id="rId8"/>
-    <p:sldId id="384" r:id="rId9"/>
-    <p:sldId id="385" r:id="rId10"/>
-    <p:sldId id="387" r:id="rId11"/>
-    <p:sldId id="351" r:id="rId12"/>
-    <p:sldId id="257" r:id="rId13"/>
-    <p:sldId id="258" r:id="rId14"/>
-    <p:sldId id="259" r:id="rId15"/>
-    <p:sldId id="260" r:id="rId16"/>
-    <p:sldId id="262" r:id="rId17"/>
-    <p:sldId id="261" r:id="rId18"/>
-    <p:sldId id="352" r:id="rId19"/>
-    <p:sldId id="353" r:id="rId20"/>
+    <p:sldId id="555" r:id="rId3"/>
+    <p:sldId id="556" r:id="rId4"/>
+    <p:sldId id="557" r:id="rId5"/>
+    <p:sldId id="558" r:id="rId6"/>
+    <p:sldId id="559" r:id="rId7"/>
+    <p:sldId id="560" r:id="rId8"/>
+    <p:sldId id="561" r:id="rId9"/>
+    <p:sldId id="563" r:id="rId10"/>
+    <p:sldId id="562" r:id="rId11"/>
+    <p:sldId id="383" r:id="rId12"/>
+    <p:sldId id="554" r:id="rId13"/>
+    <p:sldId id="354" r:id="rId14"/>
+    <p:sldId id="356" r:id="rId15"/>
+    <p:sldId id="357" r:id="rId16"/>
+    <p:sldId id="358" r:id="rId17"/>
+    <p:sldId id="384" r:id="rId18"/>
+    <p:sldId id="385" r:id="rId19"/>
+    <p:sldId id="387" r:id="rId20"/>
+    <p:sldId id="351" r:id="rId21"/>
+    <p:sldId id="257" r:id="rId22"/>
+    <p:sldId id="258" r:id="rId23"/>
+    <p:sldId id="259" r:id="rId24"/>
+    <p:sldId id="260" r:id="rId25"/>
+    <p:sldId id="262" r:id="rId26"/>
+    <p:sldId id="261" r:id="rId27"/>
+    <p:sldId id="352" r:id="rId28"/>
+    <p:sldId id="353" r:id="rId29"/>
   </p:sldIdLst>
   <p:sldSz cx="9144000" cy="6858000" type="screen4x3"/>
   <p:notesSz cx="6858000" cy="9144000"/>
@@ -147,7 +156,7 @@
 <file path=ppt/revisionInfo.xml><?xml version="1.0" encoding="utf-8"?>
 <p1510:revInfo xmlns:a="http://schemas.openxmlformats.org/drawingml/2006/main" xmlns:r="http://schemas.openxmlformats.org/officeDocument/2006/relationships" xmlns:p1510="http://schemas.microsoft.com/office/powerpoint/2015/10/main">
   <p1510:revLst>
-    <p1510:client id="{949F66C0-3357-40C2-B5B1-DCDAC1289C61}" v="134" dt="2025-09-22T02:09:49.994"/>
+    <p1510:client id="{949F66C0-3357-40C2-B5B1-DCDAC1289C61}" v="197" dt="2025-09-23T01:22:44.997"/>
   </p1510:revLst>
 </p1510:revInfo>
 </file>
@@ -157,7 +166,7 @@
   <pc:docChgLst>
     <pc:chgData name="Zonghua Gu" userId="9a7e1853e1951ef5" providerId="LiveId" clId="{CF1FAA12-072C-4ED5-BA76-0FFFAEFDB88A}"/>
     <pc:docChg chg="undo redo custSel addSld delSld modSld">
-      <pc:chgData name="Zonghua Gu" userId="9a7e1853e1951ef5" providerId="LiveId" clId="{CF1FAA12-072C-4ED5-BA76-0FFFAEFDB88A}" dt="2025-09-22T02:42:21.949" v="1620" actId="108"/>
+      <pc:chgData name="Zonghua Gu" userId="9a7e1853e1951ef5" providerId="LiveId" clId="{CF1FAA12-072C-4ED5-BA76-0FFFAEFDB88A}" dt="2025-09-23T01:23:15.623" v="2392" actId="20577"/>
       <pc:docMkLst>
         <pc:docMk/>
       </pc:docMkLst>
@@ -765,14 +774,6 @@
             <ac:graphicFrameMk id="5" creationId="{022736A9-AF5F-9F2A-28E9-99AC5EAF40B3}"/>
           </ac:graphicFrameMkLst>
         </pc:graphicFrameChg>
-        <pc:picChg chg="add del mod">
-          <ac:chgData name="Zonghua Gu" userId="9a7e1853e1951ef5" providerId="LiveId" clId="{CF1FAA12-072C-4ED5-BA76-0FFFAEFDB88A}" dt="2025-09-21T19:46:43.664" v="814" actId="478"/>
-          <ac:picMkLst>
-            <pc:docMk/>
-            <pc:sldMk cId="2291445225" sldId="354"/>
-            <ac:picMk id="6" creationId="{F6EECF31-A7E1-619F-DB02-9E0066DCAC8F}"/>
-          </ac:picMkLst>
-        </pc:picChg>
       </pc:sldChg>
       <pc:sldChg chg="modSp new del mod">
         <pc:chgData name="Zonghua Gu" userId="9a7e1853e1951ef5" providerId="LiveId" clId="{CF1FAA12-072C-4ED5-BA76-0FFFAEFDB88A}" dt="2025-09-21T20:35:19.056" v="1107" actId="47"/>
@@ -780,14 +781,6 @@
           <pc:docMk/>
           <pc:sldMk cId="3325406462" sldId="355"/>
         </pc:sldMkLst>
-        <pc:spChg chg="mod">
-          <ac:chgData name="Zonghua Gu" userId="9a7e1853e1951ef5" providerId="LiveId" clId="{CF1FAA12-072C-4ED5-BA76-0FFFAEFDB88A}" dt="2025-09-21T19:49:51.568" v="880" actId="27636"/>
-          <ac:spMkLst>
-            <pc:docMk/>
-            <pc:sldMk cId="3325406462" sldId="355"/>
-            <ac:spMk id="4" creationId="{DDD7644E-FC91-2905-7366-6B0643FC3656}"/>
-          </ac:spMkLst>
-        </pc:spChg>
       </pc:sldChg>
       <pc:sldChg chg="addSp delSp modSp add mod">
         <pc:chgData name="Zonghua Gu" userId="9a7e1853e1951ef5" providerId="LiveId" clId="{CF1FAA12-072C-4ED5-BA76-0FFFAEFDB88A}" dt="2025-09-22T01:43:39.461" v="1344" actId="20577"/>
@@ -850,14 +843,6 @@
             <ac:spMk id="2" creationId="{E3C709F9-4905-FD89-18E1-B8EB2F602C94}"/>
           </ac:spMkLst>
         </pc:spChg>
-        <pc:spChg chg="del">
-          <ac:chgData name="Zonghua Gu" userId="9a7e1853e1951ef5" providerId="LiveId" clId="{CF1FAA12-072C-4ED5-BA76-0FFFAEFDB88A}" dt="2025-09-21T19:52:53.468" v="918" actId="478"/>
-          <ac:spMkLst>
-            <pc:docMk/>
-            <pc:sldMk cId="1401545001" sldId="357"/>
-            <ac:spMk id="4" creationId="{4E3FBF58-5C43-7E71-1049-0574BBF1F124}"/>
-          </ac:spMkLst>
-        </pc:spChg>
         <pc:spChg chg="add mod">
           <ac:chgData name="Zonghua Gu" userId="9a7e1853e1951ef5" providerId="LiveId" clId="{CF1FAA12-072C-4ED5-BA76-0FFFAEFDB88A}" dt="2025-09-22T01:43:52.862" v="1346"/>
           <ac:spMkLst>
@@ -874,14 +859,6 @@
             <ac:spMk id="8" creationId="{D43F8B0C-9B9C-5AAA-26B5-003AE580EB61}"/>
           </ac:spMkLst>
         </pc:spChg>
-        <pc:picChg chg="add del">
-          <ac:chgData name="Zonghua Gu" userId="9a7e1853e1951ef5" providerId="LiveId" clId="{CF1FAA12-072C-4ED5-BA76-0FFFAEFDB88A}" dt="2025-09-21T19:53:17.378" v="924" actId="478"/>
-          <ac:picMkLst>
-            <pc:docMk/>
-            <pc:sldMk cId="1401545001" sldId="357"/>
-            <ac:picMk id="6" creationId="{CEC07FCE-B887-8FA9-0C63-605627D951EB}"/>
-          </ac:picMkLst>
-        </pc:picChg>
       </pc:sldChg>
       <pc:sldChg chg="addSp modSp add mod">
         <pc:chgData name="Zonghua Gu" userId="9a7e1853e1951ef5" providerId="LiveId" clId="{CF1FAA12-072C-4ED5-BA76-0FFFAEFDB88A}" dt="2025-09-22T01:43:11.521" v="1336" actId="20577"/>
@@ -1180,6 +1157,221 @@
           </ac:spMkLst>
         </pc:spChg>
       </pc:sldChg>
+      <pc:sldChg chg="modSp new mod">
+        <pc:chgData name="Zonghua Gu" userId="9a7e1853e1951ef5" providerId="LiveId" clId="{CF1FAA12-072C-4ED5-BA76-0FFFAEFDB88A}" dt="2025-09-23T01:22:34.780" v="2371" actId="20577"/>
+        <pc:sldMkLst>
+          <pc:docMk/>
+          <pc:sldMk cId="1248622466" sldId="555"/>
+        </pc:sldMkLst>
+        <pc:spChg chg="mod">
+          <ac:chgData name="Zonghua Gu" userId="9a7e1853e1951ef5" providerId="LiveId" clId="{CF1FAA12-072C-4ED5-BA76-0FFFAEFDB88A}" dt="2025-09-23T00:46:25.426" v="1969"/>
+          <ac:spMkLst>
+            <pc:docMk/>
+            <pc:sldMk cId="1248622466" sldId="555"/>
+            <ac:spMk id="2" creationId="{6BA372BA-4E36-5939-EA5D-65E91EDB30B3}"/>
+          </ac:spMkLst>
+        </pc:spChg>
+        <pc:spChg chg="mod">
+          <ac:chgData name="Zonghua Gu" userId="9a7e1853e1951ef5" providerId="LiveId" clId="{CF1FAA12-072C-4ED5-BA76-0FFFAEFDB88A}" dt="2025-09-23T01:22:34.780" v="2371" actId="20577"/>
+          <ac:spMkLst>
+            <pc:docMk/>
+            <pc:sldMk cId="1248622466" sldId="555"/>
+            <ac:spMk id="4" creationId="{0DBB9D86-D583-CABE-4B85-A5314A655FCE}"/>
+          </ac:spMkLst>
+        </pc:spChg>
+      </pc:sldChg>
+      <pc:sldChg chg="addSp modSp add mod">
+        <pc:chgData name="Zonghua Gu" userId="9a7e1853e1951ef5" providerId="LiveId" clId="{CF1FAA12-072C-4ED5-BA76-0FFFAEFDB88A}" dt="2025-09-23T01:23:15.623" v="2392" actId="20577"/>
+        <pc:sldMkLst>
+          <pc:docMk/>
+          <pc:sldMk cId="3198797166" sldId="556"/>
+        </pc:sldMkLst>
+        <pc:spChg chg="mod">
+          <ac:chgData name="Zonghua Gu" userId="9a7e1853e1951ef5" providerId="LiveId" clId="{CF1FAA12-072C-4ED5-BA76-0FFFAEFDB88A}" dt="2025-09-23T00:46:29.484" v="1971" actId="20577"/>
+          <ac:spMkLst>
+            <pc:docMk/>
+            <pc:sldMk cId="3198797166" sldId="556"/>
+            <ac:spMk id="2" creationId="{92206104-88B9-F7DD-C7CF-BD3C5A8DDA25}"/>
+          </ac:spMkLst>
+        </pc:spChg>
+        <pc:spChg chg="mod">
+          <ac:chgData name="Zonghua Gu" userId="9a7e1853e1951ef5" providerId="LiveId" clId="{CF1FAA12-072C-4ED5-BA76-0FFFAEFDB88A}" dt="2025-09-23T01:22:44.997" v="2372"/>
+          <ac:spMkLst>
+            <pc:docMk/>
+            <pc:sldMk cId="3198797166" sldId="556"/>
+            <ac:spMk id="4" creationId="{26C07159-9E90-34FC-FD37-707ADD2978CD}"/>
+          </ac:spMkLst>
+        </pc:spChg>
+        <pc:spChg chg="add mod">
+          <ac:chgData name="Zonghua Gu" userId="9a7e1853e1951ef5" providerId="LiveId" clId="{CF1FAA12-072C-4ED5-BA76-0FFFAEFDB88A}" dt="2025-09-23T01:23:15.623" v="2392" actId="20577"/>
+          <ac:spMkLst>
+            <pc:docMk/>
+            <pc:sldMk cId="3198797166" sldId="556"/>
+            <ac:spMk id="5" creationId="{F62F52E9-C913-0809-7AFE-FB9B6517BE16}"/>
+          </ac:spMkLst>
+        </pc:spChg>
+        <pc:spChg chg="add mod">
+          <ac:chgData name="Zonghua Gu" userId="9a7e1853e1951ef5" providerId="LiveId" clId="{CF1FAA12-072C-4ED5-BA76-0FFFAEFDB88A}" dt="2025-09-23T00:42:54.420" v="1905" actId="1076"/>
+          <ac:spMkLst>
+            <pc:docMk/>
+            <pc:sldMk cId="3198797166" sldId="556"/>
+            <ac:spMk id="6" creationId="{A362AD7A-A16D-A5D7-1F8E-3C4D2AEFE54C}"/>
+          </ac:spMkLst>
+        </pc:spChg>
+      </pc:sldChg>
+      <pc:sldChg chg="modSp new mod">
+        <pc:chgData name="Zonghua Gu" userId="9a7e1853e1951ef5" providerId="LiveId" clId="{CF1FAA12-072C-4ED5-BA76-0FFFAEFDB88A}" dt="2025-09-23T00:46:22.658" v="1968" actId="20577"/>
+        <pc:sldMkLst>
+          <pc:docMk/>
+          <pc:sldMk cId="3231632688" sldId="557"/>
+        </pc:sldMkLst>
+        <pc:spChg chg="mod">
+          <ac:chgData name="Zonghua Gu" userId="9a7e1853e1951ef5" providerId="LiveId" clId="{CF1FAA12-072C-4ED5-BA76-0FFFAEFDB88A}" dt="2025-09-23T00:46:22.658" v="1968" actId="20577"/>
+          <ac:spMkLst>
+            <pc:docMk/>
+            <pc:sldMk cId="3231632688" sldId="557"/>
+            <ac:spMk id="2" creationId="{FB628AA0-0F84-7DF4-92EB-BAB974776EB4}"/>
+          </ac:spMkLst>
+        </pc:spChg>
+        <pc:spChg chg="mod">
+          <ac:chgData name="Zonghua Gu" userId="9a7e1853e1951ef5" providerId="LiveId" clId="{CF1FAA12-072C-4ED5-BA76-0FFFAEFDB88A}" dt="2025-09-23T00:46:09.449" v="1939" actId="20577"/>
+          <ac:spMkLst>
+            <pc:docMk/>
+            <pc:sldMk cId="3231632688" sldId="557"/>
+            <ac:spMk id="4" creationId="{DCB60A19-0F6C-A6C2-28CD-C5006FC4799E}"/>
+          </ac:spMkLst>
+        </pc:spChg>
+      </pc:sldChg>
+      <pc:sldChg chg="modSp add mod">
+        <pc:chgData name="Zonghua Gu" userId="9a7e1853e1951ef5" providerId="LiveId" clId="{CF1FAA12-072C-4ED5-BA76-0FFFAEFDB88A}" dt="2025-09-23T00:54:26.347" v="2056" actId="20577"/>
+        <pc:sldMkLst>
+          <pc:docMk/>
+          <pc:sldMk cId="3001218416" sldId="558"/>
+        </pc:sldMkLst>
+        <pc:spChg chg="mod">
+          <ac:chgData name="Zonghua Gu" userId="9a7e1853e1951ef5" providerId="LiveId" clId="{CF1FAA12-072C-4ED5-BA76-0FFFAEFDB88A}" dt="2025-09-23T00:46:34.747" v="1976" actId="20577"/>
+          <ac:spMkLst>
+            <pc:docMk/>
+            <pc:sldMk cId="3001218416" sldId="558"/>
+            <ac:spMk id="2" creationId="{8E96AA65-B209-1287-7606-ED7A0C24505B}"/>
+          </ac:spMkLst>
+        </pc:spChg>
+        <pc:spChg chg="mod">
+          <ac:chgData name="Zonghua Gu" userId="9a7e1853e1951ef5" providerId="LiveId" clId="{CF1FAA12-072C-4ED5-BA76-0FFFAEFDB88A}" dt="2025-09-23T00:54:26.347" v="2056" actId="20577"/>
+          <ac:spMkLst>
+            <pc:docMk/>
+            <pc:sldMk cId="3001218416" sldId="558"/>
+            <ac:spMk id="4" creationId="{65B1C0D2-DA1A-E3F6-EAF4-BA1DF53BEE99}"/>
+          </ac:spMkLst>
+        </pc:spChg>
+      </pc:sldChg>
+      <pc:sldChg chg="modSp new mod">
+        <pc:chgData name="Zonghua Gu" userId="9a7e1853e1951ef5" providerId="LiveId" clId="{CF1FAA12-072C-4ED5-BA76-0FFFAEFDB88A}" dt="2025-09-23T01:07:02.144" v="2207" actId="20577"/>
+        <pc:sldMkLst>
+          <pc:docMk/>
+          <pc:sldMk cId="1899289889" sldId="559"/>
+        </pc:sldMkLst>
+        <pc:spChg chg="mod">
+          <ac:chgData name="Zonghua Gu" userId="9a7e1853e1951ef5" providerId="LiveId" clId="{CF1FAA12-072C-4ED5-BA76-0FFFAEFDB88A}" dt="2025-09-23T01:06:50.883" v="2199" actId="20577"/>
+          <ac:spMkLst>
+            <pc:docMk/>
+            <pc:sldMk cId="1899289889" sldId="559"/>
+            <ac:spMk id="2" creationId="{629A276C-A661-6DC1-DE38-563A3E2C7AF2}"/>
+          </ac:spMkLst>
+        </pc:spChg>
+        <pc:spChg chg="mod">
+          <ac:chgData name="Zonghua Gu" userId="9a7e1853e1951ef5" providerId="LiveId" clId="{CF1FAA12-072C-4ED5-BA76-0FFFAEFDB88A}" dt="2025-09-23T01:07:02.144" v="2207" actId="20577"/>
+          <ac:spMkLst>
+            <pc:docMk/>
+            <pc:sldMk cId="1899289889" sldId="559"/>
+            <ac:spMk id="4" creationId="{3CAEC62D-8983-5B00-CA77-5B8D7EF4098B}"/>
+          </ac:spMkLst>
+        </pc:spChg>
+      </pc:sldChg>
+      <pc:sldChg chg="modSp add mod">
+        <pc:chgData name="Zonghua Gu" userId="9a7e1853e1951ef5" providerId="LiveId" clId="{CF1FAA12-072C-4ED5-BA76-0FFFAEFDB88A}" dt="2025-09-23T01:06:54.735" v="2203" actId="20577"/>
+        <pc:sldMkLst>
+          <pc:docMk/>
+          <pc:sldMk cId="1329116476" sldId="560"/>
+        </pc:sldMkLst>
+        <pc:spChg chg="mod">
+          <ac:chgData name="Zonghua Gu" userId="9a7e1853e1951ef5" providerId="LiveId" clId="{CF1FAA12-072C-4ED5-BA76-0FFFAEFDB88A}" dt="2025-09-23T01:06:54.735" v="2203" actId="20577"/>
+          <ac:spMkLst>
+            <pc:docMk/>
+            <pc:sldMk cId="1329116476" sldId="560"/>
+            <ac:spMk id="2" creationId="{AF60BD31-36DB-8B14-43C7-875373D2BC3D}"/>
+          </ac:spMkLst>
+        </pc:spChg>
+      </pc:sldChg>
+      <pc:sldChg chg="modSp add mod modNotesTx">
+        <pc:chgData name="Zonghua Gu" userId="9a7e1853e1951ef5" providerId="LiveId" clId="{CF1FAA12-072C-4ED5-BA76-0FFFAEFDB88A}" dt="2025-09-23T01:19:15.565" v="2321" actId="5793"/>
+        <pc:sldMkLst>
+          <pc:docMk/>
+          <pc:sldMk cId="3280752258" sldId="561"/>
+        </pc:sldMkLst>
+        <pc:spChg chg="mod">
+          <ac:chgData name="Zonghua Gu" userId="9a7e1853e1951ef5" providerId="LiveId" clId="{CF1FAA12-072C-4ED5-BA76-0FFFAEFDB88A}" dt="2025-09-23T01:11:04.512" v="2274" actId="20577"/>
+          <ac:spMkLst>
+            <pc:docMk/>
+            <pc:sldMk cId="3280752258" sldId="561"/>
+            <ac:spMk id="2" creationId="{3C452DBC-650F-2FD6-D799-9D9632A6EF51}"/>
+          </ac:spMkLst>
+        </pc:spChg>
+        <pc:spChg chg="mod">
+          <ac:chgData name="Zonghua Gu" userId="9a7e1853e1951ef5" providerId="LiveId" clId="{CF1FAA12-072C-4ED5-BA76-0FFFAEFDB88A}" dt="2025-09-23T01:19:15.565" v="2321" actId="5793"/>
+          <ac:spMkLst>
+            <pc:docMk/>
+            <pc:sldMk cId="3280752258" sldId="561"/>
+            <ac:spMk id="4" creationId="{8B96A0C6-9296-BA88-C598-6B260416FC42}"/>
+          </ac:spMkLst>
+        </pc:spChg>
+      </pc:sldChg>
+      <pc:sldChg chg="modSp new mod">
+        <pc:chgData name="Zonghua Gu" userId="9a7e1853e1951ef5" providerId="LiveId" clId="{CF1FAA12-072C-4ED5-BA76-0FFFAEFDB88A}" dt="2025-09-23T01:21:25.879" v="2346" actId="27636"/>
+        <pc:sldMkLst>
+          <pc:docMk/>
+          <pc:sldMk cId="2226504781" sldId="562"/>
+        </pc:sldMkLst>
+        <pc:spChg chg="mod">
+          <ac:chgData name="Zonghua Gu" userId="9a7e1853e1951ef5" providerId="LiveId" clId="{CF1FAA12-072C-4ED5-BA76-0FFFAEFDB88A}" dt="2025-09-23T01:20:36.116" v="2325" actId="20577"/>
+          <ac:spMkLst>
+            <pc:docMk/>
+            <pc:sldMk cId="2226504781" sldId="562"/>
+            <ac:spMk id="2" creationId="{06C4CB07-1D04-C38F-A34B-D46C4EA40C25}"/>
+          </ac:spMkLst>
+        </pc:spChg>
+        <pc:spChg chg="mod">
+          <ac:chgData name="Zonghua Gu" userId="9a7e1853e1951ef5" providerId="LiveId" clId="{CF1FAA12-072C-4ED5-BA76-0FFFAEFDB88A}" dt="2025-09-23T01:21:25.879" v="2346" actId="27636"/>
+          <ac:spMkLst>
+            <pc:docMk/>
+            <pc:sldMk cId="2226504781" sldId="562"/>
+            <ac:spMk id="4" creationId="{1AF31EC3-9A82-D4F4-6333-68B054842001}"/>
+          </ac:spMkLst>
+        </pc:spChg>
+      </pc:sldChg>
+      <pc:sldChg chg="modSp add mod">
+        <pc:chgData name="Zonghua Gu" userId="9a7e1853e1951ef5" providerId="LiveId" clId="{CF1FAA12-072C-4ED5-BA76-0FFFAEFDB88A}" dt="2025-09-23T01:21:41.965" v="2350" actId="27636"/>
+        <pc:sldMkLst>
+          <pc:docMk/>
+          <pc:sldMk cId="1151160017" sldId="563"/>
+        </pc:sldMkLst>
+        <pc:spChg chg="mod">
+          <ac:chgData name="Zonghua Gu" userId="9a7e1853e1951ef5" providerId="LiveId" clId="{CF1FAA12-072C-4ED5-BA76-0FFFAEFDB88A}" dt="2025-09-23T01:21:39.496" v="2348" actId="20577"/>
+          <ac:spMkLst>
+            <pc:docMk/>
+            <pc:sldMk cId="1151160017" sldId="563"/>
+            <ac:spMk id="2" creationId="{A7F4A20A-F498-3EB6-F940-C1894F1C54B4}"/>
+          </ac:spMkLst>
+        </pc:spChg>
+        <pc:spChg chg="mod">
+          <ac:chgData name="Zonghua Gu" userId="9a7e1853e1951ef5" providerId="LiveId" clId="{CF1FAA12-072C-4ED5-BA76-0FFFAEFDB88A}" dt="2025-09-23T01:21:41.965" v="2350" actId="27636"/>
+          <ac:spMkLst>
+            <pc:docMk/>
+            <pc:sldMk cId="1151160017" sldId="563"/>
+            <ac:spMk id="4" creationId="{EEE383C9-4457-CE5C-9276-DDEA44D3054E}"/>
+          </ac:spMkLst>
+        </pc:spChg>
+      </pc:sldChg>
     </pc:docChg>
   </pc:docChgLst>
 </pc:chgInfo>
@@ -1268,7 +1460,7 @@
             <a:fld id="{3AC3A17A-95E8-4381-B66B-5D6DE2B3048A}" type="datetimeFigureOut">
               <a:rPr lang="en-US" smtClean="0"/>
               <a:pPr/>
-              <a:t>9/21/2025</a:t>
+              <a:t>9/22/2025</a:t>
             </a:fld>
             <a:endParaRPr lang="en-US"/>
           </a:p>
@@ -1555,6 +1747,321 @@
       </p:grpSpPr>
       <p:sp>
         <p:nvSpPr>
+          <p:cNvPr id="2" name="Slide Image Placeholder 1"/>
+          <p:cNvSpPr>
+            <a:spLocks noGrp="1" noRot="1" noChangeAspect="1"/>
+          </p:cNvSpPr>
+          <p:nvPr>
+            <p:ph type="sldImg"/>
+          </p:nvPr>
+        </p:nvSpPr>
+        <p:spPr/>
+      </p:sp>
+      <p:sp>
+        <p:nvSpPr>
+          <p:cNvPr id="3" name="Notes Placeholder 2"/>
+          <p:cNvSpPr>
+            <a:spLocks noGrp="1"/>
+          </p:cNvSpPr>
+          <p:nvPr>
+            <p:ph type="body" idx="1"/>
+          </p:nvPr>
+        </p:nvSpPr>
+        <p:spPr/>
+        <p:txBody>
+          <a:bodyPr/>
+          <a:lstStyle/>
+          <a:p>
+            <a:endParaRPr lang="en-US" dirty="0"/>
+          </a:p>
+        </p:txBody>
+      </p:sp>
+      <p:sp>
+        <p:nvSpPr>
+          <p:cNvPr id="4" name="Slide Number Placeholder 3"/>
+          <p:cNvSpPr>
+            <a:spLocks noGrp="1"/>
+          </p:cNvSpPr>
+          <p:nvPr>
+            <p:ph type="sldNum" sz="quarter" idx="5"/>
+          </p:nvPr>
+        </p:nvSpPr>
+        <p:spPr/>
+        <p:txBody>
+          <a:bodyPr/>
+          <a:lstStyle/>
+          <a:p>
+            <a:fld id="{1B0C9D69-9831-4844-8B1E-062B2DA58B0D}" type="slidenum">
+              <a:rPr lang="en-US" smtClean="0"/>
+              <a:pPr/>
+              <a:t>6</a:t>
+            </a:fld>
+            <a:endParaRPr lang="en-US"/>
+          </a:p>
+        </p:txBody>
+      </p:sp>
+    </p:spTree>
+    <p:extLst>
+      <p:ext uri="{BB962C8B-B14F-4D97-AF65-F5344CB8AC3E}">
+        <p14:creationId xmlns:p14="http://schemas.microsoft.com/office/powerpoint/2010/main" val="4186593333"/>
+      </p:ext>
+    </p:extLst>
+  </p:cSld>
+  <p:clrMapOvr>
+    <a:masterClrMapping/>
+  </p:clrMapOvr>
+</p:notes>
+</file>
+
+<file path=ppt/notesSlides/notesSlide2.xml><?xml version="1.0" encoding="utf-8"?>
+<p:notes xmlns:a="http://schemas.openxmlformats.org/drawingml/2006/main" xmlns:r="http://schemas.openxmlformats.org/officeDocument/2006/relationships" xmlns:p="http://schemas.openxmlformats.org/presentationml/2006/main">
+  <p:cSld>
+    <p:spTree>
+      <p:nvGrpSpPr>
+        <p:cNvPr id="1" name="">
+          <a:extLst>
+            <a:ext uri="{FF2B5EF4-FFF2-40B4-BE49-F238E27FC236}">
+              <a16:creationId xmlns:a16="http://schemas.microsoft.com/office/drawing/2014/main" id="{0C966557-E30C-AF68-CD82-F4D4909098A7}"/>
+            </a:ext>
+          </a:extLst>
+        </p:cNvPr>
+        <p:cNvGrpSpPr/>
+        <p:nvPr/>
+      </p:nvGrpSpPr>
+      <p:grpSpPr>
+        <a:xfrm>
+          <a:off x="0" y="0"/>
+          <a:ext cx="0" cy="0"/>
+          <a:chOff x="0" y="0"/>
+          <a:chExt cx="0" cy="0"/>
+        </a:xfrm>
+      </p:grpSpPr>
+      <p:sp>
+        <p:nvSpPr>
+          <p:cNvPr id="2" name="Slide Image Placeholder 1">
+            <a:extLst>
+              <a:ext uri="{FF2B5EF4-FFF2-40B4-BE49-F238E27FC236}">
+                <a16:creationId xmlns:a16="http://schemas.microsoft.com/office/drawing/2014/main" id="{399206F9-A8D8-B695-0EB9-4F91C56B93B5}"/>
+              </a:ext>
+            </a:extLst>
+          </p:cNvPr>
+          <p:cNvSpPr>
+            <a:spLocks noGrp="1" noRot="1" noChangeAspect="1"/>
+          </p:cNvSpPr>
+          <p:nvPr>
+            <p:ph type="sldImg"/>
+          </p:nvPr>
+        </p:nvSpPr>
+        <p:spPr/>
+      </p:sp>
+      <p:sp>
+        <p:nvSpPr>
+          <p:cNvPr id="3" name="Notes Placeholder 2">
+            <a:extLst>
+              <a:ext uri="{FF2B5EF4-FFF2-40B4-BE49-F238E27FC236}">
+                <a16:creationId xmlns:a16="http://schemas.microsoft.com/office/drawing/2014/main" id="{6AE6A2AB-BEA2-B89F-9BAD-960432F9EC84}"/>
+              </a:ext>
+            </a:extLst>
+          </p:cNvPr>
+          <p:cNvSpPr>
+            <a:spLocks noGrp="1"/>
+          </p:cNvSpPr>
+          <p:nvPr>
+            <p:ph type="body" idx="1"/>
+          </p:nvPr>
+        </p:nvSpPr>
+        <p:spPr/>
+        <p:txBody>
+          <a:bodyPr/>
+          <a:lstStyle/>
+          <a:p>
+            <a:endParaRPr lang="en-US" dirty="0"/>
+          </a:p>
+        </p:txBody>
+      </p:sp>
+      <p:sp>
+        <p:nvSpPr>
+          <p:cNvPr id="4" name="Slide Number Placeholder 3">
+            <a:extLst>
+              <a:ext uri="{FF2B5EF4-FFF2-40B4-BE49-F238E27FC236}">
+                <a16:creationId xmlns:a16="http://schemas.microsoft.com/office/drawing/2014/main" id="{9AF8607F-4039-82BD-5A6F-95CCF817EC1C}"/>
+              </a:ext>
+            </a:extLst>
+          </p:cNvPr>
+          <p:cNvSpPr>
+            <a:spLocks noGrp="1"/>
+          </p:cNvSpPr>
+          <p:nvPr>
+            <p:ph type="sldNum" sz="quarter" idx="5"/>
+          </p:nvPr>
+        </p:nvSpPr>
+        <p:spPr/>
+        <p:txBody>
+          <a:bodyPr/>
+          <a:lstStyle/>
+          <a:p>
+            <a:fld id="{1B0C9D69-9831-4844-8B1E-062B2DA58B0D}" type="slidenum">
+              <a:rPr lang="en-US" smtClean="0"/>
+              <a:pPr/>
+              <a:t>7</a:t>
+            </a:fld>
+            <a:endParaRPr lang="en-US"/>
+          </a:p>
+        </p:txBody>
+      </p:sp>
+    </p:spTree>
+    <p:extLst>
+      <p:ext uri="{BB962C8B-B14F-4D97-AF65-F5344CB8AC3E}">
+        <p14:creationId xmlns:p14="http://schemas.microsoft.com/office/powerpoint/2010/main" val="4066973793"/>
+      </p:ext>
+    </p:extLst>
+  </p:cSld>
+  <p:clrMapOvr>
+    <a:masterClrMapping/>
+  </p:clrMapOvr>
+</p:notes>
+</file>
+
+<file path=ppt/notesSlides/notesSlide3.xml><?xml version="1.0" encoding="utf-8"?>
+<p:notes xmlns:a="http://schemas.openxmlformats.org/drawingml/2006/main" xmlns:r="http://schemas.openxmlformats.org/officeDocument/2006/relationships" xmlns:p="http://schemas.openxmlformats.org/presentationml/2006/main">
+  <p:cSld>
+    <p:spTree>
+      <p:nvGrpSpPr>
+        <p:cNvPr id="1" name="">
+          <a:extLst>
+            <a:ext uri="{FF2B5EF4-FFF2-40B4-BE49-F238E27FC236}">
+              <a16:creationId xmlns:a16="http://schemas.microsoft.com/office/drawing/2014/main" id="{1AA9ED06-CB4D-495B-C694-4C1B6E74BDA3}"/>
+            </a:ext>
+          </a:extLst>
+        </p:cNvPr>
+        <p:cNvGrpSpPr/>
+        <p:nvPr/>
+      </p:nvGrpSpPr>
+      <p:grpSpPr>
+        <a:xfrm>
+          <a:off x="0" y="0"/>
+          <a:ext cx="0" cy="0"/>
+          <a:chOff x="0" y="0"/>
+          <a:chExt cx="0" cy="0"/>
+        </a:xfrm>
+      </p:grpSpPr>
+      <p:sp>
+        <p:nvSpPr>
+          <p:cNvPr id="2" name="Slide Image Placeholder 1">
+            <a:extLst>
+              <a:ext uri="{FF2B5EF4-FFF2-40B4-BE49-F238E27FC236}">
+                <a16:creationId xmlns:a16="http://schemas.microsoft.com/office/drawing/2014/main" id="{FA8BA59D-F778-B6DB-A073-14EAC72E42F0}"/>
+              </a:ext>
+            </a:extLst>
+          </p:cNvPr>
+          <p:cNvSpPr>
+            <a:spLocks noGrp="1" noRot="1" noChangeAspect="1"/>
+          </p:cNvSpPr>
+          <p:nvPr>
+            <p:ph type="sldImg"/>
+          </p:nvPr>
+        </p:nvSpPr>
+        <p:spPr/>
+      </p:sp>
+      <p:sp>
+        <p:nvSpPr>
+          <p:cNvPr id="3" name="Notes Placeholder 2">
+            <a:extLst>
+              <a:ext uri="{FF2B5EF4-FFF2-40B4-BE49-F238E27FC236}">
+                <a16:creationId xmlns:a16="http://schemas.microsoft.com/office/drawing/2014/main" id="{C0C57544-8E4A-41E5-8E60-89D98A207072}"/>
+              </a:ext>
+            </a:extLst>
+          </p:cNvPr>
+          <p:cNvSpPr>
+            <a:spLocks noGrp="1"/>
+          </p:cNvSpPr>
+          <p:nvPr>
+            <p:ph type="body" idx="1"/>
+          </p:nvPr>
+        </p:nvSpPr>
+        <p:spPr/>
+        <p:txBody>
+          <a:bodyPr/>
+          <a:lstStyle/>
+          <a:p>
+            <a:r>
+              <a:rPr lang="pt-BR" sz="1200" b="0" i="0" kern="1200" dirty="0">
+                <a:solidFill>
+                  <a:schemeClr val="tx1"/>
+                </a:solidFill>
+                <a:effectLst/>
+                <a:latin typeface="+mn-lt"/>
+                <a:ea typeface="+mn-ea"/>
+                <a:cs typeface="+mn-cs"/>
+              </a:rPr>
+              <a:t>R2 = 0x01122334, R3 = 0x00112233, R4 = 0x00001122, R5 = 0x01122334, R6 = 0x00112233, R7 = 0x00001122.</a:t>
+            </a:r>
+            <a:endParaRPr lang="en-US" dirty="0"/>
+          </a:p>
+        </p:txBody>
+      </p:sp>
+      <p:sp>
+        <p:nvSpPr>
+          <p:cNvPr id="4" name="Slide Number Placeholder 3">
+            <a:extLst>
+              <a:ext uri="{FF2B5EF4-FFF2-40B4-BE49-F238E27FC236}">
+                <a16:creationId xmlns:a16="http://schemas.microsoft.com/office/drawing/2014/main" id="{DFE15DA1-B8B2-6177-0798-B0B79A26A3A3}"/>
+              </a:ext>
+            </a:extLst>
+          </p:cNvPr>
+          <p:cNvSpPr>
+            <a:spLocks noGrp="1"/>
+          </p:cNvSpPr>
+          <p:nvPr>
+            <p:ph type="sldNum" sz="quarter" idx="5"/>
+          </p:nvPr>
+        </p:nvSpPr>
+        <p:spPr/>
+        <p:txBody>
+          <a:bodyPr/>
+          <a:lstStyle/>
+          <a:p>
+            <a:fld id="{1B0C9D69-9831-4844-8B1E-062B2DA58B0D}" type="slidenum">
+              <a:rPr lang="en-US" smtClean="0"/>
+              <a:pPr/>
+              <a:t>8</a:t>
+            </a:fld>
+            <a:endParaRPr lang="en-US"/>
+          </a:p>
+        </p:txBody>
+      </p:sp>
+    </p:spTree>
+    <p:extLst>
+      <p:ext uri="{BB962C8B-B14F-4D97-AF65-F5344CB8AC3E}">
+        <p14:creationId xmlns:p14="http://schemas.microsoft.com/office/powerpoint/2010/main" val="2073562476"/>
+      </p:ext>
+    </p:extLst>
+  </p:cSld>
+  <p:clrMapOvr>
+    <a:masterClrMapping/>
+  </p:clrMapOvr>
+</p:notes>
+</file>
+
+<file path=ppt/notesSlides/notesSlide4.xml><?xml version="1.0" encoding="utf-8"?>
+<p:notes xmlns:a="http://schemas.openxmlformats.org/drawingml/2006/main" xmlns:r="http://schemas.openxmlformats.org/officeDocument/2006/relationships" xmlns:p="http://schemas.openxmlformats.org/presentationml/2006/main">
+  <p:cSld>
+    <p:spTree>
+      <p:nvGrpSpPr>
+        <p:cNvPr id="1" name=""/>
+        <p:cNvGrpSpPr/>
+        <p:nvPr/>
+      </p:nvGrpSpPr>
+      <p:grpSpPr>
+        <a:xfrm>
+          <a:off x="0" y="0"/>
+          <a:ext cx="0" cy="0"/>
+          <a:chOff x="0" y="0"/>
+          <a:chExt cx="0" cy="0"/>
+        </a:xfrm>
+      </p:grpSpPr>
+      <p:sp>
+        <p:nvSpPr>
           <p:cNvPr id="324610" name="Rectangle 2"/>
           <p:cNvSpPr>
             <a:spLocks noGrp="1" noRot="1" noChangeAspect="1" noChangeArrowheads="1" noTextEdit="1"/>
@@ -1717,7 +2224,7 @@
 </p:notes>
 </file>
 
-<file path=ppt/notesSlides/notesSlide2.xml><?xml version="1.0" encoding="utf-8"?>
+<file path=ppt/notesSlides/notesSlide5.xml><?xml version="1.0" encoding="utf-8"?>
 <p:notes xmlns:a="http://schemas.openxmlformats.org/drawingml/2006/main" xmlns:r="http://schemas.openxmlformats.org/officeDocument/2006/relationships" xmlns:p="http://schemas.openxmlformats.org/presentationml/2006/main">
   <p:cSld>
     <p:spTree>
@@ -1882,7 +2389,7 @@
             <a:fld id="{1B0C9D69-9831-4844-8B1E-062B2DA58B0D}" type="slidenum">
               <a:rPr lang="en-US" smtClean="0"/>
               <a:pPr/>
-              <a:t>7</a:t>
+              <a:t>16</a:t>
             </a:fld>
             <a:endParaRPr lang="en-US"/>
           </a:p>
@@ -1901,7 +2408,7 @@
 </p:notes>
 </file>
 
-<file path=ppt/notesSlides/notesSlide3.xml><?xml version="1.0" encoding="utf-8"?>
+<file path=ppt/notesSlides/notesSlide6.xml><?xml version="1.0" encoding="utf-8"?>
 <p:notes xmlns:a="http://schemas.openxmlformats.org/drawingml/2006/main" xmlns:r="http://schemas.openxmlformats.org/officeDocument/2006/relationships" xmlns:p="http://schemas.openxmlformats.org/presentationml/2006/main">
   <p:cSld>
     <p:spTree>
@@ -2007,7 +2514,7 @@
             <a:fld id="{1B0C9D69-9831-4844-8B1E-062B2DA58B0D}" type="slidenum">
               <a:rPr lang="en-US" smtClean="0"/>
               <a:pPr/>
-              <a:t>8</a:t>
+              <a:t>17</a:t>
             </a:fld>
             <a:endParaRPr lang="en-US"/>
           </a:p>
@@ -2026,7 +2533,7 @@
 </p:notes>
 </file>
 
-<file path=ppt/notesSlides/notesSlide4.xml><?xml version="1.0" encoding="utf-8"?>
+<file path=ppt/notesSlides/notesSlide7.xml><?xml version="1.0" encoding="utf-8"?>
 <p:notes xmlns:a="http://schemas.openxmlformats.org/drawingml/2006/main" xmlns:r="http://schemas.openxmlformats.org/officeDocument/2006/relationships" xmlns:p="http://schemas.openxmlformats.org/presentationml/2006/main">
   <p:cSld>
     <p:spTree>
@@ -2164,7 +2671,7 @@
             <a:fld id="{1B0C9D69-9831-4844-8B1E-062B2DA58B0D}" type="slidenum">
               <a:rPr lang="en-US" smtClean="0"/>
               <a:pPr/>
-              <a:t>11</a:t>
+              <a:t>20</a:t>
             </a:fld>
             <a:endParaRPr lang="en-US"/>
           </a:p>
@@ -2183,7 +2690,7 @@
 </p:notes>
 </file>
 
-<file path=ppt/notesSlides/notesSlide5.xml><?xml version="1.0" encoding="utf-8"?>
+<file path=ppt/notesSlides/notesSlide8.xml><?xml version="1.0" encoding="utf-8"?>
 <p:notes xmlns:a="http://schemas.openxmlformats.org/drawingml/2006/main" xmlns:r="http://schemas.openxmlformats.org/officeDocument/2006/relationships" xmlns:p="http://schemas.openxmlformats.org/presentationml/2006/main">
   <p:cSld>
     <p:spTree>
@@ -2269,7 +2776,7 @@
             <a:fld id="{1B0C9D69-9831-4844-8B1E-062B2DA58B0D}" type="slidenum">
               <a:rPr lang="en-US" smtClean="0"/>
               <a:pPr/>
-              <a:t>19</a:t>
+              <a:t>28</a:t>
             </a:fld>
             <a:endParaRPr lang="en-US"/>
           </a:p>
@@ -2431,7 +2938,7 @@
             <a:fld id="{966FEA0E-C2DF-4252-97AD-54F2B7E07EAC}" type="datetime1">
               <a:rPr lang="en-US" smtClean="0"/>
               <a:pPr eaLnBrk="1" latinLnBrk="0" hangingPunct="1"/>
-              <a:t>9/21/2025</a:t>
+              <a:t>9/22/2025</a:t>
             </a:fld>
             <a:endParaRPr lang="en-US" sz="1600" dirty="0"/>
           </a:p>
@@ -2792,7 +3299,7 @@
             <a:fld id="{69EF9524-0CAA-4F98-BAC2-CE6B712F5E94}" type="datetime1">
               <a:rPr lang="en-US" smtClean="0"/>
               <a:pPr eaLnBrk="1" latinLnBrk="0" hangingPunct="1"/>
-              <a:t>9/21/2025</a:t>
+              <a:t>9/22/2025</a:t>
             </a:fld>
             <a:endParaRPr lang="en-US"/>
           </a:p>
@@ -2969,7 +3476,7 @@
             <a:fld id="{CB20516D-6F89-4C89-8307-32A716E22875}" type="datetime1">
               <a:rPr lang="en-US" smtClean="0"/>
               <a:pPr eaLnBrk="1" latinLnBrk="0" hangingPunct="1"/>
-              <a:t>9/21/2025</a:t>
+              <a:t>9/22/2025</a:t>
             </a:fld>
             <a:endParaRPr lang="en-US"/>
           </a:p>
@@ -3206,7 +3713,7 @@
             <a:fld id="{0CD88620-7329-4FC3-B65D-4EA691138F1B}" type="datetime1">
               <a:rPr lang="en-US" smtClean="0"/>
               <a:pPr eaLnBrk="1" latinLnBrk="0" hangingPunct="1"/>
-              <a:t>9/21/2025</a:t>
+              <a:t>9/22/2025</a:t>
             </a:fld>
             <a:endParaRPr lang="en-US" dirty="0"/>
           </a:p>
@@ -3477,7 +3984,7 @@
             <a:fld id="{0E46F3A1-5653-427D-9F78-56077401431A}" type="datetime1">
               <a:rPr lang="en-US" smtClean="0"/>
               <a:pPr eaLnBrk="1" latinLnBrk="0" hangingPunct="1"/>
-              <a:t>9/21/2025</a:t>
+              <a:t>9/22/2025</a:t>
             </a:fld>
             <a:endParaRPr lang="en-US" dirty="0"/>
           </a:p>
@@ -3699,7 +4206,7 @@
             <a:fld id="{CB67FC03-415A-45F0-B002-DF181377F7DC}" type="datetime1">
               <a:rPr lang="en-US" smtClean="0"/>
               <a:pPr eaLnBrk="1" latinLnBrk="0" hangingPunct="1"/>
-              <a:t>9/21/2025</a:t>
+              <a:t>9/22/2025</a:t>
             </a:fld>
             <a:endParaRPr lang="en-US"/>
           </a:p>
@@ -4053,7 +4560,7 @@
             <a:fld id="{1B6FC726-A0B4-4FC7-90F5-F17415A5C1A3}" type="datetime1">
               <a:rPr lang="en-US" smtClean="0"/>
               <a:pPr eaLnBrk="1" latinLnBrk="0" hangingPunct="1"/>
-              <a:t>9/21/2025</a:t>
+              <a:t>9/22/2025</a:t>
             </a:fld>
             <a:endParaRPr lang="en-US"/>
           </a:p>
@@ -4287,7 +4794,7 @@
             <a:fld id="{BE217211-C3F9-4892-9CC3-C7105638567D}" type="datetime1">
               <a:rPr lang="en-US" smtClean="0"/>
               <a:pPr eaLnBrk="1" latinLnBrk="0" hangingPunct="1"/>
-              <a:t>9/21/2025</a:t>
+              <a:t>9/22/2025</a:t>
             </a:fld>
             <a:endParaRPr lang="en-US"/>
           </a:p>
@@ -4430,7 +4937,7 @@
             <a:fld id="{BA713E6A-6B26-4373-A75B-EF395DC64F9E}" type="datetime1">
               <a:rPr lang="en-US" smtClean="0"/>
               <a:pPr eaLnBrk="1" latinLnBrk="0" hangingPunct="1"/>
-              <a:t>9/21/2025</a:t>
+              <a:t>9/22/2025</a:t>
             </a:fld>
             <a:endParaRPr lang="en-US"/>
           </a:p>
@@ -4709,7 +5216,7 @@
             <a:fld id="{57EB41EF-4260-415A-8DD6-FEDCC46E7EFC}" type="datetime1">
               <a:rPr lang="en-US" smtClean="0"/>
               <a:pPr eaLnBrk="1" latinLnBrk="0" hangingPunct="1"/>
-              <a:t>9/21/2025</a:t>
+              <a:t>9/22/2025</a:t>
             </a:fld>
             <a:endParaRPr lang="en-US"/>
           </a:p>
@@ -5118,7 +5625,7 @@
             <a:fld id="{6BDA80A0-06CC-4492-94A0-E8516751045E}" type="datetime1">
               <a:rPr lang="en-US" smtClean="0"/>
               <a:pPr eaLnBrk="1" latinLnBrk="0" hangingPunct="1"/>
-              <a:t>9/21/2025</a:t>
+              <a:t>9/22/2025</a:t>
             </a:fld>
             <a:endParaRPr lang="en-US"/>
           </a:p>
@@ -5457,7 +5964,7 @@
             <a:fld id="{A25B5B4B-57EE-495D-8E74-A657CFD8BB6C}" type="datetime1">
               <a:rPr lang="en-US" smtClean="0"/>
               <a:pPr eaLnBrk="1" latinLnBrk="0" hangingPunct="1"/>
-              <a:t>9/21/2025</a:t>
+              <a:t>9/22/2025</a:t>
             </a:fld>
             <a:endParaRPr lang="en-US" sz="1400" dirty="0">
               <a:solidFill>
@@ -6259,450 +6766,6 @@
   <p:cSld>
     <p:spTree>
       <p:nvGrpSpPr>
-        <p:cNvPr id="1" name="">
-          <a:extLst>
-            <a:ext uri="{FF2B5EF4-FFF2-40B4-BE49-F238E27FC236}">
-              <a16:creationId xmlns:a16="http://schemas.microsoft.com/office/drawing/2014/main" id="{3FC76F90-35DA-C6B2-DA8D-B8A77EB637D7}"/>
-            </a:ext>
-          </a:extLst>
-        </p:cNvPr>
-        <p:cNvGrpSpPr/>
-        <p:nvPr/>
-      </p:nvGrpSpPr>
-      <p:grpSpPr>
-        <a:xfrm>
-          <a:off x="0" y="0"/>
-          <a:ext cx="0" cy="0"/>
-          <a:chOff x="0" y="0"/>
-          <a:chExt cx="0" cy="0"/>
-        </a:xfrm>
-      </p:grpSpPr>
-      <p:sp>
-        <p:nvSpPr>
-          <p:cNvPr id="2" name="Title 1">
-            <a:extLst>
-              <a:ext uri="{FF2B5EF4-FFF2-40B4-BE49-F238E27FC236}">
-                <a16:creationId xmlns:a16="http://schemas.microsoft.com/office/drawing/2014/main" id="{43433923-A3D7-3DF6-0FD1-40B2D707B599}"/>
-              </a:ext>
-            </a:extLst>
-          </p:cNvPr>
-          <p:cNvSpPr>
-            <a:spLocks noGrp="1"/>
-          </p:cNvSpPr>
-          <p:nvPr>
-            <p:ph type="title"/>
-          </p:nvPr>
-        </p:nvSpPr>
-        <p:spPr/>
-        <p:txBody>
-          <a:bodyPr/>
-          <a:lstStyle/>
-          <a:p>
-            <a:r>
-              <a:rPr lang="en-US" dirty="0"/>
-              <a:t>Flags ANS</a:t>
-            </a:r>
-          </a:p>
-        </p:txBody>
-      </p:sp>
-      <p:sp>
-        <p:nvSpPr>
-          <p:cNvPr id="3" name="Slide Number Placeholder 2">
-            <a:extLst>
-              <a:ext uri="{FF2B5EF4-FFF2-40B4-BE49-F238E27FC236}">
-                <a16:creationId xmlns:a16="http://schemas.microsoft.com/office/drawing/2014/main" id="{4A648110-879A-1649-F5F1-EE26EAC34D2F}"/>
-              </a:ext>
-            </a:extLst>
-          </p:cNvPr>
-          <p:cNvSpPr>
-            <a:spLocks noGrp="1"/>
-          </p:cNvSpPr>
-          <p:nvPr>
-            <p:ph type="sldNum" sz="quarter" idx="12"/>
-          </p:nvPr>
-        </p:nvSpPr>
-        <p:spPr/>
-        <p:txBody>
-          <a:bodyPr/>
-          <a:lstStyle/>
-          <a:p>
-            <a:fld id="{EA7C8D44-3667-46F6-9772-CC52308E2A7F}" type="slidenum">
-              <a:rPr kumimoji="0" lang="en-US" smtClean="0"/>
-              <a:pPr/>
-              <a:t>10</a:t>
-            </a:fld>
-            <a:endParaRPr kumimoji="0" lang="en-US" dirty="0"/>
-          </a:p>
-        </p:txBody>
-      </p:sp>
-      <p:sp>
-        <p:nvSpPr>
-          <p:cNvPr id="4" name="Content Placeholder 3">
-            <a:extLst>
-              <a:ext uri="{FF2B5EF4-FFF2-40B4-BE49-F238E27FC236}">
-                <a16:creationId xmlns:a16="http://schemas.microsoft.com/office/drawing/2014/main" id="{5645CD76-A90D-FFA9-784E-A81C0CBBBD11}"/>
-              </a:ext>
-            </a:extLst>
-          </p:cNvPr>
-          <p:cNvSpPr>
-            <a:spLocks noGrp="1"/>
-          </p:cNvSpPr>
-          <p:nvPr>
-            <p:ph sz="quarter" idx="1"/>
-          </p:nvPr>
-        </p:nvSpPr>
-        <p:spPr/>
-        <p:txBody>
-          <a:bodyPr>
-            <a:normAutofit fontScale="85000" lnSpcReduction="20000"/>
-          </a:bodyPr>
-          <a:lstStyle/>
-          <a:p>
-            <a:r>
-              <a:rPr lang="pt-BR" dirty="0"/>
-              <a:t>(d) ANDS r4, r0, r3</a:t>
-            </a:r>
-          </a:p>
-          <a:p>
-            <a:pPr lvl="1"/>
-            <a:r>
-              <a:rPr lang="en-US" dirty="0"/>
-              <a:t>Bitwise AND with flag update: 0xffffffff &amp; 0xfffffff0 = 0xfffffff0</a:t>
-            </a:r>
-          </a:p>
-          <a:p>
-            <a:pPr lvl="1"/>
-            <a:r>
-              <a:rPr lang="en-US" dirty="0"/>
-              <a:t>N = 1 (result bit 31 = 1, negative)</a:t>
-            </a:r>
-          </a:p>
-          <a:p>
-            <a:pPr lvl="1"/>
-            <a:r>
-              <a:rPr lang="en-US" dirty="0"/>
-              <a:t>Z = 0 (result is not zero)</a:t>
-            </a:r>
-          </a:p>
-          <a:p>
-            <a:pPr lvl="1"/>
-            <a:r>
-              <a:rPr lang="en-US" dirty="0"/>
-              <a:t>C = 0 (logical operations clear carry flag)</a:t>
-            </a:r>
-          </a:p>
-          <a:p>
-            <a:pPr lvl="1"/>
-            <a:r>
-              <a:rPr lang="en-US" dirty="0"/>
-              <a:t>V = 0 (logical operations don't affect overflow)</a:t>
-            </a:r>
-          </a:p>
-          <a:p>
-            <a:pPr lvl="1"/>
-            <a:r>
-              <a:rPr lang="en-US" dirty="0"/>
-              <a:t>Result: r4 = 0xfffffff0, NZCV = 1000</a:t>
-            </a:r>
-          </a:p>
-          <a:p>
-            <a:r>
-              <a:rPr lang="en-US" dirty="0"/>
-              <a:t>(e) CMP r2, #3</a:t>
-            </a:r>
-          </a:p>
-          <a:p>
-            <a:pPr lvl="1"/>
-            <a:r>
-              <a:rPr lang="en-US" dirty="0"/>
-              <a:t>Compare operation: r2 - 3 = 3 - 3 = 0 (result not stored, only flags updated)</a:t>
-            </a:r>
-          </a:p>
-          <a:p>
-            <a:pPr lvl="1"/>
-            <a:r>
-              <a:rPr lang="en-US" dirty="0"/>
-              <a:t>N = 0 (subtraction result is 0, bit 31 = 0)</a:t>
-            </a:r>
-          </a:p>
-          <a:p>
-            <a:pPr lvl="1"/>
-            <a:r>
-              <a:rPr lang="en-US" dirty="0"/>
-              <a:t>Z = 1 (subtraction result is 0)</a:t>
-            </a:r>
-          </a:p>
-          <a:p>
-            <a:pPr lvl="1"/>
-            <a:r>
-              <a:rPr lang="en-US" dirty="0"/>
-              <a:t>C = 1 (no borrow: 3 ≥ 3, so C = 1 = not borrow)</a:t>
-            </a:r>
-          </a:p>
-          <a:p>
-            <a:pPr lvl="1"/>
-            <a:r>
-              <a:rPr lang="en-US" dirty="0"/>
-              <a:t>V = 0 (no signed overflow in 3 - 3)</a:t>
-            </a:r>
-          </a:p>
-          <a:p>
-            <a:pPr lvl="1"/>
-            <a:r>
-              <a:rPr lang="en-US" dirty="0"/>
-              <a:t>Result: NZCV = 0110</a:t>
-            </a:r>
-          </a:p>
-          <a:p>
-            <a:endParaRPr lang="en-US" dirty="0"/>
-          </a:p>
-          <a:p>
-            <a:endParaRPr lang="en-US" dirty="0"/>
-          </a:p>
-          <a:p>
-            <a:endParaRPr lang="en-US" dirty="0"/>
-          </a:p>
-          <a:p>
-            <a:pPr lvl="1"/>
-            <a:endParaRPr lang="en-US" dirty="0"/>
-          </a:p>
-          <a:p>
-            <a:endParaRPr lang="en-US" dirty="0"/>
-          </a:p>
-        </p:txBody>
-      </p:sp>
-      <p:graphicFrame>
-        <p:nvGraphicFramePr>
-          <p:cNvPr id="5" name="Table 4">
-            <a:extLst>
-              <a:ext uri="{FF2B5EF4-FFF2-40B4-BE49-F238E27FC236}">
-                <a16:creationId xmlns:a16="http://schemas.microsoft.com/office/drawing/2014/main" id="{9BFC7784-AC7A-8159-74B8-C94D84BE48E4}"/>
-              </a:ext>
-            </a:extLst>
-          </p:cNvPr>
-          <p:cNvGraphicFramePr>
-            <a:graphicFrameLocks noGrp="1"/>
-          </p:cNvGraphicFramePr>
-          <p:nvPr>
-            <p:extLst>
-              <p:ext uri="{D42A27DB-BD31-4B8C-83A1-F6EECF244321}">
-                <p14:modId xmlns:p14="http://schemas.microsoft.com/office/powerpoint/2010/main" val="2607785733"/>
-              </p:ext>
-            </p:extLst>
-          </p:nvPr>
-        </p:nvGraphicFramePr>
-        <p:xfrm>
-          <a:off x="7070034" y="69573"/>
-          <a:ext cx="1984513" cy="1483360"/>
-        </p:xfrm>
-        <a:graphic>
-          <a:graphicData uri="http://schemas.openxmlformats.org/drawingml/2006/table">
-            <a:tbl>
-              <a:tblPr firstRow="1" bandRow="1">
-                <a:tableStyleId>{5940675A-B579-460E-94D1-54222C63F5DA}</a:tableStyleId>
-              </a:tblPr>
-              <a:tblGrid>
-                <a:gridCol w="496128">
-                  <a:extLst>
-                    <a:ext uri="{9D8B030D-6E8A-4147-A177-3AD203B41FA5}">
-                      <a16:colId xmlns:a16="http://schemas.microsoft.com/office/drawing/2014/main" val="1977830853"/>
-                    </a:ext>
-                  </a:extLst>
-                </a:gridCol>
-                <a:gridCol w="1488385">
-                  <a:extLst>
-                    <a:ext uri="{9D8B030D-6E8A-4147-A177-3AD203B41FA5}">
-                      <a16:colId xmlns:a16="http://schemas.microsoft.com/office/drawing/2014/main" val="1289645906"/>
-                    </a:ext>
-                  </a:extLst>
-                </a:gridCol>
-              </a:tblGrid>
-              <a:tr h="370840">
-                <a:tc>
-                  <a:txBody>
-                    <a:bodyPr/>
-                    <a:lstStyle/>
-                    <a:p>
-                      <a:r>
-                        <a:rPr lang="en-US" sz="1800" dirty="0"/>
-                        <a:t>r0</a:t>
-                      </a:r>
-                    </a:p>
-                  </a:txBody>
-                  <a:tcPr>
-                    <a:solidFill>
-                      <a:schemeClr val="bg1"/>
-                    </a:solidFill>
-                  </a:tcPr>
-                </a:tc>
-                <a:tc>
-                  <a:txBody>
-                    <a:bodyPr/>
-                    <a:lstStyle/>
-                    <a:p>
-                      <a:r>
-                        <a:rPr lang="en-US" sz="1800" dirty="0"/>
-                        <a:t>0xffffffff</a:t>
-                      </a:r>
-                    </a:p>
-                  </a:txBody>
-                  <a:tcPr>
-                    <a:solidFill>
-                      <a:schemeClr val="bg1"/>
-                    </a:solidFill>
-                  </a:tcPr>
-                </a:tc>
-                <a:extLst>
-                  <a:ext uri="{0D108BD9-81ED-4DB2-BD59-A6C34878D82A}">
-                    <a16:rowId xmlns:a16="http://schemas.microsoft.com/office/drawing/2014/main" val="431725572"/>
-                  </a:ext>
-                </a:extLst>
-              </a:tr>
-              <a:tr h="370840">
-                <a:tc>
-                  <a:txBody>
-                    <a:bodyPr/>
-                    <a:lstStyle/>
-                    <a:p>
-                      <a:r>
-                        <a:rPr lang="en-US" sz="1800" dirty="0"/>
-                        <a:t>r1</a:t>
-                      </a:r>
-                    </a:p>
-                  </a:txBody>
-                  <a:tcPr>
-                    <a:solidFill>
-                      <a:schemeClr val="bg1"/>
-                    </a:solidFill>
-                  </a:tcPr>
-                </a:tc>
-                <a:tc>
-                  <a:txBody>
-                    <a:bodyPr/>
-                    <a:lstStyle/>
-                    <a:p>
-                      <a:r>
-                        <a:rPr lang="en-US" sz="1800" dirty="0"/>
-                        <a:t>0x00000001</a:t>
-                      </a:r>
-                    </a:p>
-                  </a:txBody>
-                  <a:tcPr>
-                    <a:solidFill>
-                      <a:schemeClr val="bg1"/>
-                    </a:solidFill>
-                  </a:tcPr>
-                </a:tc>
-                <a:extLst>
-                  <a:ext uri="{0D108BD9-81ED-4DB2-BD59-A6C34878D82A}">
-                    <a16:rowId xmlns:a16="http://schemas.microsoft.com/office/drawing/2014/main" val="1221187379"/>
-                  </a:ext>
-                </a:extLst>
-              </a:tr>
-              <a:tr h="370840">
-                <a:tc>
-                  <a:txBody>
-                    <a:bodyPr/>
-                    <a:lstStyle/>
-                    <a:p>
-                      <a:r>
-                        <a:rPr lang="en-US" sz="1800" dirty="0"/>
-                        <a:t>r2</a:t>
-                      </a:r>
-                    </a:p>
-                  </a:txBody>
-                  <a:tcPr>
-                    <a:solidFill>
-                      <a:schemeClr val="bg1"/>
-                    </a:solidFill>
-                  </a:tcPr>
-                </a:tc>
-                <a:tc>
-                  <a:txBody>
-                    <a:bodyPr/>
-                    <a:lstStyle/>
-                    <a:p>
-                      <a:r>
-                        <a:rPr lang="en-US" sz="1800" dirty="0"/>
-                        <a:t>0x00000003</a:t>
-                      </a:r>
-                    </a:p>
-                  </a:txBody>
-                  <a:tcPr>
-                    <a:solidFill>
-                      <a:schemeClr val="bg1"/>
-                    </a:solidFill>
-                  </a:tcPr>
-                </a:tc>
-                <a:extLst>
-                  <a:ext uri="{0D108BD9-81ED-4DB2-BD59-A6C34878D82A}">
-                    <a16:rowId xmlns:a16="http://schemas.microsoft.com/office/drawing/2014/main" val="1070044812"/>
-                  </a:ext>
-                </a:extLst>
-              </a:tr>
-              <a:tr h="370840">
-                <a:tc>
-                  <a:txBody>
-                    <a:bodyPr/>
-                    <a:lstStyle/>
-                    <a:p>
-                      <a:r>
-                        <a:rPr lang="en-US" sz="1800" dirty="0"/>
-                        <a:t>r3</a:t>
-                      </a:r>
-                    </a:p>
-                  </a:txBody>
-                  <a:tcPr>
-                    <a:solidFill>
-                      <a:schemeClr val="bg1"/>
-                    </a:solidFill>
-                  </a:tcPr>
-                </a:tc>
-                <a:tc>
-                  <a:txBody>
-                    <a:bodyPr/>
-                    <a:lstStyle/>
-                    <a:p>
-                      <a:r>
-                        <a:rPr lang="en-US" sz="1800" dirty="0"/>
-                        <a:t>0xfffffff0</a:t>
-                      </a:r>
-                    </a:p>
-                  </a:txBody>
-                  <a:tcPr>
-                    <a:solidFill>
-                      <a:schemeClr val="bg1"/>
-                    </a:solidFill>
-                  </a:tcPr>
-                </a:tc>
-                <a:extLst>
-                  <a:ext uri="{0D108BD9-81ED-4DB2-BD59-A6C34878D82A}">
-                    <a16:rowId xmlns:a16="http://schemas.microsoft.com/office/drawing/2014/main" val="479018026"/>
-                  </a:ext>
-                </a:extLst>
-              </a:tr>
-            </a:tbl>
-          </a:graphicData>
-        </a:graphic>
-      </p:graphicFrame>
-    </p:spTree>
-    <p:extLst>
-      <p:ext uri="{BB962C8B-B14F-4D97-AF65-F5344CB8AC3E}">
-        <p14:creationId xmlns:p14="http://schemas.microsoft.com/office/powerpoint/2010/main" val="1496054644"/>
-      </p:ext>
-    </p:extLst>
-  </p:cSld>
-  <p:clrMapOvr>
-    <a:masterClrMapping/>
-  </p:clrMapOvr>
-</p:sld>
-</file>
-
-<file path=ppt/slides/slide11.xml><?xml version="1.0" encoding="utf-8"?>
-<p:sld xmlns:a="http://schemas.openxmlformats.org/drawingml/2006/main" xmlns:r="http://schemas.openxmlformats.org/officeDocument/2006/relationships" xmlns:p="http://schemas.openxmlformats.org/presentationml/2006/main">
-  <p:cSld>
-    <p:spTree>
-      <p:nvGrpSpPr>
         <p:cNvPr id="1" name=""/>
         <p:cNvGrpSpPr/>
         <p:nvPr/>
@@ -6720,7 +6783,7 @@
           <p:cNvPr id="2" name="Title 1">
             <a:extLst>
               <a:ext uri="{FF2B5EF4-FFF2-40B4-BE49-F238E27FC236}">
-                <a16:creationId xmlns:a16="http://schemas.microsoft.com/office/drawing/2014/main" id="{A0D6F502-DB5A-8F9C-A5EB-10BBD9248E29}"/>
+                <a16:creationId xmlns:a16="http://schemas.microsoft.com/office/drawing/2014/main" id="{06C4CB07-1D04-C38F-A34B-D46C4EA40C25}"/>
               </a:ext>
             </a:extLst>
           </p:cNvPr>
@@ -6738,7 +6801,7 @@
           <a:p>
             <a:r>
               <a:rPr lang="en-US" dirty="0"/>
-              <a:t>Barrel Shifter: Explanations</a:t>
+              <a:t>Shift ASR ANS</a:t>
             </a:r>
           </a:p>
         </p:txBody>
@@ -6748,7 +6811,7 @@
           <p:cNvPr id="3" name="Slide Number Placeholder 2">
             <a:extLst>
               <a:ext uri="{FF2B5EF4-FFF2-40B4-BE49-F238E27FC236}">
-                <a16:creationId xmlns:a16="http://schemas.microsoft.com/office/drawing/2014/main" id="{125D8ACB-98F6-A4F1-CB73-635D27ADCB53}"/>
+                <a16:creationId xmlns:a16="http://schemas.microsoft.com/office/drawing/2014/main" id="{C3B2234B-D9FF-D51C-F98D-7FCAE62DC339}"/>
               </a:ext>
             </a:extLst>
           </p:cNvPr>
@@ -6767,414 +6830,93 @@
             <a:fld id="{EA7C8D44-3667-46F6-9772-CC52308E2A7F}" type="slidenum">
               <a:rPr kumimoji="0" lang="en-US" smtClean="0"/>
               <a:pPr/>
-              <a:t>11</a:t>
+              <a:t>10</a:t>
             </a:fld>
             <a:endParaRPr kumimoji="0" lang="en-US" dirty="0"/>
           </a:p>
         </p:txBody>
       </p:sp>
-      <mc:AlternateContent xmlns:mc="http://schemas.openxmlformats.org/markup-compatibility/2006" xmlns:a14="http://schemas.microsoft.com/office/drawing/2010/main">
-        <mc:Choice Requires="a14">
-          <p:sp>
-            <p:nvSpPr>
-              <p:cNvPr id="4" name="Content Placeholder 3">
-                <a:extLst>
-                  <a:ext uri="{FF2B5EF4-FFF2-40B4-BE49-F238E27FC236}">
-                    <a16:creationId xmlns:a16="http://schemas.microsoft.com/office/drawing/2014/main" id="{B7C9F849-B760-6B86-0795-1026F14FB21B}"/>
-                  </a:ext>
-                </a:extLst>
-              </p:cNvPr>
-              <p:cNvSpPr>
-                <a:spLocks noGrp="1"/>
-              </p:cNvSpPr>
-              <p:nvPr>
-                <p:ph sz="quarter" idx="1"/>
-              </p:nvPr>
-            </p:nvSpPr>
-            <p:spPr/>
-            <p:txBody>
-              <a:bodyPr>
-                <a:normAutofit fontScale="92500" lnSpcReduction="20000"/>
-              </a:bodyPr>
-              <a:lstStyle/>
-              <a:p>
-                <a:r>
-                  <a:rPr lang="en-US" dirty="0">
-                    <a:latin typeface="Gill Sans Light"/>
-                  </a:rPr>
-                  <a:t>LSL (logical shift left): </a:t>
-                </a:r>
-                <a:r>
-                  <a:rPr lang="en-US" dirty="0">
-                    <a:solidFill>
-                      <a:srgbClr val="FF0000"/>
-                    </a:solidFill>
-                    <a:latin typeface="Gill Sans Light"/>
-                  </a:rPr>
-                  <a:t>shifts left, fills zeros on the right; </a:t>
-                </a:r>
-                <a:r>
-                  <a:rPr lang="en-US" dirty="0">
-                    <a:latin typeface="Gill Sans Light"/>
-                  </a:rPr>
-                  <a:t>C gets the last bit shifted out of bit 31. This is multiply by </a:t>
-                </a:r>
-                <a14:m>
-                  <m:oMath xmlns:m="http://schemas.openxmlformats.org/officeDocument/2006/math">
-                    <m:sSup>
-                      <m:sSupPr>
-                        <m:ctrlPr>
-                          <a:rPr lang="ar-AE" i="1">
-                            <a:latin typeface="Cambria Math" panose="02040503050406030204" pitchFamily="18" charset="0"/>
-                          </a:rPr>
-                        </m:ctrlPr>
-                      </m:sSupPr>
-                      <m:e>
-                        <m:r>
-                          <a:rPr lang="ar-AE">
-                            <a:latin typeface="Cambria Math" panose="02040503050406030204" pitchFamily="18" charset="0"/>
-                          </a:rPr>
-                          <m:t>2</m:t>
-                        </m:r>
-                      </m:e>
-                      <m:sup>
-                        <m:r>
-                          <a:rPr lang="ar-AE" i="1">
-                            <a:latin typeface="Cambria Math" panose="02040503050406030204" pitchFamily="18" charset="0"/>
-                          </a:rPr>
-                          <m:t>𝑛</m:t>
-                        </m:r>
-                      </m:sup>
-                    </m:sSup>
-                  </m:oMath>
-                </a14:m>
-                <a:r>
-                  <a:rPr lang="ar-AE" dirty="0">
-                    <a:latin typeface="Gill Sans Light"/>
-                  </a:rPr>
-                  <a:t> </a:t>
-                </a:r>
-                <a:r>
-                  <a:rPr lang="en-US" dirty="0">
-                    <a:latin typeface="Gill Sans Light"/>
-                  </a:rPr>
-                  <a:t>for non-overflowing values.</a:t>
-                </a:r>
-              </a:p>
-              <a:p>
-                <a:r>
-                  <a:rPr lang="en-US" dirty="0">
-                    <a:latin typeface="Gill Sans Light"/>
-                  </a:rPr>
-                  <a:t>LSR (logical shift right): </a:t>
-                </a:r>
-                <a:r>
-                  <a:rPr lang="en-US" dirty="0">
-                    <a:solidFill>
-                      <a:srgbClr val="FF0000"/>
-                    </a:solidFill>
-                    <a:latin typeface="Gill Sans Light"/>
-                  </a:rPr>
-                  <a:t>shifts right, fills zeros on the left; </a:t>
-                </a:r>
-                <a:r>
-                  <a:rPr lang="en-US" dirty="0">
-                    <a:latin typeface="Gill Sans Light"/>
-                  </a:rPr>
-                  <a:t>C gets the last bit shifted out of bit 0. This is unsigned division by </a:t>
-                </a:r>
-                <a14:m>
-                  <m:oMath xmlns:m="http://schemas.openxmlformats.org/officeDocument/2006/math">
-                    <m:sSup>
-                      <m:sSupPr>
-                        <m:ctrlPr>
-                          <a:rPr lang="ar-AE" i="1">
-                            <a:latin typeface="Cambria Math" panose="02040503050406030204" pitchFamily="18" charset="0"/>
-                          </a:rPr>
-                        </m:ctrlPr>
-                      </m:sSupPr>
-                      <m:e>
-                        <m:r>
-                          <a:rPr lang="ar-AE">
-                            <a:latin typeface="Cambria Math" panose="02040503050406030204" pitchFamily="18" charset="0"/>
-                          </a:rPr>
-                          <m:t>2</m:t>
-                        </m:r>
-                      </m:e>
-                      <m:sup>
-                        <m:r>
-                          <a:rPr lang="ar-AE" i="1">
-                            <a:latin typeface="Cambria Math" panose="02040503050406030204" pitchFamily="18" charset="0"/>
-                          </a:rPr>
-                          <m:t>𝑛</m:t>
-                        </m:r>
-                      </m:sup>
-                    </m:sSup>
-                  </m:oMath>
-                </a14:m>
-                <a:r>
-                  <a:rPr lang="ar-AE" dirty="0">
-                    <a:latin typeface="Gill Sans Light"/>
-                  </a:rPr>
-                  <a:t>.</a:t>
-                </a:r>
-                <a:r>
-                  <a:rPr lang="en-US" dirty="0">
-                    <a:latin typeface="Gill Sans Light"/>
-                  </a:rPr>
-                  <a:t> </a:t>
-                </a:r>
-              </a:p>
-              <a:p>
-                <a:r>
-                  <a:rPr lang="en-US" dirty="0">
-                    <a:latin typeface="Gill Sans Light"/>
-                  </a:rPr>
-                  <a:t>ASR (arithmetic shift right): </a:t>
-                </a:r>
-                <a:r>
-                  <a:rPr lang="en-US" dirty="0">
-                    <a:solidFill>
-                      <a:srgbClr val="FF0000"/>
-                    </a:solidFill>
-                    <a:latin typeface="Gill Sans Light"/>
-                  </a:rPr>
-                  <a:t>shifts right, fills the sign bit on the left </a:t>
-                </a:r>
-                <a:r>
-                  <a:rPr lang="en-US" dirty="0">
-                    <a:latin typeface="Gill Sans Light"/>
-                  </a:rPr>
-                  <a:t>to preserving the sign; C gets the last bit shifted out of bit 0. This is signed division by </a:t>
-                </a:r>
-                <a14:m>
-                  <m:oMath xmlns:m="http://schemas.openxmlformats.org/officeDocument/2006/math">
-                    <m:sSup>
-                      <m:sSupPr>
-                        <m:ctrlPr>
-                          <a:rPr lang="ar-AE" i="1">
-                            <a:latin typeface="Cambria Math" panose="02040503050406030204" pitchFamily="18" charset="0"/>
-                          </a:rPr>
-                        </m:ctrlPr>
-                      </m:sSupPr>
-                      <m:e>
-                        <m:r>
-                          <a:rPr lang="ar-AE">
-                            <a:latin typeface="Cambria Math" panose="02040503050406030204" pitchFamily="18" charset="0"/>
-                          </a:rPr>
-                          <m:t>2</m:t>
-                        </m:r>
-                      </m:e>
-                      <m:sup>
-                        <m:r>
-                          <a:rPr lang="ar-AE" i="1">
-                            <a:latin typeface="Cambria Math" panose="02040503050406030204" pitchFamily="18" charset="0"/>
-                          </a:rPr>
-                          <m:t>𝑛</m:t>
-                        </m:r>
-                      </m:sup>
-                    </m:sSup>
-                  </m:oMath>
-                </a14:m>
-                <a:r>
-                  <a:rPr lang="ar-AE" dirty="0">
-                    <a:latin typeface="Gill Sans Light"/>
-                  </a:rPr>
-                  <a:t> </a:t>
-                </a:r>
-                <a:r>
-                  <a:rPr lang="en-US" dirty="0">
-                    <a:latin typeface="Gill Sans Light"/>
-                  </a:rPr>
-                  <a:t>with sign extension</a:t>
-                </a:r>
-              </a:p>
-              <a:p>
-                <a:r>
-                  <a:rPr lang="en-US" dirty="0">
-                    <a:latin typeface="Gill Sans Light"/>
-                  </a:rPr>
-                  <a:t>ROR (rotate right): </a:t>
-                </a:r>
-                <a:r>
-                  <a:rPr lang="en-US" dirty="0">
-                    <a:solidFill>
-                      <a:srgbClr val="FF0000"/>
-                    </a:solidFill>
-                    <a:latin typeface="Gill Sans Light"/>
-                  </a:rPr>
-                  <a:t>rotates bits right with wraparound</a:t>
-                </a:r>
-                <a:r>
-                  <a:rPr lang="en-US" dirty="0">
-                    <a:latin typeface="Gill Sans Light"/>
-                  </a:rPr>
-                  <a:t>; bits leaving bit 0 re-enter at bit 31, and C receives the bit that wrapped. This is a pure rotation without data loss.</a:t>
-                </a:r>
-              </a:p>
-              <a:p>
-                <a:r>
-                  <a:rPr lang="en-US" dirty="0">
-                    <a:latin typeface="Gill Sans Light"/>
-                  </a:rPr>
-                  <a:t>RRX (rotate right extended): </a:t>
-                </a:r>
-                <a:r>
-                  <a:rPr lang="en-US" dirty="0">
-                    <a:solidFill>
-                      <a:srgbClr val="FF0000"/>
-                    </a:solidFill>
-                    <a:latin typeface="Gill Sans Light"/>
-                  </a:rPr>
-                  <a:t>rotates right by one through the carry flag</a:t>
-                </a:r>
-                <a:r>
-                  <a:rPr lang="en-US" dirty="0">
-                    <a:latin typeface="Gill Sans Light"/>
-                  </a:rPr>
-                  <a:t>, treating C as a 33rd bit; new bit 31 comes from old C, and C receives old bit 0.</a:t>
-                </a:r>
-              </a:p>
-            </p:txBody>
-          </p:sp>
-        </mc:Choice>
-        <mc:Fallback xmlns="">
-          <p:sp>
-            <p:nvSpPr>
-              <p:cNvPr id="4" name="Content Placeholder 3">
-                <a:extLst>
-                  <a:ext uri="{FF2B5EF4-FFF2-40B4-BE49-F238E27FC236}">
-                    <a16:creationId xmlns:a16="http://schemas.microsoft.com/office/drawing/2014/main" id="{B7C9F849-B760-6B86-0795-1026F14FB21B}"/>
-                  </a:ext>
-                </a:extLst>
-              </p:cNvPr>
-              <p:cNvSpPr>
-                <a:spLocks noGrp="1" noRot="1" noChangeAspect="1" noMove="1" noResize="1" noEditPoints="1" noAdjustHandles="1" noChangeArrowheads="1" noChangeShapeType="1" noTextEdit="1"/>
-              </p:cNvSpPr>
-              <p:nvPr>
-                <p:ph sz="quarter" idx="1"/>
-              </p:nvPr>
-            </p:nvSpPr>
-            <p:spPr>
-              <a:blipFill>
-                <a:blip r:embed="rId3"/>
-                <a:stretch>
-                  <a:fillRect l="-519" t="-2222" r="-2074"/>
-                </a:stretch>
-              </a:blipFill>
-            </p:spPr>
-            <p:txBody>
-              <a:bodyPr/>
-              <a:lstStyle/>
-              <a:p>
-                <a:r>
-                  <a:rPr lang="en-US">
-                    <a:noFill/>
-                  </a:rPr>
-                  <a:t> </a:t>
-                </a:r>
-              </a:p>
-            </p:txBody>
-          </p:sp>
-        </mc:Fallback>
-      </mc:AlternateContent>
-      <p:sp>
-        <p:nvSpPr>
-          <p:cNvPr id="6" name="Horizontal Scroll 12">
+      <p:sp>
+        <p:nvSpPr>
+          <p:cNvPr id="4" name="Content Placeholder 3">
             <a:extLst>
               <a:ext uri="{FF2B5EF4-FFF2-40B4-BE49-F238E27FC236}">
-                <a16:creationId xmlns:a16="http://schemas.microsoft.com/office/drawing/2014/main" id="{E5E988BA-EC48-9C00-F0B8-EA356F0F3223}"/>
+                <a16:creationId xmlns:a16="http://schemas.microsoft.com/office/drawing/2014/main" id="{1AF31EC3-9A82-D4F4-6333-68B054842001}"/>
               </a:ext>
             </a:extLst>
           </p:cNvPr>
-          <p:cNvSpPr/>
-          <p:nvPr/>
-        </p:nvSpPr>
-        <p:spPr>
-          <a:xfrm>
-            <a:off x="76200" y="-19878"/>
-            <a:ext cx="1265712" cy="762000"/>
-          </a:xfrm>
-          <a:prstGeom prst="horizontalScroll">
-            <a:avLst/>
-          </a:prstGeom>
-          <a:gradFill rotWithShape="1">
-            <a:gsLst>
-              <a:gs pos="0">
-                <a:srgbClr val="4F81BD">
-                  <a:tint val="50000"/>
-                  <a:satMod val="300000"/>
-                </a:srgbClr>
-              </a:gs>
-              <a:gs pos="35000">
-                <a:srgbClr val="4F81BD">
-                  <a:tint val="37000"/>
-                  <a:satMod val="300000"/>
-                </a:srgbClr>
-              </a:gs>
-              <a:gs pos="100000">
-                <a:srgbClr val="4F81BD">
-                  <a:tint val="15000"/>
-                  <a:satMod val="350000"/>
-                </a:srgbClr>
-              </a:gs>
-            </a:gsLst>
-            <a:lin ang="16200000" scaled="1"/>
-          </a:gradFill>
-          <a:ln w="9525" cap="flat" cmpd="sng" algn="ctr">
-            <a:solidFill>
-              <a:srgbClr val="4F81BD">
-                <a:shade val="95000"/>
-                <a:satMod val="105000"/>
-              </a:srgbClr>
-            </a:solidFill>
-            <a:prstDash val="solid"/>
-          </a:ln>
-          <a:effectLst>
-            <a:outerShdw blurRad="40000" dist="20000" dir="5400000" rotWithShape="0">
-              <a:srgbClr val="000000">
-                <a:alpha val="38000"/>
-              </a:srgbClr>
-            </a:outerShdw>
-          </a:effectLst>
-        </p:spPr>
-        <p:txBody>
-          <a:bodyPr rtlCol="0" anchor="ctr"/>
-          <a:lstStyle/>
-          <a:p>
-            <a:pPr marL="0" marR="0" lvl="0" indent="0" algn="ctr" defTabSz="457200" eaLnBrk="1" fontAlgn="auto" latinLnBrk="0" hangingPunct="1">
-              <a:lnSpc>
-                <a:spcPct val="100000"/>
-              </a:lnSpc>
-              <a:spcBef>
-                <a:spcPts val="0"/>
-              </a:spcBef>
-              <a:spcAft>
-                <a:spcPts val="0"/>
-              </a:spcAft>
-              <a:buClrTx/>
-              <a:buSzTx/>
-              <a:buFontTx/>
-              <a:buNone/>
-              <a:tabLst/>
-              <a:defRPr/>
-            </a:pPr>
-            <a:r>
-              <a:rPr kumimoji="0" lang="en-US" sz="2400" b="0" i="0" u="none" strike="noStrike" kern="0" cap="none" spc="0" normalizeH="0" baseline="0" noProof="0" dirty="0">
-                <a:ln>
-                  <a:noFill/>
-                </a:ln>
-                <a:solidFill>
-                  <a:prstClr val="black"/>
-                </a:solidFill>
-                <a:effectLst/>
-                <a:uLnTx/>
-                <a:uFillTx/>
-                <a:latin typeface="Calibri"/>
-                <a:ea typeface="+mn-ea"/>
-                <a:cs typeface="+mn-cs"/>
-              </a:rPr>
-              <a:t>Review</a:t>
+          <p:cNvSpPr>
+            <a:spLocks noGrp="1"/>
+          </p:cNvSpPr>
+          <p:nvPr>
+            <p:ph sz="quarter" idx="1"/>
+          </p:nvPr>
+        </p:nvSpPr>
+        <p:spPr/>
+        <p:txBody>
+          <a:bodyPr>
+            <a:normAutofit lnSpcReduction="10000"/>
+          </a:bodyPr>
+          <a:lstStyle/>
+          <a:p>
+            <a:r>
+              <a:rPr lang="pt-BR" dirty="0"/>
+              <a:t>Compute register values:</a:t>
+            </a:r>
+          </a:p>
+          <a:p>
+            <a:r>
+              <a:rPr lang="pt-BR" dirty="0"/>
+              <a:t>LDR R1, =0x81223344</a:t>
+            </a:r>
+          </a:p>
+          <a:p>
+            <a:r>
+              <a:rPr lang="pt-BR" dirty="0"/>
+              <a:t>MOV R2, R1, ASR #4</a:t>
+            </a:r>
+          </a:p>
+          <a:p>
+            <a:r>
+              <a:rPr lang="pt-BR" dirty="0"/>
+              <a:t>MOV R3, R1, ASR #8</a:t>
+            </a:r>
+          </a:p>
+          <a:p>
+            <a:r>
+              <a:rPr lang="pt-BR" dirty="0"/>
+              <a:t>MOV R4, R1, ASR #16</a:t>
+            </a:r>
+          </a:p>
+          <a:p>
+            <a:r>
+              <a:rPr lang="pt-BR" dirty="0"/>
+              <a:t>ANS</a:t>
+            </a:r>
+            <a:r>
+              <a:rPr lang="en-US" dirty="0"/>
+              <a:t>:</a:t>
+            </a:r>
+          </a:p>
+          <a:p>
+            <a:pPr lvl="1"/>
+            <a:r>
+              <a:rPr lang="en-US" dirty="0"/>
+              <a:t>R2 = R1 ASR #4 = 0xF8122334 (right shift 4; top nibble becomes F due to sign extension).</a:t>
+            </a:r>
+          </a:p>
+          <a:p>
+            <a:pPr lvl="1"/>
+            <a:r>
+              <a:rPr lang="en-US" dirty="0"/>
+              <a:t>R3 = R1 ASR #8 = 0xFF812233 (right shift 8; top byte becomes FF).</a:t>
+            </a:r>
+          </a:p>
+          <a:p>
+            <a:pPr lvl="1"/>
+            <a:r>
+              <a:rPr lang="en-US" dirty="0"/>
+              <a:t>R4 = R1 ASR #16 = 0xFFFF8122 (right shift 16; top halfword becomes FFFF)</a:t>
             </a:r>
           </a:p>
         </p:txBody>
@@ -7182,7 +6924,7 @@
     </p:spTree>
     <p:extLst>
       <p:ext uri="{BB962C8B-B14F-4D97-AF65-F5344CB8AC3E}">
-        <p14:creationId xmlns:p14="http://schemas.microsoft.com/office/powerpoint/2010/main" val="2996946337"/>
+        <p14:creationId xmlns:p14="http://schemas.microsoft.com/office/powerpoint/2010/main" val="2226504781"/>
       </p:ext>
     </p:extLst>
   </p:cSld>
@@ -7192,1354 +6934,7 @@
 </p:sld>
 </file>
 
-<file path=ppt/slides/slide12.xml><?xml version="1.0" encoding="utf-8"?>
-<p:sld xmlns:a="http://schemas.openxmlformats.org/drawingml/2006/main" xmlns:r="http://schemas.openxmlformats.org/officeDocument/2006/relationships" xmlns:p="http://schemas.openxmlformats.org/presentationml/2006/main">
-  <p:cSld>
-    <p:spTree>
-      <p:nvGrpSpPr>
-        <p:cNvPr id="1" name=""/>
-        <p:cNvGrpSpPr/>
-        <p:nvPr/>
-      </p:nvGrpSpPr>
-      <p:grpSpPr>
-        <a:xfrm>
-          <a:off x="0" y="0"/>
-          <a:ext cx="0" cy="0"/>
-          <a:chOff x="0" y="0"/>
-          <a:chExt cx="0" cy="0"/>
-        </a:xfrm>
-      </p:grpSpPr>
-      <p:sp>
-        <p:nvSpPr>
-          <p:cNvPr id="2" name="Title 1">
-            <a:extLst>
-              <a:ext uri="{FF2B5EF4-FFF2-40B4-BE49-F238E27FC236}">
-                <a16:creationId xmlns:a16="http://schemas.microsoft.com/office/drawing/2014/main" id="{983FB880-04B3-ECE3-3ABD-F33567012B93}"/>
-              </a:ext>
-            </a:extLst>
-          </p:cNvPr>
-          <p:cNvSpPr>
-            <a:spLocks noGrp="1"/>
-          </p:cNvSpPr>
-          <p:nvPr>
-            <p:ph type="title"/>
-          </p:nvPr>
-        </p:nvSpPr>
-        <p:spPr/>
-        <p:txBody>
-          <a:bodyPr/>
-          <a:lstStyle/>
-          <a:p>
-            <a:r>
-              <a:rPr lang="en-US" dirty="0"/>
-              <a:t>Arithmetic with Shifts</a:t>
-            </a:r>
-          </a:p>
-        </p:txBody>
-      </p:sp>
-      <p:sp>
-        <p:nvSpPr>
-          <p:cNvPr id="3" name="Slide Number Placeholder 2">
-            <a:extLst>
-              <a:ext uri="{FF2B5EF4-FFF2-40B4-BE49-F238E27FC236}">
-                <a16:creationId xmlns:a16="http://schemas.microsoft.com/office/drawing/2014/main" id="{1814B1B2-C5F4-2713-F5B6-3B26A2BAA5BA}"/>
-              </a:ext>
-            </a:extLst>
-          </p:cNvPr>
-          <p:cNvSpPr>
-            <a:spLocks noGrp="1"/>
-          </p:cNvSpPr>
-          <p:nvPr>
-            <p:ph type="sldNum" sz="quarter" idx="12"/>
-          </p:nvPr>
-        </p:nvSpPr>
-        <p:spPr/>
-        <p:txBody>
-          <a:bodyPr/>
-          <a:lstStyle/>
-          <a:p>
-            <a:fld id="{EA7C8D44-3667-46F6-9772-CC52308E2A7F}" type="slidenum">
-              <a:rPr kumimoji="0" lang="en-US" smtClean="0"/>
-              <a:pPr/>
-              <a:t>12</a:t>
-            </a:fld>
-            <a:endParaRPr kumimoji="0" lang="en-US" dirty="0"/>
-          </a:p>
-        </p:txBody>
-      </p:sp>
-      <p:sp>
-        <p:nvSpPr>
-          <p:cNvPr id="4" name="Content Placeholder 3">
-            <a:extLst>
-              <a:ext uri="{FF2B5EF4-FFF2-40B4-BE49-F238E27FC236}">
-                <a16:creationId xmlns:a16="http://schemas.microsoft.com/office/drawing/2014/main" id="{77B7521E-4543-F7E4-701C-9D4CAFA526F9}"/>
-              </a:ext>
-            </a:extLst>
-          </p:cNvPr>
-          <p:cNvSpPr>
-            <a:spLocks noGrp="1"/>
-          </p:cNvSpPr>
-          <p:nvPr>
-            <p:ph sz="quarter" idx="1"/>
-          </p:nvPr>
-        </p:nvSpPr>
-        <p:spPr/>
-        <p:txBody>
-          <a:bodyPr>
-            <a:normAutofit fontScale="77500" lnSpcReduction="20000"/>
-          </a:bodyPr>
-          <a:lstStyle/>
-          <a:p>
-            <a:r>
-              <a:rPr lang="pt-BR" dirty="0"/>
-              <a:t>Assuimg 32-bit registers:</a:t>
-            </a:r>
-          </a:p>
-          <a:p>
-            <a:r>
-              <a:rPr lang="pt-BR" dirty="0"/>
-              <a:t>Q1: </a:t>
-            </a:r>
-          </a:p>
-          <a:p>
-            <a:pPr lvl="1"/>
-            <a:r>
-              <a:rPr lang="pt-BR" dirty="0"/>
-              <a:t>LDR r0, =0x00000007</a:t>
-            </a:r>
-          </a:p>
-          <a:p>
-            <a:pPr lvl="1"/>
-            <a:r>
-              <a:rPr lang="pt-BR" dirty="0"/>
-              <a:t>MOV r0, r0, LSL 7</a:t>
-            </a:r>
-          </a:p>
-          <a:p>
-            <a:r>
-              <a:rPr lang="pt-BR" dirty="0"/>
-              <a:t>Q2:</a:t>
-            </a:r>
-          </a:p>
-          <a:p>
-            <a:pPr lvl="1"/>
-            <a:r>
-              <a:rPr lang="pt-BR" dirty="0"/>
-              <a:t>LDR r0, =0x00000400</a:t>
-            </a:r>
-          </a:p>
-          <a:p>
-            <a:pPr lvl="1"/>
-            <a:r>
-              <a:rPr lang="pt-BR" dirty="0"/>
-              <a:t>MOV r0, r0, LSR 2</a:t>
-            </a:r>
-          </a:p>
-          <a:p>
-            <a:r>
-              <a:rPr lang="pt-BR" dirty="0"/>
-              <a:t>Q3:</a:t>
-            </a:r>
-          </a:p>
-          <a:p>
-            <a:pPr lvl="1"/>
-            <a:r>
-              <a:rPr lang="pt-BR" dirty="0"/>
-              <a:t>LDR r0, =</a:t>
-            </a:r>
-            <a:r>
-              <a:rPr lang="en-US" dirty="0"/>
-              <a:t>0xFFFFC000</a:t>
-            </a:r>
-          </a:p>
-          <a:p>
-            <a:pPr lvl="1"/>
-            <a:r>
-              <a:rPr lang="pt-BR" dirty="0"/>
-              <a:t>MOV r0, r0, LSR 2</a:t>
-            </a:r>
-            <a:endParaRPr lang="en-US" dirty="0"/>
-          </a:p>
-          <a:p>
-            <a:r>
-              <a:rPr lang="pt-BR" dirty="0"/>
-              <a:t>Q4:</a:t>
-            </a:r>
-          </a:p>
-          <a:p>
-            <a:pPr lvl="1"/>
-            <a:r>
-              <a:rPr lang="pt-BR" dirty="0"/>
-              <a:t>LDR r0, =</a:t>
-            </a:r>
-            <a:r>
-              <a:rPr lang="en-US" dirty="0"/>
-              <a:t>0xFFFFC000</a:t>
-            </a:r>
-          </a:p>
-          <a:p>
-            <a:pPr lvl="1"/>
-            <a:r>
-              <a:rPr lang="pt-BR" dirty="0"/>
-              <a:t>MOV r0, r0, ASR 2</a:t>
-            </a:r>
-          </a:p>
-          <a:p>
-            <a:r>
-              <a:rPr lang="pt-BR" dirty="0"/>
-              <a:t>Q5:</a:t>
-            </a:r>
-          </a:p>
-          <a:p>
-            <a:pPr lvl="1"/>
-            <a:r>
-              <a:rPr lang="pt-BR" dirty="0"/>
-              <a:t>LDR r0, =0x00000007</a:t>
-            </a:r>
-          </a:p>
-          <a:p>
-            <a:pPr lvl="1"/>
-            <a:r>
-              <a:rPr lang="pt-BR" dirty="0"/>
-              <a:t>MOV r0, r0, ROR 2</a:t>
-            </a:r>
-            <a:endParaRPr lang="en-US" dirty="0"/>
-          </a:p>
-        </p:txBody>
-      </p:sp>
-    </p:spTree>
-    <p:extLst>
-      <p:ext uri="{BB962C8B-B14F-4D97-AF65-F5344CB8AC3E}">
-        <p14:creationId xmlns:p14="http://schemas.microsoft.com/office/powerpoint/2010/main" val="868372046"/>
-      </p:ext>
-    </p:extLst>
-  </p:cSld>
-  <p:clrMapOvr>
-    <a:masterClrMapping/>
-  </p:clrMapOvr>
-</p:sld>
-</file>
-
-<file path=ppt/slides/slide13.xml><?xml version="1.0" encoding="utf-8"?>
-<p:sld xmlns:a="http://schemas.openxmlformats.org/drawingml/2006/main" xmlns:r="http://schemas.openxmlformats.org/officeDocument/2006/relationships" xmlns:p="http://schemas.openxmlformats.org/presentationml/2006/main">
-  <p:cSld>
-    <p:spTree>
-      <p:nvGrpSpPr>
-        <p:cNvPr id="1" name="">
-          <a:extLst>
-            <a:ext uri="{FF2B5EF4-FFF2-40B4-BE49-F238E27FC236}">
-              <a16:creationId xmlns:a16="http://schemas.microsoft.com/office/drawing/2014/main" id="{57AE3F0F-A7BA-9DDA-1E58-F95F1967C0E2}"/>
-            </a:ext>
-          </a:extLst>
-        </p:cNvPr>
-        <p:cNvGrpSpPr/>
-        <p:nvPr/>
-      </p:nvGrpSpPr>
-      <p:grpSpPr>
-        <a:xfrm>
-          <a:off x="0" y="0"/>
-          <a:ext cx="0" cy="0"/>
-          <a:chOff x="0" y="0"/>
-          <a:chExt cx="0" cy="0"/>
-        </a:xfrm>
-      </p:grpSpPr>
-      <p:sp>
-        <p:nvSpPr>
-          <p:cNvPr id="2" name="Title 1">
-            <a:extLst>
-              <a:ext uri="{FF2B5EF4-FFF2-40B4-BE49-F238E27FC236}">
-                <a16:creationId xmlns:a16="http://schemas.microsoft.com/office/drawing/2014/main" id="{835CD60A-F4CC-C593-9C3D-32E1A059F354}"/>
-              </a:ext>
-            </a:extLst>
-          </p:cNvPr>
-          <p:cNvSpPr>
-            <a:spLocks noGrp="1"/>
-          </p:cNvSpPr>
-          <p:nvPr>
-            <p:ph type="title"/>
-          </p:nvPr>
-        </p:nvSpPr>
-        <p:spPr/>
-        <p:txBody>
-          <a:bodyPr/>
-          <a:lstStyle/>
-          <a:p>
-            <a:r>
-              <a:rPr lang="en-US" dirty="0"/>
-              <a:t>Q1 ANS</a:t>
-            </a:r>
-          </a:p>
-        </p:txBody>
-      </p:sp>
-      <p:sp>
-        <p:nvSpPr>
-          <p:cNvPr id="3" name="Slide Number Placeholder 2">
-            <a:extLst>
-              <a:ext uri="{FF2B5EF4-FFF2-40B4-BE49-F238E27FC236}">
-                <a16:creationId xmlns:a16="http://schemas.microsoft.com/office/drawing/2014/main" id="{5457A4F2-6A40-EE02-A589-CB00C69DC364}"/>
-              </a:ext>
-            </a:extLst>
-          </p:cNvPr>
-          <p:cNvSpPr>
-            <a:spLocks noGrp="1"/>
-          </p:cNvSpPr>
-          <p:nvPr>
-            <p:ph type="sldNum" sz="quarter" idx="12"/>
-          </p:nvPr>
-        </p:nvSpPr>
-        <p:spPr/>
-        <p:txBody>
-          <a:bodyPr/>
-          <a:lstStyle/>
-          <a:p>
-            <a:fld id="{EA7C8D44-3667-46F6-9772-CC52308E2A7F}" type="slidenum">
-              <a:rPr kumimoji="0" lang="en-US" smtClean="0"/>
-              <a:pPr/>
-              <a:t>13</a:t>
-            </a:fld>
-            <a:endParaRPr kumimoji="0" lang="en-US" dirty="0"/>
-          </a:p>
-        </p:txBody>
-      </p:sp>
-      <p:sp>
-        <p:nvSpPr>
-          <p:cNvPr id="4" name="Content Placeholder 3">
-            <a:extLst>
-              <a:ext uri="{FF2B5EF4-FFF2-40B4-BE49-F238E27FC236}">
-                <a16:creationId xmlns:a16="http://schemas.microsoft.com/office/drawing/2014/main" id="{53E5C410-5B5B-9673-EACF-102D341F6238}"/>
-              </a:ext>
-            </a:extLst>
-          </p:cNvPr>
-          <p:cNvSpPr>
-            <a:spLocks noGrp="1"/>
-          </p:cNvSpPr>
-          <p:nvPr>
-            <p:ph sz="quarter" idx="1"/>
-          </p:nvPr>
-        </p:nvSpPr>
-        <p:spPr/>
-        <p:txBody>
-          <a:bodyPr/>
-          <a:lstStyle/>
-          <a:p>
-            <a:r>
-              <a:rPr lang="pt-BR" dirty="0"/>
-              <a:t>Q1: </a:t>
-            </a:r>
-          </a:p>
-          <a:p>
-            <a:pPr lvl="1"/>
-            <a:r>
-              <a:rPr lang="pt-BR" dirty="0"/>
-              <a:t>LDR r0, =0x00000007</a:t>
-            </a:r>
-          </a:p>
-          <a:p>
-            <a:pPr lvl="1"/>
-            <a:r>
-              <a:rPr lang="pt-BR" dirty="0"/>
-              <a:t>MOV r0, r0, LSL 7</a:t>
-            </a:r>
-          </a:p>
-          <a:p>
-            <a:r>
-              <a:rPr lang="pt-BR" dirty="0"/>
-              <a:t>ANS: </a:t>
-            </a:r>
-          </a:p>
-          <a:p>
-            <a:pPr lvl="1"/>
-            <a:r>
-              <a:rPr lang="en-US" dirty="0"/>
-              <a:t>Original r0 = 0000 0000 0000 0000 0000 0000 0000 0111</a:t>
-            </a:r>
-          </a:p>
-          <a:p>
-            <a:pPr lvl="1"/>
-            <a:r>
-              <a:rPr lang="en-US" dirty="0"/>
-              <a:t>After LSL 7, r0 = 0000 0000 0000 0000 0000 0011 1000 0000 = </a:t>
-            </a:r>
-            <a:r>
-              <a:rPr lang="pt-BR" dirty="0"/>
-              <a:t>0x0380 (896 in decimal)</a:t>
-            </a:r>
-          </a:p>
-          <a:p>
-            <a:pPr lvl="1"/>
-            <a:r>
-              <a:rPr lang="en-US" dirty="0"/>
-              <a:t>In decimal: 7 × 2^7 = 7 × 128 = 896 (Not required for exam)</a:t>
-            </a:r>
-          </a:p>
-          <a:p>
-            <a:endParaRPr lang="en-US" dirty="0"/>
-          </a:p>
-        </p:txBody>
-      </p:sp>
-    </p:spTree>
-    <p:extLst>
-      <p:ext uri="{BB962C8B-B14F-4D97-AF65-F5344CB8AC3E}">
-        <p14:creationId xmlns:p14="http://schemas.microsoft.com/office/powerpoint/2010/main" val="3884576026"/>
-      </p:ext>
-    </p:extLst>
-  </p:cSld>
-  <p:clrMapOvr>
-    <a:masterClrMapping/>
-  </p:clrMapOvr>
-</p:sld>
-</file>
-
-<file path=ppt/slides/slide14.xml><?xml version="1.0" encoding="utf-8"?>
-<p:sld xmlns:a="http://schemas.openxmlformats.org/drawingml/2006/main" xmlns:r="http://schemas.openxmlformats.org/officeDocument/2006/relationships" xmlns:p="http://schemas.openxmlformats.org/presentationml/2006/main">
-  <p:cSld>
-    <p:spTree>
-      <p:nvGrpSpPr>
-        <p:cNvPr id="1" name="">
-          <a:extLst>
-            <a:ext uri="{FF2B5EF4-FFF2-40B4-BE49-F238E27FC236}">
-              <a16:creationId xmlns:a16="http://schemas.microsoft.com/office/drawing/2014/main" id="{6023F67D-B45B-2717-6385-5EB8F1161736}"/>
-            </a:ext>
-          </a:extLst>
-        </p:cNvPr>
-        <p:cNvGrpSpPr/>
-        <p:nvPr/>
-      </p:nvGrpSpPr>
-      <p:grpSpPr>
-        <a:xfrm>
-          <a:off x="0" y="0"/>
-          <a:ext cx="0" cy="0"/>
-          <a:chOff x="0" y="0"/>
-          <a:chExt cx="0" cy="0"/>
-        </a:xfrm>
-      </p:grpSpPr>
-      <p:sp>
-        <p:nvSpPr>
-          <p:cNvPr id="2" name="Title 1">
-            <a:extLst>
-              <a:ext uri="{FF2B5EF4-FFF2-40B4-BE49-F238E27FC236}">
-                <a16:creationId xmlns:a16="http://schemas.microsoft.com/office/drawing/2014/main" id="{461FDE60-E213-C841-CE66-6B08D43FD2FE}"/>
-              </a:ext>
-            </a:extLst>
-          </p:cNvPr>
-          <p:cNvSpPr>
-            <a:spLocks noGrp="1"/>
-          </p:cNvSpPr>
-          <p:nvPr>
-            <p:ph type="title"/>
-          </p:nvPr>
-        </p:nvSpPr>
-        <p:spPr/>
-        <p:txBody>
-          <a:bodyPr/>
-          <a:lstStyle/>
-          <a:p>
-            <a:r>
-              <a:rPr lang="en-US" dirty="0"/>
-              <a:t>Q2 ANS</a:t>
-            </a:r>
-          </a:p>
-        </p:txBody>
-      </p:sp>
-      <p:sp>
-        <p:nvSpPr>
-          <p:cNvPr id="3" name="Slide Number Placeholder 2">
-            <a:extLst>
-              <a:ext uri="{FF2B5EF4-FFF2-40B4-BE49-F238E27FC236}">
-                <a16:creationId xmlns:a16="http://schemas.microsoft.com/office/drawing/2014/main" id="{F8DCD85D-5330-5C16-C4BD-607AE265C3AB}"/>
-              </a:ext>
-            </a:extLst>
-          </p:cNvPr>
-          <p:cNvSpPr>
-            <a:spLocks noGrp="1"/>
-          </p:cNvSpPr>
-          <p:nvPr>
-            <p:ph type="sldNum" sz="quarter" idx="12"/>
-          </p:nvPr>
-        </p:nvSpPr>
-        <p:spPr/>
-        <p:txBody>
-          <a:bodyPr/>
-          <a:lstStyle/>
-          <a:p>
-            <a:fld id="{EA7C8D44-3667-46F6-9772-CC52308E2A7F}" type="slidenum">
-              <a:rPr kumimoji="0" lang="en-US" smtClean="0"/>
-              <a:pPr/>
-              <a:t>14</a:t>
-            </a:fld>
-            <a:endParaRPr kumimoji="0" lang="en-US" dirty="0"/>
-          </a:p>
-        </p:txBody>
-      </p:sp>
-      <p:sp>
-        <p:nvSpPr>
-          <p:cNvPr id="4" name="Content Placeholder 3">
-            <a:extLst>
-              <a:ext uri="{FF2B5EF4-FFF2-40B4-BE49-F238E27FC236}">
-                <a16:creationId xmlns:a16="http://schemas.microsoft.com/office/drawing/2014/main" id="{BA07637E-01BA-8126-601A-84479B0807A3}"/>
-              </a:ext>
-            </a:extLst>
-          </p:cNvPr>
-          <p:cNvSpPr>
-            <a:spLocks noGrp="1"/>
-          </p:cNvSpPr>
-          <p:nvPr>
-            <p:ph sz="quarter" idx="1"/>
-          </p:nvPr>
-        </p:nvSpPr>
-        <p:spPr/>
-        <p:txBody>
-          <a:bodyPr/>
-          <a:lstStyle/>
-          <a:p>
-            <a:r>
-              <a:rPr lang="pt-BR" dirty="0"/>
-              <a:t>Q2:</a:t>
-            </a:r>
-          </a:p>
-          <a:p>
-            <a:pPr lvl="1"/>
-            <a:r>
-              <a:rPr lang="pt-BR" dirty="0"/>
-              <a:t>LDR r0, =0x00000400</a:t>
-            </a:r>
-          </a:p>
-          <a:p>
-            <a:pPr lvl="1"/>
-            <a:r>
-              <a:rPr lang="pt-BR" dirty="0"/>
-              <a:t>MOV r0, r0, LSR 2</a:t>
-            </a:r>
-          </a:p>
-          <a:p>
-            <a:r>
-              <a:rPr lang="pt-BR" dirty="0"/>
-              <a:t>ANS:</a:t>
-            </a:r>
-          </a:p>
-          <a:p>
-            <a:pPr lvl="1"/>
-            <a:r>
-              <a:rPr lang="en-US" dirty="0"/>
-              <a:t>Original r0 = 0000 0000 0000 0000 0000 0100 0000 0000</a:t>
-            </a:r>
-          </a:p>
-          <a:p>
-            <a:pPr lvl="1"/>
-            <a:r>
-              <a:rPr lang="en-US" dirty="0"/>
-              <a:t>After LSR 2, r0 = 0000 0000 0000 0000 0000 0001 0000 0000 = 0x00000100 (256 in decimal)</a:t>
-            </a:r>
-          </a:p>
-          <a:p>
-            <a:pPr lvl="1"/>
-            <a:r>
-              <a:rPr lang="en-US" dirty="0"/>
-              <a:t>In decimal: 1024 ÷ 2² = 256 (Not required for exam)</a:t>
-            </a:r>
-          </a:p>
-        </p:txBody>
-      </p:sp>
-    </p:spTree>
-    <p:extLst>
-      <p:ext uri="{BB962C8B-B14F-4D97-AF65-F5344CB8AC3E}">
-        <p14:creationId xmlns:p14="http://schemas.microsoft.com/office/powerpoint/2010/main" val="2205104917"/>
-      </p:ext>
-    </p:extLst>
-  </p:cSld>
-  <p:clrMapOvr>
-    <a:masterClrMapping/>
-  </p:clrMapOvr>
-</p:sld>
-</file>
-
-<file path=ppt/slides/slide15.xml><?xml version="1.0" encoding="utf-8"?>
-<p:sld xmlns:a="http://schemas.openxmlformats.org/drawingml/2006/main" xmlns:r="http://schemas.openxmlformats.org/officeDocument/2006/relationships" xmlns:p="http://schemas.openxmlformats.org/presentationml/2006/main">
-  <p:cSld>
-    <p:spTree>
-      <p:nvGrpSpPr>
-        <p:cNvPr id="1" name=""/>
-        <p:cNvGrpSpPr/>
-        <p:nvPr/>
-      </p:nvGrpSpPr>
-      <p:grpSpPr>
-        <a:xfrm>
-          <a:off x="0" y="0"/>
-          <a:ext cx="0" cy="0"/>
-          <a:chOff x="0" y="0"/>
-          <a:chExt cx="0" cy="0"/>
-        </a:xfrm>
-      </p:grpSpPr>
-      <p:sp>
-        <p:nvSpPr>
-          <p:cNvPr id="2" name="Title 1">
-            <a:extLst>
-              <a:ext uri="{FF2B5EF4-FFF2-40B4-BE49-F238E27FC236}">
-                <a16:creationId xmlns:a16="http://schemas.microsoft.com/office/drawing/2014/main" id="{786DC036-2869-0E69-8B9A-E1933A631F00}"/>
-              </a:ext>
-            </a:extLst>
-          </p:cNvPr>
-          <p:cNvSpPr>
-            <a:spLocks noGrp="1"/>
-          </p:cNvSpPr>
-          <p:nvPr>
-            <p:ph type="title"/>
-          </p:nvPr>
-        </p:nvSpPr>
-        <p:spPr/>
-        <p:txBody>
-          <a:bodyPr/>
-          <a:lstStyle/>
-          <a:p>
-            <a:r>
-              <a:rPr lang="en-US" dirty="0"/>
-              <a:t>Q3 ANS</a:t>
-            </a:r>
-          </a:p>
-        </p:txBody>
-      </p:sp>
-      <p:sp>
-        <p:nvSpPr>
-          <p:cNvPr id="3" name="Slide Number Placeholder 2">
-            <a:extLst>
-              <a:ext uri="{FF2B5EF4-FFF2-40B4-BE49-F238E27FC236}">
-                <a16:creationId xmlns:a16="http://schemas.microsoft.com/office/drawing/2014/main" id="{111DD10A-EF4D-96C9-153C-371D4E6CD48B}"/>
-              </a:ext>
-            </a:extLst>
-          </p:cNvPr>
-          <p:cNvSpPr>
-            <a:spLocks noGrp="1"/>
-          </p:cNvSpPr>
-          <p:nvPr>
-            <p:ph type="sldNum" sz="quarter" idx="12"/>
-          </p:nvPr>
-        </p:nvSpPr>
-        <p:spPr/>
-        <p:txBody>
-          <a:bodyPr/>
-          <a:lstStyle/>
-          <a:p>
-            <a:fld id="{EA7C8D44-3667-46F6-9772-CC52308E2A7F}" type="slidenum">
-              <a:rPr kumimoji="0" lang="en-US" smtClean="0"/>
-              <a:pPr/>
-              <a:t>15</a:t>
-            </a:fld>
-            <a:endParaRPr kumimoji="0" lang="en-US" dirty="0"/>
-          </a:p>
-        </p:txBody>
-      </p:sp>
-      <p:sp>
-        <p:nvSpPr>
-          <p:cNvPr id="4" name="Content Placeholder 3">
-            <a:extLst>
-              <a:ext uri="{FF2B5EF4-FFF2-40B4-BE49-F238E27FC236}">
-                <a16:creationId xmlns:a16="http://schemas.microsoft.com/office/drawing/2014/main" id="{0FB0DF07-A9DB-A45E-E865-E3DA1A2E9A18}"/>
-              </a:ext>
-            </a:extLst>
-          </p:cNvPr>
-          <p:cNvSpPr>
-            <a:spLocks noGrp="1"/>
-          </p:cNvSpPr>
-          <p:nvPr>
-            <p:ph sz="quarter" idx="1"/>
-          </p:nvPr>
-        </p:nvSpPr>
-        <p:spPr/>
-        <p:txBody>
-          <a:bodyPr/>
-          <a:lstStyle/>
-          <a:p>
-            <a:r>
-              <a:rPr lang="pt-BR" dirty="0"/>
-              <a:t>Q3:</a:t>
-            </a:r>
-          </a:p>
-          <a:p>
-            <a:pPr lvl="1"/>
-            <a:r>
-              <a:rPr lang="pt-BR" dirty="0"/>
-              <a:t>LDR r0, =</a:t>
-            </a:r>
-            <a:r>
-              <a:rPr lang="en-US" dirty="0"/>
-              <a:t>0xFFFFC000</a:t>
-            </a:r>
-          </a:p>
-          <a:p>
-            <a:pPr lvl="1"/>
-            <a:r>
-              <a:rPr lang="pt-BR" dirty="0"/>
-              <a:t>MOV r0, r0, LSR 2</a:t>
-            </a:r>
-            <a:endParaRPr lang="en-US" dirty="0"/>
-          </a:p>
-          <a:p>
-            <a:r>
-              <a:rPr lang="pt-BR" dirty="0"/>
-              <a:t>ANS:</a:t>
-            </a:r>
-          </a:p>
-          <a:p>
-            <a:pPr lvl="1"/>
-            <a:r>
-              <a:rPr lang="en-US" dirty="0"/>
-              <a:t>Original r0 = 1111 1111 1111 1111 1111 1100 0000 0000</a:t>
-            </a:r>
-          </a:p>
-          <a:p>
-            <a:pPr lvl="1"/>
-            <a:r>
-              <a:rPr lang="en-US" dirty="0"/>
-              <a:t>After LSR 2, r0 = </a:t>
-            </a:r>
-            <a:r>
-              <a:rPr lang="en-US" dirty="0">
-                <a:solidFill>
-                  <a:srgbClr val="FF0000"/>
-                </a:solidFill>
-              </a:rPr>
-              <a:t>00</a:t>
-            </a:r>
-            <a:r>
-              <a:rPr lang="en-US" dirty="0"/>
-              <a:t>11 1111 1111 1111 1111 1111 0000 0000 = 0x3FFFF000</a:t>
-            </a:r>
-          </a:p>
-          <a:p>
-            <a:pPr lvl="1"/>
-            <a:r>
-              <a:rPr lang="en-US" dirty="0"/>
-              <a:t>In decimal: 4,294,951,424 ÷ 4 = 1,073,737,728 (Not required for exam)</a:t>
-            </a:r>
-          </a:p>
-          <a:p>
-            <a:endParaRPr lang="pt-BR" dirty="0"/>
-          </a:p>
-          <a:p>
-            <a:endParaRPr lang="en-US" dirty="0"/>
-          </a:p>
-        </p:txBody>
-      </p:sp>
-    </p:spTree>
-    <p:extLst>
-      <p:ext uri="{BB962C8B-B14F-4D97-AF65-F5344CB8AC3E}">
-        <p14:creationId xmlns:p14="http://schemas.microsoft.com/office/powerpoint/2010/main" val="2309965032"/>
-      </p:ext>
-    </p:extLst>
-  </p:cSld>
-  <p:clrMapOvr>
-    <a:masterClrMapping/>
-  </p:clrMapOvr>
-</p:sld>
-</file>
-
-<file path=ppt/slides/slide16.xml><?xml version="1.0" encoding="utf-8"?>
-<p:sld xmlns:a="http://schemas.openxmlformats.org/drawingml/2006/main" xmlns:r="http://schemas.openxmlformats.org/officeDocument/2006/relationships" xmlns:p="http://schemas.openxmlformats.org/presentationml/2006/main">
-  <p:cSld>
-    <p:spTree>
-      <p:nvGrpSpPr>
-        <p:cNvPr id="1" name="">
-          <a:extLst>
-            <a:ext uri="{FF2B5EF4-FFF2-40B4-BE49-F238E27FC236}">
-              <a16:creationId xmlns:a16="http://schemas.microsoft.com/office/drawing/2014/main" id="{0F4780EF-5EA1-3126-9F72-DBC3BB5CA814}"/>
-            </a:ext>
-          </a:extLst>
-        </p:cNvPr>
-        <p:cNvGrpSpPr/>
-        <p:nvPr/>
-      </p:nvGrpSpPr>
-      <p:grpSpPr>
-        <a:xfrm>
-          <a:off x="0" y="0"/>
-          <a:ext cx="0" cy="0"/>
-          <a:chOff x="0" y="0"/>
-          <a:chExt cx="0" cy="0"/>
-        </a:xfrm>
-      </p:grpSpPr>
-      <p:sp>
-        <p:nvSpPr>
-          <p:cNvPr id="2" name="Title 1">
-            <a:extLst>
-              <a:ext uri="{FF2B5EF4-FFF2-40B4-BE49-F238E27FC236}">
-                <a16:creationId xmlns:a16="http://schemas.microsoft.com/office/drawing/2014/main" id="{866D28A9-784B-2788-2972-41B5BBF91658}"/>
-              </a:ext>
-            </a:extLst>
-          </p:cNvPr>
-          <p:cNvSpPr>
-            <a:spLocks noGrp="1"/>
-          </p:cNvSpPr>
-          <p:nvPr>
-            <p:ph type="title"/>
-          </p:nvPr>
-        </p:nvSpPr>
-        <p:spPr/>
-        <p:txBody>
-          <a:bodyPr/>
-          <a:lstStyle/>
-          <a:p>
-            <a:r>
-              <a:rPr lang="en-US" dirty="0"/>
-              <a:t>Q4 ANS</a:t>
-            </a:r>
-          </a:p>
-        </p:txBody>
-      </p:sp>
-      <p:sp>
-        <p:nvSpPr>
-          <p:cNvPr id="3" name="Slide Number Placeholder 2">
-            <a:extLst>
-              <a:ext uri="{FF2B5EF4-FFF2-40B4-BE49-F238E27FC236}">
-                <a16:creationId xmlns:a16="http://schemas.microsoft.com/office/drawing/2014/main" id="{DB4A7CFC-639E-5CD7-AD17-ED109B732CF8}"/>
-              </a:ext>
-            </a:extLst>
-          </p:cNvPr>
-          <p:cNvSpPr>
-            <a:spLocks noGrp="1"/>
-          </p:cNvSpPr>
-          <p:nvPr>
-            <p:ph type="sldNum" sz="quarter" idx="12"/>
-          </p:nvPr>
-        </p:nvSpPr>
-        <p:spPr/>
-        <p:txBody>
-          <a:bodyPr/>
-          <a:lstStyle/>
-          <a:p>
-            <a:fld id="{EA7C8D44-3667-46F6-9772-CC52308E2A7F}" type="slidenum">
-              <a:rPr kumimoji="0" lang="en-US" smtClean="0"/>
-              <a:pPr/>
-              <a:t>16</a:t>
-            </a:fld>
-            <a:endParaRPr kumimoji="0" lang="en-US" dirty="0"/>
-          </a:p>
-        </p:txBody>
-      </p:sp>
-      <p:sp>
-        <p:nvSpPr>
-          <p:cNvPr id="4" name="Content Placeholder 3">
-            <a:extLst>
-              <a:ext uri="{FF2B5EF4-FFF2-40B4-BE49-F238E27FC236}">
-                <a16:creationId xmlns:a16="http://schemas.microsoft.com/office/drawing/2014/main" id="{8BA53D22-7664-ED5A-1A06-11937BAAD832}"/>
-              </a:ext>
-            </a:extLst>
-          </p:cNvPr>
-          <p:cNvSpPr>
-            <a:spLocks noGrp="1"/>
-          </p:cNvSpPr>
-          <p:nvPr>
-            <p:ph sz="quarter" idx="1"/>
-          </p:nvPr>
-        </p:nvSpPr>
-        <p:spPr/>
-        <p:txBody>
-          <a:bodyPr/>
-          <a:lstStyle/>
-          <a:p>
-            <a:r>
-              <a:rPr lang="pt-BR" dirty="0"/>
-              <a:t>Q3:</a:t>
-            </a:r>
-          </a:p>
-          <a:p>
-            <a:pPr lvl="1"/>
-            <a:r>
-              <a:rPr lang="pt-BR" dirty="0"/>
-              <a:t>LDR r0, =</a:t>
-            </a:r>
-            <a:r>
-              <a:rPr lang="en-US" dirty="0"/>
-              <a:t>0xFFFFC000</a:t>
-            </a:r>
-          </a:p>
-          <a:p>
-            <a:pPr lvl="1"/>
-            <a:r>
-              <a:rPr lang="pt-BR" dirty="0"/>
-              <a:t>MOV r0, r0, ASR 2</a:t>
-            </a:r>
-            <a:endParaRPr lang="en-US" dirty="0"/>
-          </a:p>
-          <a:p>
-            <a:r>
-              <a:rPr lang="pt-BR" dirty="0"/>
-              <a:t>ANS:</a:t>
-            </a:r>
-          </a:p>
-          <a:p>
-            <a:pPr lvl="1"/>
-            <a:r>
-              <a:rPr lang="en-US" dirty="0"/>
-              <a:t>Original r0 = 1111 1111 1111 1111 1111 1100 0000 0000</a:t>
-            </a:r>
-          </a:p>
-          <a:p>
-            <a:pPr lvl="1"/>
-            <a:r>
-              <a:rPr lang="en-US" dirty="0"/>
-              <a:t>After ASR 2, r0 = </a:t>
-            </a:r>
-            <a:r>
-              <a:rPr lang="en-US" dirty="0">
-                <a:solidFill>
-                  <a:srgbClr val="FF0000"/>
-                </a:solidFill>
-              </a:rPr>
-              <a:t>11</a:t>
-            </a:r>
-            <a:r>
-              <a:rPr lang="en-US" dirty="0"/>
-              <a:t>11 1111 1111 1111 1111 1111 0000 0000 = 0xFFFFFF00 (-256 in decimal)</a:t>
-            </a:r>
-          </a:p>
-          <a:p>
-            <a:pPr lvl="1"/>
-            <a:r>
-              <a:rPr lang="en-US" dirty="0"/>
-              <a:t>In decimal: -16384 ÷ 2² = -4096 (Not required for exam)</a:t>
-            </a:r>
-          </a:p>
-          <a:p>
-            <a:endParaRPr lang="pt-BR" dirty="0"/>
-          </a:p>
-          <a:p>
-            <a:endParaRPr lang="en-US" dirty="0"/>
-          </a:p>
-        </p:txBody>
-      </p:sp>
-    </p:spTree>
-    <p:extLst>
-      <p:ext uri="{BB962C8B-B14F-4D97-AF65-F5344CB8AC3E}">
-        <p14:creationId xmlns:p14="http://schemas.microsoft.com/office/powerpoint/2010/main" val="3348230435"/>
-      </p:ext>
-    </p:extLst>
-  </p:cSld>
-  <p:clrMapOvr>
-    <a:masterClrMapping/>
-  </p:clrMapOvr>
-</p:sld>
-</file>
-
-<file path=ppt/slides/slide17.xml><?xml version="1.0" encoding="utf-8"?>
-<p:sld xmlns:a="http://schemas.openxmlformats.org/drawingml/2006/main" xmlns:r="http://schemas.openxmlformats.org/officeDocument/2006/relationships" xmlns:p="http://schemas.openxmlformats.org/presentationml/2006/main">
-  <p:cSld>
-    <p:spTree>
-      <p:nvGrpSpPr>
-        <p:cNvPr id="1" name=""/>
-        <p:cNvGrpSpPr/>
-        <p:nvPr/>
-      </p:nvGrpSpPr>
-      <p:grpSpPr>
-        <a:xfrm>
-          <a:off x="0" y="0"/>
-          <a:ext cx="0" cy="0"/>
-          <a:chOff x="0" y="0"/>
-          <a:chExt cx="0" cy="0"/>
-        </a:xfrm>
-      </p:grpSpPr>
-      <p:sp>
-        <p:nvSpPr>
-          <p:cNvPr id="2" name="Title 1">
-            <a:extLst>
-              <a:ext uri="{FF2B5EF4-FFF2-40B4-BE49-F238E27FC236}">
-                <a16:creationId xmlns:a16="http://schemas.microsoft.com/office/drawing/2014/main" id="{2B394F7E-B72B-03F3-82BC-5ADF55A6D6EB}"/>
-              </a:ext>
-            </a:extLst>
-          </p:cNvPr>
-          <p:cNvSpPr>
-            <a:spLocks noGrp="1"/>
-          </p:cNvSpPr>
-          <p:nvPr>
-            <p:ph type="title"/>
-          </p:nvPr>
-        </p:nvSpPr>
-        <p:spPr/>
-        <p:txBody>
-          <a:bodyPr/>
-          <a:lstStyle/>
-          <a:p>
-            <a:r>
-              <a:rPr lang="en-US" dirty="0"/>
-              <a:t>Q5 ANS</a:t>
-            </a:r>
-          </a:p>
-        </p:txBody>
-      </p:sp>
-      <p:sp>
-        <p:nvSpPr>
-          <p:cNvPr id="3" name="Slide Number Placeholder 2">
-            <a:extLst>
-              <a:ext uri="{FF2B5EF4-FFF2-40B4-BE49-F238E27FC236}">
-                <a16:creationId xmlns:a16="http://schemas.microsoft.com/office/drawing/2014/main" id="{A95F2938-6A94-824D-979C-92A72D7A59D1}"/>
-              </a:ext>
-            </a:extLst>
-          </p:cNvPr>
-          <p:cNvSpPr>
-            <a:spLocks noGrp="1"/>
-          </p:cNvSpPr>
-          <p:nvPr>
-            <p:ph type="sldNum" sz="quarter" idx="12"/>
-          </p:nvPr>
-        </p:nvSpPr>
-        <p:spPr/>
-        <p:txBody>
-          <a:bodyPr/>
-          <a:lstStyle/>
-          <a:p>
-            <a:fld id="{EA7C8D44-3667-46F6-9772-CC52308E2A7F}" type="slidenum">
-              <a:rPr kumimoji="0" lang="en-US" smtClean="0"/>
-              <a:pPr/>
-              <a:t>17</a:t>
-            </a:fld>
-            <a:endParaRPr kumimoji="0" lang="en-US" dirty="0"/>
-          </a:p>
-        </p:txBody>
-      </p:sp>
-      <p:sp>
-        <p:nvSpPr>
-          <p:cNvPr id="4" name="Content Placeholder 3">
-            <a:extLst>
-              <a:ext uri="{FF2B5EF4-FFF2-40B4-BE49-F238E27FC236}">
-                <a16:creationId xmlns:a16="http://schemas.microsoft.com/office/drawing/2014/main" id="{69D7C57D-5681-1E7F-C90E-C2A6E62DD37D}"/>
-              </a:ext>
-            </a:extLst>
-          </p:cNvPr>
-          <p:cNvSpPr>
-            <a:spLocks noGrp="1"/>
-          </p:cNvSpPr>
-          <p:nvPr>
-            <p:ph sz="quarter" idx="1"/>
-          </p:nvPr>
-        </p:nvSpPr>
-        <p:spPr/>
-        <p:txBody>
-          <a:bodyPr/>
-          <a:lstStyle/>
-          <a:p>
-            <a:r>
-              <a:rPr lang="pt-BR" dirty="0"/>
-              <a:t>Q4:</a:t>
-            </a:r>
-          </a:p>
-          <a:p>
-            <a:pPr lvl="1"/>
-            <a:r>
-              <a:rPr lang="pt-BR" dirty="0"/>
-              <a:t>LDR r0, =0x00000007</a:t>
-            </a:r>
-          </a:p>
-          <a:p>
-            <a:pPr lvl="1"/>
-            <a:r>
-              <a:rPr lang="pt-BR" dirty="0"/>
-              <a:t>MOV r0, r0, ROR 2</a:t>
-            </a:r>
-          </a:p>
-          <a:p>
-            <a:r>
-              <a:rPr lang="pt-BR" dirty="0"/>
-              <a:t>ANS:</a:t>
-            </a:r>
-          </a:p>
-          <a:p>
-            <a:pPr lvl="1"/>
-            <a:r>
-              <a:rPr lang="en-US" dirty="0"/>
-              <a:t>Original r0 = 0000 0000 0000 0000 0000 0000 0000 0111</a:t>
-            </a:r>
-          </a:p>
-          <a:p>
-            <a:pPr lvl="1"/>
-            <a:r>
-              <a:rPr lang="en-US" dirty="0"/>
-              <a:t>After ROR r0 = 1100 0000 0000 0000 0000 0000 0000 0001 = 0xC0000001</a:t>
-            </a:r>
-          </a:p>
-          <a:p>
-            <a:endParaRPr lang="en-US" dirty="0"/>
-          </a:p>
-        </p:txBody>
-      </p:sp>
-    </p:spTree>
-    <p:extLst>
-      <p:ext uri="{BB962C8B-B14F-4D97-AF65-F5344CB8AC3E}">
-        <p14:creationId xmlns:p14="http://schemas.microsoft.com/office/powerpoint/2010/main" val="3895715509"/>
-      </p:ext>
-    </p:extLst>
-  </p:cSld>
-  <p:clrMapOvr>
-    <a:masterClrMapping/>
-  </p:clrMapOvr>
-</p:sld>
-</file>
-
-<file path=ppt/slides/slide18.xml><?xml version="1.0" encoding="utf-8"?>
-<p:sld xmlns:a="http://schemas.openxmlformats.org/drawingml/2006/main" xmlns:r="http://schemas.openxmlformats.org/officeDocument/2006/relationships" xmlns:p="http://schemas.openxmlformats.org/presentationml/2006/main">
-  <p:cSld>
-    <p:spTree>
-      <p:nvGrpSpPr>
-        <p:cNvPr id="1" name=""/>
-        <p:cNvGrpSpPr/>
-        <p:nvPr/>
-      </p:nvGrpSpPr>
-      <p:grpSpPr>
-        <a:xfrm>
-          <a:off x="0" y="0"/>
-          <a:ext cx="0" cy="0"/>
-          <a:chOff x="0" y="0"/>
-          <a:chExt cx="0" cy="0"/>
-        </a:xfrm>
-      </p:grpSpPr>
-      <p:sp>
-        <p:nvSpPr>
-          <p:cNvPr id="2" name="Title 1">
-            <a:extLst>
-              <a:ext uri="{FF2B5EF4-FFF2-40B4-BE49-F238E27FC236}">
-                <a16:creationId xmlns:a16="http://schemas.microsoft.com/office/drawing/2014/main" id="{DD9933DF-9610-809C-11B2-6E559AD6FCAA}"/>
-              </a:ext>
-            </a:extLst>
-          </p:cNvPr>
-          <p:cNvSpPr>
-            <a:spLocks noGrp="1"/>
-          </p:cNvSpPr>
-          <p:nvPr>
-            <p:ph type="title"/>
-          </p:nvPr>
-        </p:nvSpPr>
-        <p:spPr/>
-        <p:txBody>
-          <a:bodyPr/>
-          <a:lstStyle/>
-          <a:p>
-            <a:r>
-              <a:rPr lang="en-US" dirty="0"/>
-              <a:t>Assembly Programming</a:t>
-            </a:r>
-          </a:p>
-        </p:txBody>
-      </p:sp>
-      <p:sp>
-        <p:nvSpPr>
-          <p:cNvPr id="3" name="Slide Number Placeholder 2">
-            <a:extLst>
-              <a:ext uri="{FF2B5EF4-FFF2-40B4-BE49-F238E27FC236}">
-                <a16:creationId xmlns:a16="http://schemas.microsoft.com/office/drawing/2014/main" id="{D351F047-7DC1-1269-97CA-1BFB3E386E1A}"/>
-              </a:ext>
-            </a:extLst>
-          </p:cNvPr>
-          <p:cNvSpPr>
-            <a:spLocks noGrp="1"/>
-          </p:cNvSpPr>
-          <p:nvPr>
-            <p:ph type="sldNum" sz="quarter" idx="12"/>
-          </p:nvPr>
-        </p:nvSpPr>
-        <p:spPr/>
-        <p:txBody>
-          <a:bodyPr/>
-          <a:lstStyle/>
-          <a:p>
-            <a:fld id="{EA7C8D44-3667-46F6-9772-CC52308E2A7F}" type="slidenum">
-              <a:rPr kumimoji="0" lang="en-US" smtClean="0"/>
-              <a:pPr/>
-              <a:t>18</a:t>
-            </a:fld>
-            <a:endParaRPr kumimoji="0" lang="en-US" dirty="0"/>
-          </a:p>
-        </p:txBody>
-      </p:sp>
-      <p:sp>
-        <p:nvSpPr>
-          <p:cNvPr id="4" name="Content Placeholder 3">
-            <a:extLst>
-              <a:ext uri="{FF2B5EF4-FFF2-40B4-BE49-F238E27FC236}">
-                <a16:creationId xmlns:a16="http://schemas.microsoft.com/office/drawing/2014/main" id="{815194D1-447C-6A4E-281D-DAB9A59A84CD}"/>
-              </a:ext>
-            </a:extLst>
-          </p:cNvPr>
-          <p:cNvSpPr>
-            <a:spLocks noGrp="1"/>
-          </p:cNvSpPr>
-          <p:nvPr>
-            <p:ph sz="quarter" idx="1"/>
-          </p:nvPr>
-        </p:nvSpPr>
-        <p:spPr/>
-        <p:txBody>
-          <a:bodyPr/>
-          <a:lstStyle/>
-          <a:p>
-            <a:r>
-              <a:rPr lang="en-US" dirty="0"/>
-              <a:t>Write ARMv7 assembly for pseudocode</a:t>
-            </a:r>
-          </a:p>
-          <a:p>
-            <a:pPr lvl="1"/>
-            <a:r>
-              <a:rPr lang="en-US" dirty="0"/>
-              <a:t>r1 = (r0 &gt;&gt; 4) &amp; 15</a:t>
-            </a:r>
-          </a:p>
-        </p:txBody>
-      </p:sp>
-    </p:spTree>
-    <p:extLst>
-      <p:ext uri="{BB962C8B-B14F-4D97-AF65-F5344CB8AC3E}">
-        <p14:creationId xmlns:p14="http://schemas.microsoft.com/office/powerpoint/2010/main" val="544675658"/>
-      </p:ext>
-    </p:extLst>
-  </p:cSld>
-  <p:clrMapOvr>
-    <a:masterClrMapping/>
-  </p:clrMapOvr>
-</p:sld>
-</file>
-
-<file path=ppt/slides/slide19.xml><?xml version="1.0" encoding="utf-8"?>
-<p:sld xmlns:a="http://schemas.openxmlformats.org/drawingml/2006/main" xmlns:r="http://schemas.openxmlformats.org/officeDocument/2006/relationships" xmlns:p="http://schemas.openxmlformats.org/presentationml/2006/main">
-  <p:cSld>
-    <p:spTree>
-      <p:nvGrpSpPr>
-        <p:cNvPr id="1" name=""/>
-        <p:cNvGrpSpPr/>
-        <p:nvPr/>
-      </p:nvGrpSpPr>
-      <p:grpSpPr>
-        <a:xfrm>
-          <a:off x="0" y="0"/>
-          <a:ext cx="0" cy="0"/>
-          <a:chOff x="0" y="0"/>
-          <a:chExt cx="0" cy="0"/>
-        </a:xfrm>
-      </p:grpSpPr>
-      <p:sp>
-        <p:nvSpPr>
-          <p:cNvPr id="2" name="Title 1">
-            <a:extLst>
-              <a:ext uri="{FF2B5EF4-FFF2-40B4-BE49-F238E27FC236}">
-                <a16:creationId xmlns:a16="http://schemas.microsoft.com/office/drawing/2014/main" id="{8F445031-374F-3949-2E75-E92EE2E13893}"/>
-              </a:ext>
-            </a:extLst>
-          </p:cNvPr>
-          <p:cNvSpPr>
-            <a:spLocks noGrp="1"/>
-          </p:cNvSpPr>
-          <p:nvPr>
-            <p:ph type="title"/>
-          </p:nvPr>
-        </p:nvSpPr>
-        <p:spPr/>
-        <p:txBody>
-          <a:bodyPr/>
-          <a:lstStyle/>
-          <a:p>
-            <a:r>
-              <a:rPr lang="en-US" dirty="0"/>
-              <a:t>Assembly Programming ANS</a:t>
-            </a:r>
-          </a:p>
-        </p:txBody>
-      </p:sp>
-      <p:sp>
-        <p:nvSpPr>
-          <p:cNvPr id="3" name="Slide Number Placeholder 2">
-            <a:extLst>
-              <a:ext uri="{FF2B5EF4-FFF2-40B4-BE49-F238E27FC236}">
-                <a16:creationId xmlns:a16="http://schemas.microsoft.com/office/drawing/2014/main" id="{FF5611C0-FFA9-1E42-0C9B-E1F57360AA4B}"/>
-              </a:ext>
-            </a:extLst>
-          </p:cNvPr>
-          <p:cNvSpPr>
-            <a:spLocks noGrp="1"/>
-          </p:cNvSpPr>
-          <p:nvPr>
-            <p:ph type="sldNum" sz="quarter" idx="12"/>
-          </p:nvPr>
-        </p:nvSpPr>
-        <p:spPr/>
-        <p:txBody>
-          <a:bodyPr/>
-          <a:lstStyle/>
-          <a:p>
-            <a:fld id="{EA7C8D44-3667-46F6-9772-CC52308E2A7F}" type="slidenum">
-              <a:rPr kumimoji="0" lang="en-US" smtClean="0"/>
-              <a:pPr/>
-              <a:t>19</a:t>
-            </a:fld>
-            <a:endParaRPr kumimoji="0" lang="en-US" dirty="0"/>
-          </a:p>
-        </p:txBody>
-      </p:sp>
-      <p:sp>
-        <p:nvSpPr>
-          <p:cNvPr id="4" name="Content Placeholder 3">
-            <a:extLst>
-              <a:ext uri="{FF2B5EF4-FFF2-40B4-BE49-F238E27FC236}">
-                <a16:creationId xmlns:a16="http://schemas.microsoft.com/office/drawing/2014/main" id="{B4C3D2E6-2CBC-36E7-D723-501E1827F828}"/>
-              </a:ext>
-            </a:extLst>
-          </p:cNvPr>
-          <p:cNvSpPr>
-            <a:spLocks noGrp="1"/>
-          </p:cNvSpPr>
-          <p:nvPr>
-            <p:ph sz="quarter" idx="1"/>
-          </p:nvPr>
-        </p:nvSpPr>
-        <p:spPr/>
-        <p:txBody>
-          <a:bodyPr/>
-          <a:lstStyle/>
-          <a:p>
-            <a:r>
-              <a:rPr lang="en-US" dirty="0"/>
-              <a:t>Write ARMv7 assembly for pseudocode</a:t>
-            </a:r>
-          </a:p>
-          <a:p>
-            <a:pPr lvl="1"/>
-            <a:r>
-              <a:rPr lang="en-US" dirty="0"/>
-              <a:t>r1 = (r0 &gt;&gt; 4) &amp; 15</a:t>
-            </a:r>
-          </a:p>
-          <a:p>
-            <a:r>
-              <a:rPr lang="pt-BR"/>
-              <a:t>ANS:</a:t>
-            </a:r>
-          </a:p>
-          <a:p>
-            <a:pPr lvl="1"/>
-            <a:r>
-              <a:rPr lang="pt-BR" dirty="0"/>
-              <a:t>MOV r1, r0, LSR #4</a:t>
-            </a:r>
-          </a:p>
-          <a:p>
-            <a:pPr lvl="1"/>
-            <a:r>
-              <a:rPr lang="pt-BR" dirty="0"/>
-              <a:t>AND r1, r1, #15</a:t>
-            </a:r>
-            <a:endParaRPr lang="en-US" dirty="0"/>
-          </a:p>
-        </p:txBody>
-      </p:sp>
-    </p:spTree>
-    <p:extLst>
-      <p:ext uri="{BB962C8B-B14F-4D97-AF65-F5344CB8AC3E}">
-        <p14:creationId xmlns:p14="http://schemas.microsoft.com/office/powerpoint/2010/main" val="188395404"/>
-      </p:ext>
-    </p:extLst>
-  </p:cSld>
-  <p:clrMapOvr>
-    <a:masterClrMapping/>
-  </p:clrMapOvr>
-</p:sld>
-</file>
-
-<file path=ppt/slides/slide2.xml><?xml version="1.0" encoding="utf-8"?>
+<file path=ppt/slides/slide11.xml><?xml version="1.0" encoding="utf-8"?>
 <p:sld xmlns:a="http://schemas.openxmlformats.org/drawingml/2006/main" xmlns:r="http://schemas.openxmlformats.org/officeDocument/2006/relationships" xmlns:p="http://schemas.openxmlformats.org/presentationml/2006/main">
   <p:cSld>
     <p:spTree>
@@ -8671,7 +7066,7 @@
                 <a:tabLst/>
                 <a:defRPr/>
               </a:pPr>
-              <a:t>2</a:t>
+              <a:t>11</a:t>
             </a:fld>
             <a:endParaRPr kumimoji="0" lang="en-US" sz="1400" b="0" i="0" u="none" strike="noStrike" kern="1200" cap="none" spc="0" normalizeH="0" baseline="0" noProof="0">
               <a:ln>
@@ -9055,7 +7450,7 @@
                 <a:tabLst/>
                 <a:defRPr/>
               </a:pPr>
-              <a:t>2</a:t>
+              <a:t>11</a:t>
             </a:fld>
             <a:endParaRPr kumimoji="0" lang="en-US" sz="1400" b="0" i="0" u="none" strike="noStrike" kern="1200" cap="none" spc="0" normalizeH="0" baseline="0" noProof="0">
               <a:ln>
@@ -10914,7 +9309,7 @@
 </p:sld>
 </file>
 
-<file path=ppt/slides/slide3.xml><?xml version="1.0" encoding="utf-8"?>
+<file path=ppt/slides/slide12.xml><?xml version="1.0" encoding="utf-8"?>
 <p:sld xmlns:a="http://schemas.openxmlformats.org/drawingml/2006/main" xmlns:r="http://schemas.openxmlformats.org/officeDocument/2006/relationships" xmlns:p="http://schemas.openxmlformats.org/presentationml/2006/main">
   <p:cSld>
     <p:spTree>
@@ -11130,7 +9525,7 @@
 </p:sld>
 </file>
 
-<file path=ppt/slides/slide4.xml><?xml version="1.0" encoding="utf-8"?>
+<file path=ppt/slides/slide13.xml><?xml version="1.0" encoding="utf-8"?>
 <p:sld xmlns:a="http://schemas.openxmlformats.org/drawingml/2006/main" xmlns:r="http://schemas.openxmlformats.org/officeDocument/2006/relationships" xmlns:p="http://schemas.openxmlformats.org/presentationml/2006/main">
   <p:cSld>
     <p:spTree>
@@ -11199,7 +9594,7 @@
             <a:fld id="{EA7C8D44-3667-46F6-9772-CC52308E2A7F}" type="slidenum">
               <a:rPr kumimoji="0" lang="en-US" smtClean="0"/>
               <a:pPr/>
-              <a:t>4</a:t>
+              <a:t>13</a:t>
             </a:fld>
             <a:endParaRPr kumimoji="0" lang="en-US" dirty="0"/>
           </a:p>
@@ -11328,7 +9723,7 @@
 </p:sld>
 </file>
 
-<file path=ppt/slides/slide5.xml><?xml version="1.0" encoding="utf-8"?>
+<file path=ppt/slides/slide14.xml><?xml version="1.0" encoding="utf-8"?>
 <p:sld xmlns:a="http://schemas.openxmlformats.org/drawingml/2006/main" xmlns:r="http://schemas.openxmlformats.org/officeDocument/2006/relationships" xmlns:p="http://schemas.openxmlformats.org/presentationml/2006/main">
   <p:cSld>
     <p:spTree>
@@ -11403,7 +9798,7 @@
             <a:fld id="{EA7C8D44-3667-46F6-9772-CC52308E2A7F}" type="slidenum">
               <a:rPr kumimoji="0" lang="en-US" smtClean="0"/>
               <a:pPr/>
-              <a:t>5</a:t>
+              <a:t>14</a:t>
             </a:fld>
             <a:endParaRPr kumimoji="0" lang="en-US" dirty="0"/>
           </a:p>
@@ -11791,7 +10186,7 @@
 </p:sld>
 </file>
 
-<file path=ppt/slides/slide6.xml><?xml version="1.0" encoding="utf-8"?>
+<file path=ppt/slides/slide15.xml><?xml version="1.0" encoding="utf-8"?>
 <p:sld xmlns:a="http://schemas.openxmlformats.org/drawingml/2006/main" xmlns:r="http://schemas.openxmlformats.org/officeDocument/2006/relationships" xmlns:p="http://schemas.openxmlformats.org/presentationml/2006/main">
   <p:cSld>
     <p:spTree>
@@ -11860,7 +10255,7 @@
             <a:fld id="{EA7C8D44-3667-46F6-9772-CC52308E2A7F}" type="slidenum">
               <a:rPr kumimoji="0" lang="en-US" smtClean="0"/>
               <a:pPr/>
-              <a:t>6</a:t>
+              <a:t>15</a:t>
             </a:fld>
             <a:endParaRPr kumimoji="0" lang="en-US" dirty="0"/>
           </a:p>
@@ -11988,7 +10383,7 @@
 </p:sld>
 </file>
 
-<file path=ppt/slides/slide7.xml><?xml version="1.0" encoding="utf-8"?>
+<file path=ppt/slides/slide16.xml><?xml version="1.0" encoding="utf-8"?>
 <p:sld xmlns:a="http://schemas.openxmlformats.org/drawingml/2006/main" xmlns:r="http://schemas.openxmlformats.org/officeDocument/2006/relationships" xmlns:p="http://schemas.openxmlformats.org/presentationml/2006/main">
   <p:cSld>
     <p:spTree>
@@ -12063,7 +10458,7 @@
             <a:fld id="{EA7C8D44-3667-46F6-9772-CC52308E2A7F}" type="slidenum">
               <a:rPr kumimoji="0" lang="en-US" smtClean="0"/>
               <a:pPr/>
-              <a:t>7</a:t>
+              <a:t>16</a:t>
             </a:fld>
             <a:endParaRPr kumimoji="0" lang="en-US" dirty="0"/>
           </a:p>
@@ -12628,7 +11023,7 @@
 </p:sld>
 </file>
 
-<file path=ppt/slides/slide8.xml><?xml version="1.0" encoding="utf-8"?>
+<file path=ppt/slides/slide17.xml><?xml version="1.0" encoding="utf-8"?>
 <p:sld xmlns:a="http://schemas.openxmlformats.org/drawingml/2006/main" xmlns:r="http://schemas.openxmlformats.org/officeDocument/2006/relationships" xmlns:p="http://schemas.openxmlformats.org/presentationml/2006/main">
   <p:cSld>
     <p:spTree>
@@ -12697,7 +11092,7 @@
             <a:fld id="{EA7C8D44-3667-46F6-9772-CC52308E2A7F}" type="slidenum">
               <a:rPr kumimoji="0" lang="en-US" smtClean="0"/>
               <a:pPr/>
-              <a:t>8</a:t>
+              <a:t>17</a:t>
             </a:fld>
             <a:endParaRPr kumimoji="0" lang="en-US" dirty="0"/>
           </a:p>
@@ -12996,7 +11391,7 @@
 </p:sld>
 </file>
 
-<file path=ppt/slides/slide9.xml><?xml version="1.0" encoding="utf-8"?>
+<file path=ppt/slides/slide18.xml><?xml version="1.0" encoding="utf-8"?>
 <p:sld xmlns:a="http://schemas.openxmlformats.org/drawingml/2006/main" xmlns:r="http://schemas.openxmlformats.org/officeDocument/2006/relationships" xmlns:p="http://schemas.openxmlformats.org/presentationml/2006/main">
   <p:cSld>
     <p:spTree>
@@ -13065,7 +11460,7 @@
             <a:fld id="{EA7C8D44-3667-46F6-9772-CC52308E2A7F}" type="slidenum">
               <a:rPr kumimoji="0" lang="en-US" smtClean="0"/>
               <a:pPr/>
-              <a:t>9</a:t>
+              <a:t>18</a:t>
             </a:fld>
             <a:endParaRPr kumimoji="0" lang="en-US" dirty="0"/>
           </a:p>
@@ -13451,6 +11846,4301 @@
     <p:extLst>
       <p:ext uri="{BB962C8B-B14F-4D97-AF65-F5344CB8AC3E}">
         <p14:creationId xmlns:p14="http://schemas.microsoft.com/office/powerpoint/2010/main" val="3808152940"/>
+      </p:ext>
+    </p:extLst>
+  </p:cSld>
+  <p:clrMapOvr>
+    <a:masterClrMapping/>
+  </p:clrMapOvr>
+</p:sld>
+</file>
+
+<file path=ppt/slides/slide19.xml><?xml version="1.0" encoding="utf-8"?>
+<p:sld xmlns:a="http://schemas.openxmlformats.org/drawingml/2006/main" xmlns:r="http://schemas.openxmlformats.org/officeDocument/2006/relationships" xmlns:p="http://schemas.openxmlformats.org/presentationml/2006/main">
+  <p:cSld>
+    <p:spTree>
+      <p:nvGrpSpPr>
+        <p:cNvPr id="1" name="">
+          <a:extLst>
+            <a:ext uri="{FF2B5EF4-FFF2-40B4-BE49-F238E27FC236}">
+              <a16:creationId xmlns:a16="http://schemas.microsoft.com/office/drawing/2014/main" id="{3FC76F90-35DA-C6B2-DA8D-B8A77EB637D7}"/>
+            </a:ext>
+          </a:extLst>
+        </p:cNvPr>
+        <p:cNvGrpSpPr/>
+        <p:nvPr/>
+      </p:nvGrpSpPr>
+      <p:grpSpPr>
+        <a:xfrm>
+          <a:off x="0" y="0"/>
+          <a:ext cx="0" cy="0"/>
+          <a:chOff x="0" y="0"/>
+          <a:chExt cx="0" cy="0"/>
+        </a:xfrm>
+      </p:grpSpPr>
+      <p:sp>
+        <p:nvSpPr>
+          <p:cNvPr id="2" name="Title 1">
+            <a:extLst>
+              <a:ext uri="{FF2B5EF4-FFF2-40B4-BE49-F238E27FC236}">
+                <a16:creationId xmlns:a16="http://schemas.microsoft.com/office/drawing/2014/main" id="{43433923-A3D7-3DF6-0FD1-40B2D707B599}"/>
+              </a:ext>
+            </a:extLst>
+          </p:cNvPr>
+          <p:cNvSpPr>
+            <a:spLocks noGrp="1"/>
+          </p:cNvSpPr>
+          <p:nvPr>
+            <p:ph type="title"/>
+          </p:nvPr>
+        </p:nvSpPr>
+        <p:spPr/>
+        <p:txBody>
+          <a:bodyPr/>
+          <a:lstStyle/>
+          <a:p>
+            <a:r>
+              <a:rPr lang="en-US" dirty="0"/>
+              <a:t>Flags ANS</a:t>
+            </a:r>
+          </a:p>
+        </p:txBody>
+      </p:sp>
+      <p:sp>
+        <p:nvSpPr>
+          <p:cNvPr id="3" name="Slide Number Placeholder 2">
+            <a:extLst>
+              <a:ext uri="{FF2B5EF4-FFF2-40B4-BE49-F238E27FC236}">
+                <a16:creationId xmlns:a16="http://schemas.microsoft.com/office/drawing/2014/main" id="{4A648110-879A-1649-F5F1-EE26EAC34D2F}"/>
+              </a:ext>
+            </a:extLst>
+          </p:cNvPr>
+          <p:cNvSpPr>
+            <a:spLocks noGrp="1"/>
+          </p:cNvSpPr>
+          <p:nvPr>
+            <p:ph type="sldNum" sz="quarter" idx="12"/>
+          </p:nvPr>
+        </p:nvSpPr>
+        <p:spPr/>
+        <p:txBody>
+          <a:bodyPr/>
+          <a:lstStyle/>
+          <a:p>
+            <a:fld id="{EA7C8D44-3667-46F6-9772-CC52308E2A7F}" type="slidenum">
+              <a:rPr kumimoji="0" lang="en-US" smtClean="0"/>
+              <a:pPr/>
+              <a:t>19</a:t>
+            </a:fld>
+            <a:endParaRPr kumimoji="0" lang="en-US" dirty="0"/>
+          </a:p>
+        </p:txBody>
+      </p:sp>
+      <p:sp>
+        <p:nvSpPr>
+          <p:cNvPr id="4" name="Content Placeholder 3">
+            <a:extLst>
+              <a:ext uri="{FF2B5EF4-FFF2-40B4-BE49-F238E27FC236}">
+                <a16:creationId xmlns:a16="http://schemas.microsoft.com/office/drawing/2014/main" id="{5645CD76-A90D-FFA9-784E-A81C0CBBBD11}"/>
+              </a:ext>
+            </a:extLst>
+          </p:cNvPr>
+          <p:cNvSpPr>
+            <a:spLocks noGrp="1"/>
+          </p:cNvSpPr>
+          <p:nvPr>
+            <p:ph sz="quarter" idx="1"/>
+          </p:nvPr>
+        </p:nvSpPr>
+        <p:spPr/>
+        <p:txBody>
+          <a:bodyPr>
+            <a:normAutofit fontScale="85000" lnSpcReduction="20000"/>
+          </a:bodyPr>
+          <a:lstStyle/>
+          <a:p>
+            <a:r>
+              <a:rPr lang="pt-BR" dirty="0"/>
+              <a:t>(d) ANDS r4, r0, r3</a:t>
+            </a:r>
+          </a:p>
+          <a:p>
+            <a:pPr lvl="1"/>
+            <a:r>
+              <a:rPr lang="en-US" dirty="0"/>
+              <a:t>Bitwise AND with flag update: 0xffffffff &amp; 0xfffffff0 = 0xfffffff0</a:t>
+            </a:r>
+          </a:p>
+          <a:p>
+            <a:pPr lvl="1"/>
+            <a:r>
+              <a:rPr lang="en-US" dirty="0"/>
+              <a:t>N = 1 (result bit 31 = 1, negative)</a:t>
+            </a:r>
+          </a:p>
+          <a:p>
+            <a:pPr lvl="1"/>
+            <a:r>
+              <a:rPr lang="en-US" dirty="0"/>
+              <a:t>Z = 0 (result is not zero)</a:t>
+            </a:r>
+          </a:p>
+          <a:p>
+            <a:pPr lvl="1"/>
+            <a:r>
+              <a:rPr lang="en-US" dirty="0"/>
+              <a:t>C = 0 (logical operations clear carry flag)</a:t>
+            </a:r>
+          </a:p>
+          <a:p>
+            <a:pPr lvl="1"/>
+            <a:r>
+              <a:rPr lang="en-US" dirty="0"/>
+              <a:t>V = 0 (logical operations don't affect overflow)</a:t>
+            </a:r>
+          </a:p>
+          <a:p>
+            <a:pPr lvl="1"/>
+            <a:r>
+              <a:rPr lang="en-US" dirty="0"/>
+              <a:t>Result: r4 = 0xfffffff0, NZCV = 1000</a:t>
+            </a:r>
+          </a:p>
+          <a:p>
+            <a:r>
+              <a:rPr lang="en-US" dirty="0"/>
+              <a:t>(e) CMP r2, #3</a:t>
+            </a:r>
+          </a:p>
+          <a:p>
+            <a:pPr lvl="1"/>
+            <a:r>
+              <a:rPr lang="en-US" dirty="0"/>
+              <a:t>Compare operation: r2 - 3 = 3 - 3 = 0 (result not stored, only flags updated)</a:t>
+            </a:r>
+          </a:p>
+          <a:p>
+            <a:pPr lvl="1"/>
+            <a:r>
+              <a:rPr lang="en-US" dirty="0"/>
+              <a:t>N = 0 (subtraction result is 0, bit 31 = 0)</a:t>
+            </a:r>
+          </a:p>
+          <a:p>
+            <a:pPr lvl="1"/>
+            <a:r>
+              <a:rPr lang="en-US" dirty="0"/>
+              <a:t>Z = 1 (subtraction result is 0)</a:t>
+            </a:r>
+          </a:p>
+          <a:p>
+            <a:pPr lvl="1"/>
+            <a:r>
+              <a:rPr lang="en-US" dirty="0"/>
+              <a:t>C = 1 (no borrow: 3 ≥ 3, so C = 1 = not borrow)</a:t>
+            </a:r>
+          </a:p>
+          <a:p>
+            <a:pPr lvl="1"/>
+            <a:r>
+              <a:rPr lang="en-US" dirty="0"/>
+              <a:t>V = 0 (no signed overflow in 3 - 3)</a:t>
+            </a:r>
+          </a:p>
+          <a:p>
+            <a:pPr lvl="1"/>
+            <a:r>
+              <a:rPr lang="en-US" dirty="0"/>
+              <a:t>Result: NZCV = 0110</a:t>
+            </a:r>
+          </a:p>
+          <a:p>
+            <a:endParaRPr lang="en-US" dirty="0"/>
+          </a:p>
+          <a:p>
+            <a:endParaRPr lang="en-US" dirty="0"/>
+          </a:p>
+          <a:p>
+            <a:endParaRPr lang="en-US" dirty="0"/>
+          </a:p>
+          <a:p>
+            <a:pPr lvl="1"/>
+            <a:endParaRPr lang="en-US" dirty="0"/>
+          </a:p>
+          <a:p>
+            <a:endParaRPr lang="en-US" dirty="0"/>
+          </a:p>
+        </p:txBody>
+      </p:sp>
+      <p:graphicFrame>
+        <p:nvGraphicFramePr>
+          <p:cNvPr id="5" name="Table 4">
+            <a:extLst>
+              <a:ext uri="{FF2B5EF4-FFF2-40B4-BE49-F238E27FC236}">
+                <a16:creationId xmlns:a16="http://schemas.microsoft.com/office/drawing/2014/main" id="{9BFC7784-AC7A-8159-74B8-C94D84BE48E4}"/>
+              </a:ext>
+            </a:extLst>
+          </p:cNvPr>
+          <p:cNvGraphicFramePr>
+            <a:graphicFrameLocks noGrp="1"/>
+          </p:cNvGraphicFramePr>
+          <p:nvPr>
+            <p:extLst>
+              <p:ext uri="{D42A27DB-BD31-4B8C-83A1-F6EECF244321}">
+                <p14:modId xmlns:p14="http://schemas.microsoft.com/office/powerpoint/2010/main" val="2607785733"/>
+              </p:ext>
+            </p:extLst>
+          </p:nvPr>
+        </p:nvGraphicFramePr>
+        <p:xfrm>
+          <a:off x="7070034" y="69573"/>
+          <a:ext cx="1984513" cy="1483360"/>
+        </p:xfrm>
+        <a:graphic>
+          <a:graphicData uri="http://schemas.openxmlformats.org/drawingml/2006/table">
+            <a:tbl>
+              <a:tblPr firstRow="1" bandRow="1">
+                <a:tableStyleId>{5940675A-B579-460E-94D1-54222C63F5DA}</a:tableStyleId>
+              </a:tblPr>
+              <a:tblGrid>
+                <a:gridCol w="496128">
+                  <a:extLst>
+                    <a:ext uri="{9D8B030D-6E8A-4147-A177-3AD203B41FA5}">
+                      <a16:colId xmlns:a16="http://schemas.microsoft.com/office/drawing/2014/main" val="1977830853"/>
+                    </a:ext>
+                  </a:extLst>
+                </a:gridCol>
+                <a:gridCol w="1488385">
+                  <a:extLst>
+                    <a:ext uri="{9D8B030D-6E8A-4147-A177-3AD203B41FA5}">
+                      <a16:colId xmlns:a16="http://schemas.microsoft.com/office/drawing/2014/main" val="1289645906"/>
+                    </a:ext>
+                  </a:extLst>
+                </a:gridCol>
+              </a:tblGrid>
+              <a:tr h="370840">
+                <a:tc>
+                  <a:txBody>
+                    <a:bodyPr/>
+                    <a:lstStyle/>
+                    <a:p>
+                      <a:r>
+                        <a:rPr lang="en-US" sz="1800" dirty="0"/>
+                        <a:t>r0</a:t>
+                      </a:r>
+                    </a:p>
+                  </a:txBody>
+                  <a:tcPr>
+                    <a:solidFill>
+                      <a:schemeClr val="bg1"/>
+                    </a:solidFill>
+                  </a:tcPr>
+                </a:tc>
+                <a:tc>
+                  <a:txBody>
+                    <a:bodyPr/>
+                    <a:lstStyle/>
+                    <a:p>
+                      <a:r>
+                        <a:rPr lang="en-US" sz="1800" dirty="0"/>
+                        <a:t>0xffffffff</a:t>
+                      </a:r>
+                    </a:p>
+                  </a:txBody>
+                  <a:tcPr>
+                    <a:solidFill>
+                      <a:schemeClr val="bg1"/>
+                    </a:solidFill>
+                  </a:tcPr>
+                </a:tc>
+                <a:extLst>
+                  <a:ext uri="{0D108BD9-81ED-4DB2-BD59-A6C34878D82A}">
+                    <a16:rowId xmlns:a16="http://schemas.microsoft.com/office/drawing/2014/main" val="431725572"/>
+                  </a:ext>
+                </a:extLst>
+              </a:tr>
+              <a:tr h="370840">
+                <a:tc>
+                  <a:txBody>
+                    <a:bodyPr/>
+                    <a:lstStyle/>
+                    <a:p>
+                      <a:r>
+                        <a:rPr lang="en-US" sz="1800" dirty="0"/>
+                        <a:t>r1</a:t>
+                      </a:r>
+                    </a:p>
+                  </a:txBody>
+                  <a:tcPr>
+                    <a:solidFill>
+                      <a:schemeClr val="bg1"/>
+                    </a:solidFill>
+                  </a:tcPr>
+                </a:tc>
+                <a:tc>
+                  <a:txBody>
+                    <a:bodyPr/>
+                    <a:lstStyle/>
+                    <a:p>
+                      <a:r>
+                        <a:rPr lang="en-US" sz="1800" dirty="0"/>
+                        <a:t>0x00000001</a:t>
+                      </a:r>
+                    </a:p>
+                  </a:txBody>
+                  <a:tcPr>
+                    <a:solidFill>
+                      <a:schemeClr val="bg1"/>
+                    </a:solidFill>
+                  </a:tcPr>
+                </a:tc>
+                <a:extLst>
+                  <a:ext uri="{0D108BD9-81ED-4DB2-BD59-A6C34878D82A}">
+                    <a16:rowId xmlns:a16="http://schemas.microsoft.com/office/drawing/2014/main" val="1221187379"/>
+                  </a:ext>
+                </a:extLst>
+              </a:tr>
+              <a:tr h="370840">
+                <a:tc>
+                  <a:txBody>
+                    <a:bodyPr/>
+                    <a:lstStyle/>
+                    <a:p>
+                      <a:r>
+                        <a:rPr lang="en-US" sz="1800" dirty="0"/>
+                        <a:t>r2</a:t>
+                      </a:r>
+                    </a:p>
+                  </a:txBody>
+                  <a:tcPr>
+                    <a:solidFill>
+                      <a:schemeClr val="bg1"/>
+                    </a:solidFill>
+                  </a:tcPr>
+                </a:tc>
+                <a:tc>
+                  <a:txBody>
+                    <a:bodyPr/>
+                    <a:lstStyle/>
+                    <a:p>
+                      <a:r>
+                        <a:rPr lang="en-US" sz="1800" dirty="0"/>
+                        <a:t>0x00000003</a:t>
+                      </a:r>
+                    </a:p>
+                  </a:txBody>
+                  <a:tcPr>
+                    <a:solidFill>
+                      <a:schemeClr val="bg1"/>
+                    </a:solidFill>
+                  </a:tcPr>
+                </a:tc>
+                <a:extLst>
+                  <a:ext uri="{0D108BD9-81ED-4DB2-BD59-A6C34878D82A}">
+                    <a16:rowId xmlns:a16="http://schemas.microsoft.com/office/drawing/2014/main" val="1070044812"/>
+                  </a:ext>
+                </a:extLst>
+              </a:tr>
+              <a:tr h="370840">
+                <a:tc>
+                  <a:txBody>
+                    <a:bodyPr/>
+                    <a:lstStyle/>
+                    <a:p>
+                      <a:r>
+                        <a:rPr lang="en-US" sz="1800" dirty="0"/>
+                        <a:t>r3</a:t>
+                      </a:r>
+                    </a:p>
+                  </a:txBody>
+                  <a:tcPr>
+                    <a:solidFill>
+                      <a:schemeClr val="bg1"/>
+                    </a:solidFill>
+                  </a:tcPr>
+                </a:tc>
+                <a:tc>
+                  <a:txBody>
+                    <a:bodyPr/>
+                    <a:lstStyle/>
+                    <a:p>
+                      <a:r>
+                        <a:rPr lang="en-US" sz="1800" dirty="0"/>
+                        <a:t>0xfffffff0</a:t>
+                      </a:r>
+                    </a:p>
+                  </a:txBody>
+                  <a:tcPr>
+                    <a:solidFill>
+                      <a:schemeClr val="bg1"/>
+                    </a:solidFill>
+                  </a:tcPr>
+                </a:tc>
+                <a:extLst>
+                  <a:ext uri="{0D108BD9-81ED-4DB2-BD59-A6C34878D82A}">
+                    <a16:rowId xmlns:a16="http://schemas.microsoft.com/office/drawing/2014/main" val="479018026"/>
+                  </a:ext>
+                </a:extLst>
+              </a:tr>
+            </a:tbl>
+          </a:graphicData>
+        </a:graphic>
+      </p:graphicFrame>
+    </p:spTree>
+    <p:extLst>
+      <p:ext uri="{BB962C8B-B14F-4D97-AF65-F5344CB8AC3E}">
+        <p14:creationId xmlns:p14="http://schemas.microsoft.com/office/powerpoint/2010/main" val="1496054644"/>
+      </p:ext>
+    </p:extLst>
+  </p:cSld>
+  <p:clrMapOvr>
+    <a:masterClrMapping/>
+  </p:clrMapOvr>
+</p:sld>
+</file>
+
+<file path=ppt/slides/slide2.xml><?xml version="1.0" encoding="utf-8"?>
+<p:sld xmlns:a="http://schemas.openxmlformats.org/drawingml/2006/main" xmlns:r="http://schemas.openxmlformats.org/officeDocument/2006/relationships" xmlns:p="http://schemas.openxmlformats.org/presentationml/2006/main">
+  <p:cSld>
+    <p:spTree>
+      <p:nvGrpSpPr>
+        <p:cNvPr id="1" name=""/>
+        <p:cNvGrpSpPr/>
+        <p:nvPr/>
+      </p:nvGrpSpPr>
+      <p:grpSpPr>
+        <a:xfrm>
+          <a:off x="0" y="0"/>
+          <a:ext cx="0" cy="0"/>
+          <a:chOff x="0" y="0"/>
+          <a:chExt cx="0" cy="0"/>
+        </a:xfrm>
+      </p:grpSpPr>
+      <p:sp>
+        <p:nvSpPr>
+          <p:cNvPr id="2" name="Title 1">
+            <a:extLst>
+              <a:ext uri="{FF2B5EF4-FFF2-40B4-BE49-F238E27FC236}">
+                <a16:creationId xmlns:a16="http://schemas.microsoft.com/office/drawing/2014/main" id="{6BA372BA-4E36-5939-EA5D-65E91EDB30B3}"/>
+              </a:ext>
+            </a:extLst>
+          </p:cNvPr>
+          <p:cNvSpPr>
+            <a:spLocks noGrp="1"/>
+          </p:cNvSpPr>
+          <p:nvPr>
+            <p:ph type="title"/>
+          </p:nvPr>
+        </p:nvSpPr>
+        <p:spPr/>
+        <p:txBody>
+          <a:bodyPr/>
+          <a:lstStyle/>
+          <a:p>
+            <a:r>
+              <a:rPr lang="en-US" dirty="0"/>
+              <a:t>Bit Manipulations</a:t>
+            </a:r>
+          </a:p>
+        </p:txBody>
+      </p:sp>
+      <p:sp>
+        <p:nvSpPr>
+          <p:cNvPr id="3" name="Slide Number Placeholder 2">
+            <a:extLst>
+              <a:ext uri="{FF2B5EF4-FFF2-40B4-BE49-F238E27FC236}">
+                <a16:creationId xmlns:a16="http://schemas.microsoft.com/office/drawing/2014/main" id="{4B2DE8FE-731E-0AC7-29AB-17D9745E19A1}"/>
+              </a:ext>
+            </a:extLst>
+          </p:cNvPr>
+          <p:cNvSpPr>
+            <a:spLocks noGrp="1"/>
+          </p:cNvSpPr>
+          <p:nvPr>
+            <p:ph type="sldNum" sz="quarter" idx="12"/>
+          </p:nvPr>
+        </p:nvSpPr>
+        <p:spPr/>
+        <p:txBody>
+          <a:bodyPr/>
+          <a:lstStyle/>
+          <a:p>
+            <a:fld id="{EA7C8D44-3667-46F6-9772-CC52308E2A7F}" type="slidenum">
+              <a:rPr kumimoji="0" lang="en-US" smtClean="0"/>
+              <a:pPr/>
+              <a:t>2</a:t>
+            </a:fld>
+            <a:endParaRPr kumimoji="0" lang="en-US" dirty="0"/>
+          </a:p>
+        </p:txBody>
+      </p:sp>
+      <p:sp>
+        <p:nvSpPr>
+          <p:cNvPr id="4" name="Content Placeholder 3">
+            <a:extLst>
+              <a:ext uri="{FF2B5EF4-FFF2-40B4-BE49-F238E27FC236}">
+                <a16:creationId xmlns:a16="http://schemas.microsoft.com/office/drawing/2014/main" id="{0DBB9D86-D583-CABE-4B85-A5314A655FCE}"/>
+              </a:ext>
+            </a:extLst>
+          </p:cNvPr>
+          <p:cNvSpPr>
+            <a:spLocks noGrp="1"/>
+          </p:cNvSpPr>
+          <p:nvPr>
+            <p:ph sz="quarter" idx="1"/>
+          </p:nvPr>
+        </p:nvSpPr>
+        <p:spPr/>
+        <p:txBody>
+          <a:bodyPr>
+            <a:normAutofit/>
+          </a:bodyPr>
+          <a:lstStyle/>
+          <a:p>
+            <a:r>
+              <a:rPr lang="pt-BR" dirty="0"/>
+              <a:t>Compute register values after each instruction</a:t>
+            </a:r>
+          </a:p>
+          <a:p>
+            <a:r>
+              <a:rPr lang="pt-BR" dirty="0"/>
+              <a:t>MOV R0, #0xABC</a:t>
+            </a:r>
+          </a:p>
+          <a:p>
+            <a:r>
+              <a:rPr lang="pt-BR" dirty="0"/>
+              <a:t>MOV R1, #0xDEF</a:t>
+            </a:r>
+          </a:p>
+          <a:p>
+            <a:r>
+              <a:rPr lang="pt-BR" dirty="0"/>
+              <a:t>AND R2, R0, R1</a:t>
+            </a:r>
+          </a:p>
+          <a:p>
+            <a:r>
+              <a:rPr lang="pt-BR" dirty="0"/>
+              <a:t>ORR R3, R0, R1</a:t>
+            </a:r>
+          </a:p>
+          <a:p>
+            <a:r>
+              <a:rPr lang="pt-BR" dirty="0"/>
+              <a:t>EOR R4, R0, R1</a:t>
+            </a:r>
+          </a:p>
+          <a:p>
+            <a:r>
+              <a:rPr lang="pt-BR" dirty="0"/>
+              <a:t>ORN R5, R0, R1</a:t>
+            </a:r>
+          </a:p>
+          <a:p>
+            <a:r>
+              <a:rPr lang="pt-BR" dirty="0"/>
+              <a:t>BIC r6, R0, R1</a:t>
+            </a:r>
+            <a:endParaRPr lang="en-US" dirty="0"/>
+          </a:p>
+        </p:txBody>
+      </p:sp>
+    </p:spTree>
+    <p:extLst>
+      <p:ext uri="{BB962C8B-B14F-4D97-AF65-F5344CB8AC3E}">
+        <p14:creationId xmlns:p14="http://schemas.microsoft.com/office/powerpoint/2010/main" val="1248622466"/>
+      </p:ext>
+    </p:extLst>
+  </p:cSld>
+  <p:clrMapOvr>
+    <a:masterClrMapping/>
+  </p:clrMapOvr>
+</p:sld>
+</file>
+
+<file path=ppt/slides/slide20.xml><?xml version="1.0" encoding="utf-8"?>
+<p:sld xmlns:a="http://schemas.openxmlformats.org/drawingml/2006/main" xmlns:r="http://schemas.openxmlformats.org/officeDocument/2006/relationships" xmlns:p="http://schemas.openxmlformats.org/presentationml/2006/main">
+  <p:cSld>
+    <p:spTree>
+      <p:nvGrpSpPr>
+        <p:cNvPr id="1" name=""/>
+        <p:cNvGrpSpPr/>
+        <p:nvPr/>
+      </p:nvGrpSpPr>
+      <p:grpSpPr>
+        <a:xfrm>
+          <a:off x="0" y="0"/>
+          <a:ext cx="0" cy="0"/>
+          <a:chOff x="0" y="0"/>
+          <a:chExt cx="0" cy="0"/>
+        </a:xfrm>
+      </p:grpSpPr>
+      <p:sp>
+        <p:nvSpPr>
+          <p:cNvPr id="2" name="Title 1">
+            <a:extLst>
+              <a:ext uri="{FF2B5EF4-FFF2-40B4-BE49-F238E27FC236}">
+                <a16:creationId xmlns:a16="http://schemas.microsoft.com/office/drawing/2014/main" id="{A0D6F502-DB5A-8F9C-A5EB-10BBD9248E29}"/>
+              </a:ext>
+            </a:extLst>
+          </p:cNvPr>
+          <p:cNvSpPr>
+            <a:spLocks noGrp="1"/>
+          </p:cNvSpPr>
+          <p:nvPr>
+            <p:ph type="title"/>
+          </p:nvPr>
+        </p:nvSpPr>
+        <p:spPr/>
+        <p:txBody>
+          <a:bodyPr/>
+          <a:lstStyle/>
+          <a:p>
+            <a:r>
+              <a:rPr lang="en-US" dirty="0"/>
+              <a:t>Barrel Shifter: Explanations</a:t>
+            </a:r>
+          </a:p>
+        </p:txBody>
+      </p:sp>
+      <p:sp>
+        <p:nvSpPr>
+          <p:cNvPr id="3" name="Slide Number Placeholder 2">
+            <a:extLst>
+              <a:ext uri="{FF2B5EF4-FFF2-40B4-BE49-F238E27FC236}">
+                <a16:creationId xmlns:a16="http://schemas.microsoft.com/office/drawing/2014/main" id="{125D8ACB-98F6-A4F1-CB73-635D27ADCB53}"/>
+              </a:ext>
+            </a:extLst>
+          </p:cNvPr>
+          <p:cNvSpPr>
+            <a:spLocks noGrp="1"/>
+          </p:cNvSpPr>
+          <p:nvPr>
+            <p:ph type="sldNum" sz="quarter" idx="12"/>
+          </p:nvPr>
+        </p:nvSpPr>
+        <p:spPr/>
+        <p:txBody>
+          <a:bodyPr/>
+          <a:lstStyle/>
+          <a:p>
+            <a:fld id="{EA7C8D44-3667-46F6-9772-CC52308E2A7F}" type="slidenum">
+              <a:rPr kumimoji="0" lang="en-US" smtClean="0"/>
+              <a:pPr/>
+              <a:t>20</a:t>
+            </a:fld>
+            <a:endParaRPr kumimoji="0" lang="en-US" dirty="0"/>
+          </a:p>
+        </p:txBody>
+      </p:sp>
+      <mc:AlternateContent xmlns:mc="http://schemas.openxmlformats.org/markup-compatibility/2006" xmlns:a14="http://schemas.microsoft.com/office/drawing/2010/main">
+        <mc:Choice Requires="a14">
+          <p:sp>
+            <p:nvSpPr>
+              <p:cNvPr id="4" name="Content Placeholder 3">
+                <a:extLst>
+                  <a:ext uri="{FF2B5EF4-FFF2-40B4-BE49-F238E27FC236}">
+                    <a16:creationId xmlns:a16="http://schemas.microsoft.com/office/drawing/2014/main" id="{B7C9F849-B760-6B86-0795-1026F14FB21B}"/>
+                  </a:ext>
+                </a:extLst>
+              </p:cNvPr>
+              <p:cNvSpPr>
+                <a:spLocks noGrp="1"/>
+              </p:cNvSpPr>
+              <p:nvPr>
+                <p:ph sz="quarter" idx="1"/>
+              </p:nvPr>
+            </p:nvSpPr>
+            <p:spPr/>
+            <p:txBody>
+              <a:bodyPr>
+                <a:normAutofit fontScale="92500" lnSpcReduction="20000"/>
+              </a:bodyPr>
+              <a:lstStyle/>
+              <a:p>
+                <a:r>
+                  <a:rPr lang="en-US" dirty="0">
+                    <a:latin typeface="Gill Sans Light"/>
+                  </a:rPr>
+                  <a:t>LSL (logical shift left): </a:t>
+                </a:r>
+                <a:r>
+                  <a:rPr lang="en-US" dirty="0">
+                    <a:solidFill>
+                      <a:srgbClr val="FF0000"/>
+                    </a:solidFill>
+                    <a:latin typeface="Gill Sans Light"/>
+                  </a:rPr>
+                  <a:t>shifts left, fills zeros on the right; </a:t>
+                </a:r>
+                <a:r>
+                  <a:rPr lang="en-US" dirty="0">
+                    <a:latin typeface="Gill Sans Light"/>
+                  </a:rPr>
+                  <a:t>C gets the last bit shifted out of bit 31. This is multiply by </a:t>
+                </a:r>
+                <a14:m>
+                  <m:oMath xmlns:m="http://schemas.openxmlformats.org/officeDocument/2006/math">
+                    <m:sSup>
+                      <m:sSupPr>
+                        <m:ctrlPr>
+                          <a:rPr lang="ar-AE" i="1">
+                            <a:latin typeface="Cambria Math" panose="02040503050406030204" pitchFamily="18" charset="0"/>
+                          </a:rPr>
+                        </m:ctrlPr>
+                      </m:sSupPr>
+                      <m:e>
+                        <m:r>
+                          <a:rPr lang="ar-AE">
+                            <a:latin typeface="Cambria Math" panose="02040503050406030204" pitchFamily="18" charset="0"/>
+                          </a:rPr>
+                          <m:t>2</m:t>
+                        </m:r>
+                      </m:e>
+                      <m:sup>
+                        <m:r>
+                          <a:rPr lang="ar-AE" i="1">
+                            <a:latin typeface="Cambria Math" panose="02040503050406030204" pitchFamily="18" charset="0"/>
+                          </a:rPr>
+                          <m:t>𝑛</m:t>
+                        </m:r>
+                      </m:sup>
+                    </m:sSup>
+                  </m:oMath>
+                </a14:m>
+                <a:r>
+                  <a:rPr lang="ar-AE" dirty="0">
+                    <a:latin typeface="Gill Sans Light"/>
+                  </a:rPr>
+                  <a:t> </a:t>
+                </a:r>
+                <a:r>
+                  <a:rPr lang="en-US" dirty="0">
+                    <a:latin typeface="Gill Sans Light"/>
+                  </a:rPr>
+                  <a:t>for non-overflowing values.</a:t>
+                </a:r>
+              </a:p>
+              <a:p>
+                <a:r>
+                  <a:rPr lang="en-US" dirty="0">
+                    <a:latin typeface="Gill Sans Light"/>
+                  </a:rPr>
+                  <a:t>LSR (logical shift right): </a:t>
+                </a:r>
+                <a:r>
+                  <a:rPr lang="en-US" dirty="0">
+                    <a:solidFill>
+                      <a:srgbClr val="FF0000"/>
+                    </a:solidFill>
+                    <a:latin typeface="Gill Sans Light"/>
+                  </a:rPr>
+                  <a:t>shifts right, fills zeros on the left; </a:t>
+                </a:r>
+                <a:r>
+                  <a:rPr lang="en-US" dirty="0">
+                    <a:latin typeface="Gill Sans Light"/>
+                  </a:rPr>
+                  <a:t>C gets the last bit shifted out of bit 0. This is unsigned division by </a:t>
+                </a:r>
+                <a14:m>
+                  <m:oMath xmlns:m="http://schemas.openxmlformats.org/officeDocument/2006/math">
+                    <m:sSup>
+                      <m:sSupPr>
+                        <m:ctrlPr>
+                          <a:rPr lang="ar-AE" i="1">
+                            <a:latin typeface="Cambria Math" panose="02040503050406030204" pitchFamily="18" charset="0"/>
+                          </a:rPr>
+                        </m:ctrlPr>
+                      </m:sSupPr>
+                      <m:e>
+                        <m:r>
+                          <a:rPr lang="ar-AE">
+                            <a:latin typeface="Cambria Math" panose="02040503050406030204" pitchFamily="18" charset="0"/>
+                          </a:rPr>
+                          <m:t>2</m:t>
+                        </m:r>
+                      </m:e>
+                      <m:sup>
+                        <m:r>
+                          <a:rPr lang="ar-AE" i="1">
+                            <a:latin typeface="Cambria Math" panose="02040503050406030204" pitchFamily="18" charset="0"/>
+                          </a:rPr>
+                          <m:t>𝑛</m:t>
+                        </m:r>
+                      </m:sup>
+                    </m:sSup>
+                  </m:oMath>
+                </a14:m>
+                <a:r>
+                  <a:rPr lang="ar-AE" dirty="0">
+                    <a:latin typeface="Gill Sans Light"/>
+                  </a:rPr>
+                  <a:t>.</a:t>
+                </a:r>
+                <a:r>
+                  <a:rPr lang="en-US" dirty="0">
+                    <a:latin typeface="Gill Sans Light"/>
+                  </a:rPr>
+                  <a:t> </a:t>
+                </a:r>
+              </a:p>
+              <a:p>
+                <a:r>
+                  <a:rPr lang="en-US" dirty="0">
+                    <a:latin typeface="Gill Sans Light"/>
+                  </a:rPr>
+                  <a:t>ASR (arithmetic shift right): </a:t>
+                </a:r>
+                <a:r>
+                  <a:rPr lang="en-US" dirty="0">
+                    <a:solidFill>
+                      <a:srgbClr val="FF0000"/>
+                    </a:solidFill>
+                    <a:latin typeface="Gill Sans Light"/>
+                  </a:rPr>
+                  <a:t>shifts right, fills the sign bit on the left </a:t>
+                </a:r>
+                <a:r>
+                  <a:rPr lang="en-US" dirty="0">
+                    <a:latin typeface="Gill Sans Light"/>
+                  </a:rPr>
+                  <a:t>to preserving the sign; C gets the last bit shifted out of bit 0. This is signed division by </a:t>
+                </a:r>
+                <a14:m>
+                  <m:oMath xmlns:m="http://schemas.openxmlformats.org/officeDocument/2006/math">
+                    <m:sSup>
+                      <m:sSupPr>
+                        <m:ctrlPr>
+                          <a:rPr lang="ar-AE" i="1">
+                            <a:latin typeface="Cambria Math" panose="02040503050406030204" pitchFamily="18" charset="0"/>
+                          </a:rPr>
+                        </m:ctrlPr>
+                      </m:sSupPr>
+                      <m:e>
+                        <m:r>
+                          <a:rPr lang="ar-AE">
+                            <a:latin typeface="Cambria Math" panose="02040503050406030204" pitchFamily="18" charset="0"/>
+                          </a:rPr>
+                          <m:t>2</m:t>
+                        </m:r>
+                      </m:e>
+                      <m:sup>
+                        <m:r>
+                          <a:rPr lang="ar-AE" i="1">
+                            <a:latin typeface="Cambria Math" panose="02040503050406030204" pitchFamily="18" charset="0"/>
+                          </a:rPr>
+                          <m:t>𝑛</m:t>
+                        </m:r>
+                      </m:sup>
+                    </m:sSup>
+                  </m:oMath>
+                </a14:m>
+                <a:r>
+                  <a:rPr lang="ar-AE" dirty="0">
+                    <a:latin typeface="Gill Sans Light"/>
+                  </a:rPr>
+                  <a:t> </a:t>
+                </a:r>
+                <a:r>
+                  <a:rPr lang="en-US" dirty="0">
+                    <a:latin typeface="Gill Sans Light"/>
+                  </a:rPr>
+                  <a:t>with sign extension</a:t>
+                </a:r>
+              </a:p>
+              <a:p>
+                <a:r>
+                  <a:rPr lang="en-US" dirty="0">
+                    <a:latin typeface="Gill Sans Light"/>
+                  </a:rPr>
+                  <a:t>ROR (rotate right): </a:t>
+                </a:r>
+                <a:r>
+                  <a:rPr lang="en-US" dirty="0">
+                    <a:solidFill>
+                      <a:srgbClr val="FF0000"/>
+                    </a:solidFill>
+                    <a:latin typeface="Gill Sans Light"/>
+                  </a:rPr>
+                  <a:t>rotates bits right with wraparound</a:t>
+                </a:r>
+                <a:r>
+                  <a:rPr lang="en-US" dirty="0">
+                    <a:latin typeface="Gill Sans Light"/>
+                  </a:rPr>
+                  <a:t>; bits leaving bit 0 re-enter at bit 31, and C receives the bit that wrapped. This is a pure rotation without data loss.</a:t>
+                </a:r>
+              </a:p>
+              <a:p>
+                <a:r>
+                  <a:rPr lang="en-US" dirty="0">
+                    <a:latin typeface="Gill Sans Light"/>
+                  </a:rPr>
+                  <a:t>RRX (rotate right extended): </a:t>
+                </a:r>
+                <a:r>
+                  <a:rPr lang="en-US" dirty="0">
+                    <a:solidFill>
+                      <a:srgbClr val="FF0000"/>
+                    </a:solidFill>
+                    <a:latin typeface="Gill Sans Light"/>
+                  </a:rPr>
+                  <a:t>rotates right by one through the carry flag</a:t>
+                </a:r>
+                <a:r>
+                  <a:rPr lang="en-US" dirty="0">
+                    <a:latin typeface="Gill Sans Light"/>
+                  </a:rPr>
+                  <a:t>, treating C as a 33rd bit; new bit 31 comes from old C, and C receives old bit 0.</a:t>
+                </a:r>
+              </a:p>
+            </p:txBody>
+          </p:sp>
+        </mc:Choice>
+        <mc:Fallback xmlns="">
+          <p:sp>
+            <p:nvSpPr>
+              <p:cNvPr id="4" name="Content Placeholder 3">
+                <a:extLst>
+                  <a:ext uri="{FF2B5EF4-FFF2-40B4-BE49-F238E27FC236}">
+                    <a16:creationId xmlns:a16="http://schemas.microsoft.com/office/drawing/2014/main" id="{B7C9F849-B760-6B86-0795-1026F14FB21B}"/>
+                  </a:ext>
+                </a:extLst>
+              </p:cNvPr>
+              <p:cNvSpPr>
+                <a:spLocks noGrp="1" noRot="1" noChangeAspect="1" noMove="1" noResize="1" noEditPoints="1" noAdjustHandles="1" noChangeArrowheads="1" noChangeShapeType="1" noTextEdit="1"/>
+              </p:cNvSpPr>
+              <p:nvPr>
+                <p:ph sz="quarter" idx="1"/>
+              </p:nvPr>
+            </p:nvSpPr>
+            <p:spPr>
+              <a:blipFill>
+                <a:blip r:embed="rId3"/>
+                <a:stretch>
+                  <a:fillRect l="-519" t="-2222" r="-2074"/>
+                </a:stretch>
+              </a:blipFill>
+            </p:spPr>
+            <p:txBody>
+              <a:bodyPr/>
+              <a:lstStyle/>
+              <a:p>
+                <a:r>
+                  <a:rPr lang="en-US">
+                    <a:noFill/>
+                  </a:rPr>
+                  <a:t> </a:t>
+                </a:r>
+              </a:p>
+            </p:txBody>
+          </p:sp>
+        </mc:Fallback>
+      </mc:AlternateContent>
+      <p:sp>
+        <p:nvSpPr>
+          <p:cNvPr id="6" name="Horizontal Scroll 12">
+            <a:extLst>
+              <a:ext uri="{FF2B5EF4-FFF2-40B4-BE49-F238E27FC236}">
+                <a16:creationId xmlns:a16="http://schemas.microsoft.com/office/drawing/2014/main" id="{E5E988BA-EC48-9C00-F0B8-EA356F0F3223}"/>
+              </a:ext>
+            </a:extLst>
+          </p:cNvPr>
+          <p:cNvSpPr/>
+          <p:nvPr/>
+        </p:nvSpPr>
+        <p:spPr>
+          <a:xfrm>
+            <a:off x="76200" y="-19878"/>
+            <a:ext cx="1265712" cy="762000"/>
+          </a:xfrm>
+          <a:prstGeom prst="horizontalScroll">
+            <a:avLst/>
+          </a:prstGeom>
+          <a:gradFill rotWithShape="1">
+            <a:gsLst>
+              <a:gs pos="0">
+                <a:srgbClr val="4F81BD">
+                  <a:tint val="50000"/>
+                  <a:satMod val="300000"/>
+                </a:srgbClr>
+              </a:gs>
+              <a:gs pos="35000">
+                <a:srgbClr val="4F81BD">
+                  <a:tint val="37000"/>
+                  <a:satMod val="300000"/>
+                </a:srgbClr>
+              </a:gs>
+              <a:gs pos="100000">
+                <a:srgbClr val="4F81BD">
+                  <a:tint val="15000"/>
+                  <a:satMod val="350000"/>
+                </a:srgbClr>
+              </a:gs>
+            </a:gsLst>
+            <a:lin ang="16200000" scaled="1"/>
+          </a:gradFill>
+          <a:ln w="9525" cap="flat" cmpd="sng" algn="ctr">
+            <a:solidFill>
+              <a:srgbClr val="4F81BD">
+                <a:shade val="95000"/>
+                <a:satMod val="105000"/>
+              </a:srgbClr>
+            </a:solidFill>
+            <a:prstDash val="solid"/>
+          </a:ln>
+          <a:effectLst>
+            <a:outerShdw blurRad="40000" dist="20000" dir="5400000" rotWithShape="0">
+              <a:srgbClr val="000000">
+                <a:alpha val="38000"/>
+              </a:srgbClr>
+            </a:outerShdw>
+          </a:effectLst>
+        </p:spPr>
+        <p:txBody>
+          <a:bodyPr rtlCol="0" anchor="ctr"/>
+          <a:lstStyle/>
+          <a:p>
+            <a:pPr marL="0" marR="0" lvl="0" indent="0" algn="ctr" defTabSz="457200" eaLnBrk="1" fontAlgn="auto" latinLnBrk="0" hangingPunct="1">
+              <a:lnSpc>
+                <a:spcPct val="100000"/>
+              </a:lnSpc>
+              <a:spcBef>
+                <a:spcPts val="0"/>
+              </a:spcBef>
+              <a:spcAft>
+                <a:spcPts val="0"/>
+              </a:spcAft>
+              <a:buClrTx/>
+              <a:buSzTx/>
+              <a:buFontTx/>
+              <a:buNone/>
+              <a:tabLst/>
+              <a:defRPr/>
+            </a:pPr>
+            <a:r>
+              <a:rPr kumimoji="0" lang="en-US" sz="2400" b="0" i="0" u="none" strike="noStrike" kern="0" cap="none" spc="0" normalizeH="0" baseline="0" noProof="0" dirty="0">
+                <a:ln>
+                  <a:noFill/>
+                </a:ln>
+                <a:solidFill>
+                  <a:prstClr val="black"/>
+                </a:solidFill>
+                <a:effectLst/>
+                <a:uLnTx/>
+                <a:uFillTx/>
+                <a:latin typeface="Calibri"/>
+                <a:ea typeface="+mn-ea"/>
+                <a:cs typeface="+mn-cs"/>
+              </a:rPr>
+              <a:t>Review</a:t>
+            </a:r>
+          </a:p>
+        </p:txBody>
+      </p:sp>
+    </p:spTree>
+    <p:extLst>
+      <p:ext uri="{BB962C8B-B14F-4D97-AF65-F5344CB8AC3E}">
+        <p14:creationId xmlns:p14="http://schemas.microsoft.com/office/powerpoint/2010/main" val="2996946337"/>
+      </p:ext>
+    </p:extLst>
+  </p:cSld>
+  <p:clrMapOvr>
+    <a:masterClrMapping/>
+  </p:clrMapOvr>
+</p:sld>
+</file>
+
+<file path=ppt/slides/slide21.xml><?xml version="1.0" encoding="utf-8"?>
+<p:sld xmlns:a="http://schemas.openxmlformats.org/drawingml/2006/main" xmlns:r="http://schemas.openxmlformats.org/officeDocument/2006/relationships" xmlns:p="http://schemas.openxmlformats.org/presentationml/2006/main">
+  <p:cSld>
+    <p:spTree>
+      <p:nvGrpSpPr>
+        <p:cNvPr id="1" name=""/>
+        <p:cNvGrpSpPr/>
+        <p:nvPr/>
+      </p:nvGrpSpPr>
+      <p:grpSpPr>
+        <a:xfrm>
+          <a:off x="0" y="0"/>
+          <a:ext cx="0" cy="0"/>
+          <a:chOff x="0" y="0"/>
+          <a:chExt cx="0" cy="0"/>
+        </a:xfrm>
+      </p:grpSpPr>
+      <p:sp>
+        <p:nvSpPr>
+          <p:cNvPr id="2" name="Title 1">
+            <a:extLst>
+              <a:ext uri="{FF2B5EF4-FFF2-40B4-BE49-F238E27FC236}">
+                <a16:creationId xmlns:a16="http://schemas.microsoft.com/office/drawing/2014/main" id="{983FB880-04B3-ECE3-3ABD-F33567012B93}"/>
+              </a:ext>
+            </a:extLst>
+          </p:cNvPr>
+          <p:cNvSpPr>
+            <a:spLocks noGrp="1"/>
+          </p:cNvSpPr>
+          <p:nvPr>
+            <p:ph type="title"/>
+          </p:nvPr>
+        </p:nvSpPr>
+        <p:spPr/>
+        <p:txBody>
+          <a:bodyPr/>
+          <a:lstStyle/>
+          <a:p>
+            <a:r>
+              <a:rPr lang="en-US" dirty="0"/>
+              <a:t>Arithmetic with Shifts</a:t>
+            </a:r>
+          </a:p>
+        </p:txBody>
+      </p:sp>
+      <p:sp>
+        <p:nvSpPr>
+          <p:cNvPr id="3" name="Slide Number Placeholder 2">
+            <a:extLst>
+              <a:ext uri="{FF2B5EF4-FFF2-40B4-BE49-F238E27FC236}">
+                <a16:creationId xmlns:a16="http://schemas.microsoft.com/office/drawing/2014/main" id="{1814B1B2-C5F4-2713-F5B6-3B26A2BAA5BA}"/>
+              </a:ext>
+            </a:extLst>
+          </p:cNvPr>
+          <p:cNvSpPr>
+            <a:spLocks noGrp="1"/>
+          </p:cNvSpPr>
+          <p:nvPr>
+            <p:ph type="sldNum" sz="quarter" idx="12"/>
+          </p:nvPr>
+        </p:nvSpPr>
+        <p:spPr/>
+        <p:txBody>
+          <a:bodyPr/>
+          <a:lstStyle/>
+          <a:p>
+            <a:fld id="{EA7C8D44-3667-46F6-9772-CC52308E2A7F}" type="slidenum">
+              <a:rPr kumimoji="0" lang="en-US" smtClean="0"/>
+              <a:pPr/>
+              <a:t>21</a:t>
+            </a:fld>
+            <a:endParaRPr kumimoji="0" lang="en-US" dirty="0"/>
+          </a:p>
+        </p:txBody>
+      </p:sp>
+      <p:sp>
+        <p:nvSpPr>
+          <p:cNvPr id="4" name="Content Placeholder 3">
+            <a:extLst>
+              <a:ext uri="{FF2B5EF4-FFF2-40B4-BE49-F238E27FC236}">
+                <a16:creationId xmlns:a16="http://schemas.microsoft.com/office/drawing/2014/main" id="{77B7521E-4543-F7E4-701C-9D4CAFA526F9}"/>
+              </a:ext>
+            </a:extLst>
+          </p:cNvPr>
+          <p:cNvSpPr>
+            <a:spLocks noGrp="1"/>
+          </p:cNvSpPr>
+          <p:nvPr>
+            <p:ph sz="quarter" idx="1"/>
+          </p:nvPr>
+        </p:nvSpPr>
+        <p:spPr/>
+        <p:txBody>
+          <a:bodyPr>
+            <a:normAutofit fontScale="77500" lnSpcReduction="20000"/>
+          </a:bodyPr>
+          <a:lstStyle/>
+          <a:p>
+            <a:r>
+              <a:rPr lang="pt-BR" dirty="0"/>
+              <a:t>Assuimg 32-bit registers:</a:t>
+            </a:r>
+          </a:p>
+          <a:p>
+            <a:r>
+              <a:rPr lang="pt-BR" dirty="0"/>
+              <a:t>Q1: </a:t>
+            </a:r>
+          </a:p>
+          <a:p>
+            <a:pPr lvl="1"/>
+            <a:r>
+              <a:rPr lang="pt-BR" dirty="0"/>
+              <a:t>LDR r0, =0x00000007</a:t>
+            </a:r>
+          </a:p>
+          <a:p>
+            <a:pPr lvl="1"/>
+            <a:r>
+              <a:rPr lang="pt-BR" dirty="0"/>
+              <a:t>MOV r0, r0, LSL 7</a:t>
+            </a:r>
+          </a:p>
+          <a:p>
+            <a:r>
+              <a:rPr lang="pt-BR" dirty="0"/>
+              <a:t>Q2:</a:t>
+            </a:r>
+          </a:p>
+          <a:p>
+            <a:pPr lvl="1"/>
+            <a:r>
+              <a:rPr lang="pt-BR" dirty="0"/>
+              <a:t>LDR r0, =0x00000400</a:t>
+            </a:r>
+          </a:p>
+          <a:p>
+            <a:pPr lvl="1"/>
+            <a:r>
+              <a:rPr lang="pt-BR" dirty="0"/>
+              <a:t>MOV r0, r0, LSR 2</a:t>
+            </a:r>
+          </a:p>
+          <a:p>
+            <a:r>
+              <a:rPr lang="pt-BR" dirty="0"/>
+              <a:t>Q3:</a:t>
+            </a:r>
+          </a:p>
+          <a:p>
+            <a:pPr lvl="1"/>
+            <a:r>
+              <a:rPr lang="pt-BR" dirty="0"/>
+              <a:t>LDR r0, =</a:t>
+            </a:r>
+            <a:r>
+              <a:rPr lang="en-US" dirty="0"/>
+              <a:t>0xFFFFC000</a:t>
+            </a:r>
+          </a:p>
+          <a:p>
+            <a:pPr lvl="1"/>
+            <a:r>
+              <a:rPr lang="pt-BR" dirty="0"/>
+              <a:t>MOV r0, r0, LSR 2</a:t>
+            </a:r>
+            <a:endParaRPr lang="en-US" dirty="0"/>
+          </a:p>
+          <a:p>
+            <a:r>
+              <a:rPr lang="pt-BR" dirty="0"/>
+              <a:t>Q4:</a:t>
+            </a:r>
+          </a:p>
+          <a:p>
+            <a:pPr lvl="1"/>
+            <a:r>
+              <a:rPr lang="pt-BR" dirty="0"/>
+              <a:t>LDR r0, =</a:t>
+            </a:r>
+            <a:r>
+              <a:rPr lang="en-US" dirty="0"/>
+              <a:t>0xFFFFC000</a:t>
+            </a:r>
+          </a:p>
+          <a:p>
+            <a:pPr lvl="1"/>
+            <a:r>
+              <a:rPr lang="pt-BR" dirty="0"/>
+              <a:t>MOV r0, r0, ASR 2</a:t>
+            </a:r>
+          </a:p>
+          <a:p>
+            <a:r>
+              <a:rPr lang="pt-BR" dirty="0"/>
+              <a:t>Q5:</a:t>
+            </a:r>
+          </a:p>
+          <a:p>
+            <a:pPr lvl="1"/>
+            <a:r>
+              <a:rPr lang="pt-BR" dirty="0"/>
+              <a:t>LDR r0, =0x00000007</a:t>
+            </a:r>
+          </a:p>
+          <a:p>
+            <a:pPr lvl="1"/>
+            <a:r>
+              <a:rPr lang="pt-BR" dirty="0"/>
+              <a:t>MOV r0, r0, ROR 2</a:t>
+            </a:r>
+            <a:endParaRPr lang="en-US" dirty="0"/>
+          </a:p>
+        </p:txBody>
+      </p:sp>
+    </p:spTree>
+    <p:extLst>
+      <p:ext uri="{BB962C8B-B14F-4D97-AF65-F5344CB8AC3E}">
+        <p14:creationId xmlns:p14="http://schemas.microsoft.com/office/powerpoint/2010/main" val="868372046"/>
+      </p:ext>
+    </p:extLst>
+  </p:cSld>
+  <p:clrMapOvr>
+    <a:masterClrMapping/>
+  </p:clrMapOvr>
+</p:sld>
+</file>
+
+<file path=ppt/slides/slide22.xml><?xml version="1.0" encoding="utf-8"?>
+<p:sld xmlns:a="http://schemas.openxmlformats.org/drawingml/2006/main" xmlns:r="http://schemas.openxmlformats.org/officeDocument/2006/relationships" xmlns:p="http://schemas.openxmlformats.org/presentationml/2006/main">
+  <p:cSld>
+    <p:spTree>
+      <p:nvGrpSpPr>
+        <p:cNvPr id="1" name="">
+          <a:extLst>
+            <a:ext uri="{FF2B5EF4-FFF2-40B4-BE49-F238E27FC236}">
+              <a16:creationId xmlns:a16="http://schemas.microsoft.com/office/drawing/2014/main" id="{57AE3F0F-A7BA-9DDA-1E58-F95F1967C0E2}"/>
+            </a:ext>
+          </a:extLst>
+        </p:cNvPr>
+        <p:cNvGrpSpPr/>
+        <p:nvPr/>
+      </p:nvGrpSpPr>
+      <p:grpSpPr>
+        <a:xfrm>
+          <a:off x="0" y="0"/>
+          <a:ext cx="0" cy="0"/>
+          <a:chOff x="0" y="0"/>
+          <a:chExt cx="0" cy="0"/>
+        </a:xfrm>
+      </p:grpSpPr>
+      <p:sp>
+        <p:nvSpPr>
+          <p:cNvPr id="2" name="Title 1">
+            <a:extLst>
+              <a:ext uri="{FF2B5EF4-FFF2-40B4-BE49-F238E27FC236}">
+                <a16:creationId xmlns:a16="http://schemas.microsoft.com/office/drawing/2014/main" id="{835CD60A-F4CC-C593-9C3D-32E1A059F354}"/>
+              </a:ext>
+            </a:extLst>
+          </p:cNvPr>
+          <p:cNvSpPr>
+            <a:spLocks noGrp="1"/>
+          </p:cNvSpPr>
+          <p:nvPr>
+            <p:ph type="title"/>
+          </p:nvPr>
+        </p:nvSpPr>
+        <p:spPr/>
+        <p:txBody>
+          <a:bodyPr/>
+          <a:lstStyle/>
+          <a:p>
+            <a:r>
+              <a:rPr lang="en-US" dirty="0"/>
+              <a:t>Q1 ANS</a:t>
+            </a:r>
+          </a:p>
+        </p:txBody>
+      </p:sp>
+      <p:sp>
+        <p:nvSpPr>
+          <p:cNvPr id="3" name="Slide Number Placeholder 2">
+            <a:extLst>
+              <a:ext uri="{FF2B5EF4-FFF2-40B4-BE49-F238E27FC236}">
+                <a16:creationId xmlns:a16="http://schemas.microsoft.com/office/drawing/2014/main" id="{5457A4F2-6A40-EE02-A589-CB00C69DC364}"/>
+              </a:ext>
+            </a:extLst>
+          </p:cNvPr>
+          <p:cNvSpPr>
+            <a:spLocks noGrp="1"/>
+          </p:cNvSpPr>
+          <p:nvPr>
+            <p:ph type="sldNum" sz="quarter" idx="12"/>
+          </p:nvPr>
+        </p:nvSpPr>
+        <p:spPr/>
+        <p:txBody>
+          <a:bodyPr/>
+          <a:lstStyle/>
+          <a:p>
+            <a:fld id="{EA7C8D44-3667-46F6-9772-CC52308E2A7F}" type="slidenum">
+              <a:rPr kumimoji="0" lang="en-US" smtClean="0"/>
+              <a:pPr/>
+              <a:t>22</a:t>
+            </a:fld>
+            <a:endParaRPr kumimoji="0" lang="en-US" dirty="0"/>
+          </a:p>
+        </p:txBody>
+      </p:sp>
+      <p:sp>
+        <p:nvSpPr>
+          <p:cNvPr id="4" name="Content Placeholder 3">
+            <a:extLst>
+              <a:ext uri="{FF2B5EF4-FFF2-40B4-BE49-F238E27FC236}">
+                <a16:creationId xmlns:a16="http://schemas.microsoft.com/office/drawing/2014/main" id="{53E5C410-5B5B-9673-EACF-102D341F6238}"/>
+              </a:ext>
+            </a:extLst>
+          </p:cNvPr>
+          <p:cNvSpPr>
+            <a:spLocks noGrp="1"/>
+          </p:cNvSpPr>
+          <p:nvPr>
+            <p:ph sz="quarter" idx="1"/>
+          </p:nvPr>
+        </p:nvSpPr>
+        <p:spPr/>
+        <p:txBody>
+          <a:bodyPr/>
+          <a:lstStyle/>
+          <a:p>
+            <a:r>
+              <a:rPr lang="pt-BR" dirty="0"/>
+              <a:t>Q1: </a:t>
+            </a:r>
+          </a:p>
+          <a:p>
+            <a:pPr lvl="1"/>
+            <a:r>
+              <a:rPr lang="pt-BR" dirty="0"/>
+              <a:t>LDR r0, =0x00000007</a:t>
+            </a:r>
+          </a:p>
+          <a:p>
+            <a:pPr lvl="1"/>
+            <a:r>
+              <a:rPr lang="pt-BR" dirty="0"/>
+              <a:t>MOV r0, r0, LSL 7</a:t>
+            </a:r>
+          </a:p>
+          <a:p>
+            <a:r>
+              <a:rPr lang="pt-BR" dirty="0"/>
+              <a:t>ANS: </a:t>
+            </a:r>
+          </a:p>
+          <a:p>
+            <a:pPr lvl="1"/>
+            <a:r>
+              <a:rPr lang="en-US" dirty="0"/>
+              <a:t>Original r0 = 0000 0000 0000 0000 0000 0000 0000 0111</a:t>
+            </a:r>
+          </a:p>
+          <a:p>
+            <a:pPr lvl="1"/>
+            <a:r>
+              <a:rPr lang="en-US" dirty="0"/>
+              <a:t>After LSL 7, r0 = 0000 0000 0000 0000 0000 0011 1000 0000 = </a:t>
+            </a:r>
+            <a:r>
+              <a:rPr lang="pt-BR" dirty="0"/>
+              <a:t>0x0380 (896 in decimal)</a:t>
+            </a:r>
+          </a:p>
+          <a:p>
+            <a:pPr lvl="1"/>
+            <a:r>
+              <a:rPr lang="en-US" dirty="0"/>
+              <a:t>In decimal: 7 × 2^7 = 7 × 128 = 896 (Not required for exam)</a:t>
+            </a:r>
+          </a:p>
+          <a:p>
+            <a:endParaRPr lang="en-US" dirty="0"/>
+          </a:p>
+        </p:txBody>
+      </p:sp>
+    </p:spTree>
+    <p:extLst>
+      <p:ext uri="{BB962C8B-B14F-4D97-AF65-F5344CB8AC3E}">
+        <p14:creationId xmlns:p14="http://schemas.microsoft.com/office/powerpoint/2010/main" val="3884576026"/>
+      </p:ext>
+    </p:extLst>
+  </p:cSld>
+  <p:clrMapOvr>
+    <a:masterClrMapping/>
+  </p:clrMapOvr>
+</p:sld>
+</file>
+
+<file path=ppt/slides/slide23.xml><?xml version="1.0" encoding="utf-8"?>
+<p:sld xmlns:a="http://schemas.openxmlformats.org/drawingml/2006/main" xmlns:r="http://schemas.openxmlformats.org/officeDocument/2006/relationships" xmlns:p="http://schemas.openxmlformats.org/presentationml/2006/main">
+  <p:cSld>
+    <p:spTree>
+      <p:nvGrpSpPr>
+        <p:cNvPr id="1" name="">
+          <a:extLst>
+            <a:ext uri="{FF2B5EF4-FFF2-40B4-BE49-F238E27FC236}">
+              <a16:creationId xmlns:a16="http://schemas.microsoft.com/office/drawing/2014/main" id="{6023F67D-B45B-2717-6385-5EB8F1161736}"/>
+            </a:ext>
+          </a:extLst>
+        </p:cNvPr>
+        <p:cNvGrpSpPr/>
+        <p:nvPr/>
+      </p:nvGrpSpPr>
+      <p:grpSpPr>
+        <a:xfrm>
+          <a:off x="0" y="0"/>
+          <a:ext cx="0" cy="0"/>
+          <a:chOff x="0" y="0"/>
+          <a:chExt cx="0" cy="0"/>
+        </a:xfrm>
+      </p:grpSpPr>
+      <p:sp>
+        <p:nvSpPr>
+          <p:cNvPr id="2" name="Title 1">
+            <a:extLst>
+              <a:ext uri="{FF2B5EF4-FFF2-40B4-BE49-F238E27FC236}">
+                <a16:creationId xmlns:a16="http://schemas.microsoft.com/office/drawing/2014/main" id="{461FDE60-E213-C841-CE66-6B08D43FD2FE}"/>
+              </a:ext>
+            </a:extLst>
+          </p:cNvPr>
+          <p:cNvSpPr>
+            <a:spLocks noGrp="1"/>
+          </p:cNvSpPr>
+          <p:nvPr>
+            <p:ph type="title"/>
+          </p:nvPr>
+        </p:nvSpPr>
+        <p:spPr/>
+        <p:txBody>
+          <a:bodyPr/>
+          <a:lstStyle/>
+          <a:p>
+            <a:r>
+              <a:rPr lang="en-US" dirty="0"/>
+              <a:t>Q2 ANS</a:t>
+            </a:r>
+          </a:p>
+        </p:txBody>
+      </p:sp>
+      <p:sp>
+        <p:nvSpPr>
+          <p:cNvPr id="3" name="Slide Number Placeholder 2">
+            <a:extLst>
+              <a:ext uri="{FF2B5EF4-FFF2-40B4-BE49-F238E27FC236}">
+                <a16:creationId xmlns:a16="http://schemas.microsoft.com/office/drawing/2014/main" id="{F8DCD85D-5330-5C16-C4BD-607AE265C3AB}"/>
+              </a:ext>
+            </a:extLst>
+          </p:cNvPr>
+          <p:cNvSpPr>
+            <a:spLocks noGrp="1"/>
+          </p:cNvSpPr>
+          <p:nvPr>
+            <p:ph type="sldNum" sz="quarter" idx="12"/>
+          </p:nvPr>
+        </p:nvSpPr>
+        <p:spPr/>
+        <p:txBody>
+          <a:bodyPr/>
+          <a:lstStyle/>
+          <a:p>
+            <a:fld id="{EA7C8D44-3667-46F6-9772-CC52308E2A7F}" type="slidenum">
+              <a:rPr kumimoji="0" lang="en-US" smtClean="0"/>
+              <a:pPr/>
+              <a:t>23</a:t>
+            </a:fld>
+            <a:endParaRPr kumimoji="0" lang="en-US" dirty="0"/>
+          </a:p>
+        </p:txBody>
+      </p:sp>
+      <p:sp>
+        <p:nvSpPr>
+          <p:cNvPr id="4" name="Content Placeholder 3">
+            <a:extLst>
+              <a:ext uri="{FF2B5EF4-FFF2-40B4-BE49-F238E27FC236}">
+                <a16:creationId xmlns:a16="http://schemas.microsoft.com/office/drawing/2014/main" id="{BA07637E-01BA-8126-601A-84479B0807A3}"/>
+              </a:ext>
+            </a:extLst>
+          </p:cNvPr>
+          <p:cNvSpPr>
+            <a:spLocks noGrp="1"/>
+          </p:cNvSpPr>
+          <p:nvPr>
+            <p:ph sz="quarter" idx="1"/>
+          </p:nvPr>
+        </p:nvSpPr>
+        <p:spPr/>
+        <p:txBody>
+          <a:bodyPr/>
+          <a:lstStyle/>
+          <a:p>
+            <a:r>
+              <a:rPr lang="pt-BR" dirty="0"/>
+              <a:t>Q2:</a:t>
+            </a:r>
+          </a:p>
+          <a:p>
+            <a:pPr lvl="1"/>
+            <a:r>
+              <a:rPr lang="pt-BR" dirty="0"/>
+              <a:t>LDR r0, =0x00000400</a:t>
+            </a:r>
+          </a:p>
+          <a:p>
+            <a:pPr lvl="1"/>
+            <a:r>
+              <a:rPr lang="pt-BR" dirty="0"/>
+              <a:t>MOV r0, r0, LSR 2</a:t>
+            </a:r>
+          </a:p>
+          <a:p>
+            <a:r>
+              <a:rPr lang="pt-BR" dirty="0"/>
+              <a:t>ANS:</a:t>
+            </a:r>
+          </a:p>
+          <a:p>
+            <a:pPr lvl="1"/>
+            <a:r>
+              <a:rPr lang="en-US" dirty="0"/>
+              <a:t>Original r0 = 0000 0000 0000 0000 0000 0100 0000 0000</a:t>
+            </a:r>
+          </a:p>
+          <a:p>
+            <a:pPr lvl="1"/>
+            <a:r>
+              <a:rPr lang="en-US" dirty="0"/>
+              <a:t>After LSR 2, r0 = 0000 0000 0000 0000 0000 0001 0000 0000 = 0x00000100 (256 in decimal)</a:t>
+            </a:r>
+          </a:p>
+          <a:p>
+            <a:pPr lvl="1"/>
+            <a:r>
+              <a:rPr lang="en-US" dirty="0"/>
+              <a:t>In decimal: 1024 ÷ 2² = 256 (Not required for exam)</a:t>
+            </a:r>
+          </a:p>
+        </p:txBody>
+      </p:sp>
+    </p:spTree>
+    <p:extLst>
+      <p:ext uri="{BB962C8B-B14F-4D97-AF65-F5344CB8AC3E}">
+        <p14:creationId xmlns:p14="http://schemas.microsoft.com/office/powerpoint/2010/main" val="2205104917"/>
+      </p:ext>
+    </p:extLst>
+  </p:cSld>
+  <p:clrMapOvr>
+    <a:masterClrMapping/>
+  </p:clrMapOvr>
+</p:sld>
+</file>
+
+<file path=ppt/slides/slide24.xml><?xml version="1.0" encoding="utf-8"?>
+<p:sld xmlns:a="http://schemas.openxmlformats.org/drawingml/2006/main" xmlns:r="http://schemas.openxmlformats.org/officeDocument/2006/relationships" xmlns:p="http://schemas.openxmlformats.org/presentationml/2006/main">
+  <p:cSld>
+    <p:spTree>
+      <p:nvGrpSpPr>
+        <p:cNvPr id="1" name=""/>
+        <p:cNvGrpSpPr/>
+        <p:nvPr/>
+      </p:nvGrpSpPr>
+      <p:grpSpPr>
+        <a:xfrm>
+          <a:off x="0" y="0"/>
+          <a:ext cx="0" cy="0"/>
+          <a:chOff x="0" y="0"/>
+          <a:chExt cx="0" cy="0"/>
+        </a:xfrm>
+      </p:grpSpPr>
+      <p:sp>
+        <p:nvSpPr>
+          <p:cNvPr id="2" name="Title 1">
+            <a:extLst>
+              <a:ext uri="{FF2B5EF4-FFF2-40B4-BE49-F238E27FC236}">
+                <a16:creationId xmlns:a16="http://schemas.microsoft.com/office/drawing/2014/main" id="{786DC036-2869-0E69-8B9A-E1933A631F00}"/>
+              </a:ext>
+            </a:extLst>
+          </p:cNvPr>
+          <p:cNvSpPr>
+            <a:spLocks noGrp="1"/>
+          </p:cNvSpPr>
+          <p:nvPr>
+            <p:ph type="title"/>
+          </p:nvPr>
+        </p:nvSpPr>
+        <p:spPr/>
+        <p:txBody>
+          <a:bodyPr/>
+          <a:lstStyle/>
+          <a:p>
+            <a:r>
+              <a:rPr lang="en-US" dirty="0"/>
+              <a:t>Q3 ANS</a:t>
+            </a:r>
+          </a:p>
+        </p:txBody>
+      </p:sp>
+      <p:sp>
+        <p:nvSpPr>
+          <p:cNvPr id="3" name="Slide Number Placeholder 2">
+            <a:extLst>
+              <a:ext uri="{FF2B5EF4-FFF2-40B4-BE49-F238E27FC236}">
+                <a16:creationId xmlns:a16="http://schemas.microsoft.com/office/drawing/2014/main" id="{111DD10A-EF4D-96C9-153C-371D4E6CD48B}"/>
+              </a:ext>
+            </a:extLst>
+          </p:cNvPr>
+          <p:cNvSpPr>
+            <a:spLocks noGrp="1"/>
+          </p:cNvSpPr>
+          <p:nvPr>
+            <p:ph type="sldNum" sz="quarter" idx="12"/>
+          </p:nvPr>
+        </p:nvSpPr>
+        <p:spPr/>
+        <p:txBody>
+          <a:bodyPr/>
+          <a:lstStyle/>
+          <a:p>
+            <a:fld id="{EA7C8D44-3667-46F6-9772-CC52308E2A7F}" type="slidenum">
+              <a:rPr kumimoji="0" lang="en-US" smtClean="0"/>
+              <a:pPr/>
+              <a:t>24</a:t>
+            </a:fld>
+            <a:endParaRPr kumimoji="0" lang="en-US" dirty="0"/>
+          </a:p>
+        </p:txBody>
+      </p:sp>
+      <p:sp>
+        <p:nvSpPr>
+          <p:cNvPr id="4" name="Content Placeholder 3">
+            <a:extLst>
+              <a:ext uri="{FF2B5EF4-FFF2-40B4-BE49-F238E27FC236}">
+                <a16:creationId xmlns:a16="http://schemas.microsoft.com/office/drawing/2014/main" id="{0FB0DF07-A9DB-A45E-E865-E3DA1A2E9A18}"/>
+              </a:ext>
+            </a:extLst>
+          </p:cNvPr>
+          <p:cNvSpPr>
+            <a:spLocks noGrp="1"/>
+          </p:cNvSpPr>
+          <p:nvPr>
+            <p:ph sz="quarter" idx="1"/>
+          </p:nvPr>
+        </p:nvSpPr>
+        <p:spPr/>
+        <p:txBody>
+          <a:bodyPr/>
+          <a:lstStyle/>
+          <a:p>
+            <a:r>
+              <a:rPr lang="pt-BR" dirty="0"/>
+              <a:t>Q3:</a:t>
+            </a:r>
+          </a:p>
+          <a:p>
+            <a:pPr lvl="1"/>
+            <a:r>
+              <a:rPr lang="pt-BR" dirty="0"/>
+              <a:t>LDR r0, =</a:t>
+            </a:r>
+            <a:r>
+              <a:rPr lang="en-US" dirty="0"/>
+              <a:t>0xFFFFC000</a:t>
+            </a:r>
+          </a:p>
+          <a:p>
+            <a:pPr lvl="1"/>
+            <a:r>
+              <a:rPr lang="pt-BR" dirty="0"/>
+              <a:t>MOV r0, r0, LSR 2</a:t>
+            </a:r>
+            <a:endParaRPr lang="en-US" dirty="0"/>
+          </a:p>
+          <a:p>
+            <a:r>
+              <a:rPr lang="pt-BR" dirty="0"/>
+              <a:t>ANS:</a:t>
+            </a:r>
+          </a:p>
+          <a:p>
+            <a:pPr lvl="1"/>
+            <a:r>
+              <a:rPr lang="en-US" dirty="0"/>
+              <a:t>Original r0 = 1111 1111 1111 1111 1111 1100 0000 0000</a:t>
+            </a:r>
+          </a:p>
+          <a:p>
+            <a:pPr lvl="1"/>
+            <a:r>
+              <a:rPr lang="en-US" dirty="0"/>
+              <a:t>After LSR 2, r0 = </a:t>
+            </a:r>
+            <a:r>
+              <a:rPr lang="en-US" dirty="0">
+                <a:solidFill>
+                  <a:srgbClr val="FF0000"/>
+                </a:solidFill>
+              </a:rPr>
+              <a:t>00</a:t>
+            </a:r>
+            <a:r>
+              <a:rPr lang="en-US" dirty="0"/>
+              <a:t>11 1111 1111 1111 1111 1111 0000 0000 = 0x3FFFF000</a:t>
+            </a:r>
+          </a:p>
+          <a:p>
+            <a:pPr lvl="1"/>
+            <a:r>
+              <a:rPr lang="en-US" dirty="0"/>
+              <a:t>In decimal: 4,294,951,424 ÷ 4 = 1,073,737,728 (Not required for exam)</a:t>
+            </a:r>
+          </a:p>
+          <a:p>
+            <a:endParaRPr lang="pt-BR" dirty="0"/>
+          </a:p>
+          <a:p>
+            <a:endParaRPr lang="en-US" dirty="0"/>
+          </a:p>
+        </p:txBody>
+      </p:sp>
+    </p:spTree>
+    <p:extLst>
+      <p:ext uri="{BB962C8B-B14F-4D97-AF65-F5344CB8AC3E}">
+        <p14:creationId xmlns:p14="http://schemas.microsoft.com/office/powerpoint/2010/main" val="2309965032"/>
+      </p:ext>
+    </p:extLst>
+  </p:cSld>
+  <p:clrMapOvr>
+    <a:masterClrMapping/>
+  </p:clrMapOvr>
+</p:sld>
+</file>
+
+<file path=ppt/slides/slide25.xml><?xml version="1.0" encoding="utf-8"?>
+<p:sld xmlns:a="http://schemas.openxmlformats.org/drawingml/2006/main" xmlns:r="http://schemas.openxmlformats.org/officeDocument/2006/relationships" xmlns:p="http://schemas.openxmlformats.org/presentationml/2006/main">
+  <p:cSld>
+    <p:spTree>
+      <p:nvGrpSpPr>
+        <p:cNvPr id="1" name="">
+          <a:extLst>
+            <a:ext uri="{FF2B5EF4-FFF2-40B4-BE49-F238E27FC236}">
+              <a16:creationId xmlns:a16="http://schemas.microsoft.com/office/drawing/2014/main" id="{0F4780EF-5EA1-3126-9F72-DBC3BB5CA814}"/>
+            </a:ext>
+          </a:extLst>
+        </p:cNvPr>
+        <p:cNvGrpSpPr/>
+        <p:nvPr/>
+      </p:nvGrpSpPr>
+      <p:grpSpPr>
+        <a:xfrm>
+          <a:off x="0" y="0"/>
+          <a:ext cx="0" cy="0"/>
+          <a:chOff x="0" y="0"/>
+          <a:chExt cx="0" cy="0"/>
+        </a:xfrm>
+      </p:grpSpPr>
+      <p:sp>
+        <p:nvSpPr>
+          <p:cNvPr id="2" name="Title 1">
+            <a:extLst>
+              <a:ext uri="{FF2B5EF4-FFF2-40B4-BE49-F238E27FC236}">
+                <a16:creationId xmlns:a16="http://schemas.microsoft.com/office/drawing/2014/main" id="{866D28A9-784B-2788-2972-41B5BBF91658}"/>
+              </a:ext>
+            </a:extLst>
+          </p:cNvPr>
+          <p:cNvSpPr>
+            <a:spLocks noGrp="1"/>
+          </p:cNvSpPr>
+          <p:nvPr>
+            <p:ph type="title"/>
+          </p:nvPr>
+        </p:nvSpPr>
+        <p:spPr/>
+        <p:txBody>
+          <a:bodyPr/>
+          <a:lstStyle/>
+          <a:p>
+            <a:r>
+              <a:rPr lang="en-US" dirty="0"/>
+              <a:t>Q4 ANS</a:t>
+            </a:r>
+          </a:p>
+        </p:txBody>
+      </p:sp>
+      <p:sp>
+        <p:nvSpPr>
+          <p:cNvPr id="3" name="Slide Number Placeholder 2">
+            <a:extLst>
+              <a:ext uri="{FF2B5EF4-FFF2-40B4-BE49-F238E27FC236}">
+                <a16:creationId xmlns:a16="http://schemas.microsoft.com/office/drawing/2014/main" id="{DB4A7CFC-639E-5CD7-AD17-ED109B732CF8}"/>
+              </a:ext>
+            </a:extLst>
+          </p:cNvPr>
+          <p:cNvSpPr>
+            <a:spLocks noGrp="1"/>
+          </p:cNvSpPr>
+          <p:nvPr>
+            <p:ph type="sldNum" sz="quarter" idx="12"/>
+          </p:nvPr>
+        </p:nvSpPr>
+        <p:spPr/>
+        <p:txBody>
+          <a:bodyPr/>
+          <a:lstStyle/>
+          <a:p>
+            <a:fld id="{EA7C8D44-3667-46F6-9772-CC52308E2A7F}" type="slidenum">
+              <a:rPr kumimoji="0" lang="en-US" smtClean="0"/>
+              <a:pPr/>
+              <a:t>25</a:t>
+            </a:fld>
+            <a:endParaRPr kumimoji="0" lang="en-US" dirty="0"/>
+          </a:p>
+        </p:txBody>
+      </p:sp>
+      <p:sp>
+        <p:nvSpPr>
+          <p:cNvPr id="4" name="Content Placeholder 3">
+            <a:extLst>
+              <a:ext uri="{FF2B5EF4-FFF2-40B4-BE49-F238E27FC236}">
+                <a16:creationId xmlns:a16="http://schemas.microsoft.com/office/drawing/2014/main" id="{8BA53D22-7664-ED5A-1A06-11937BAAD832}"/>
+              </a:ext>
+            </a:extLst>
+          </p:cNvPr>
+          <p:cNvSpPr>
+            <a:spLocks noGrp="1"/>
+          </p:cNvSpPr>
+          <p:nvPr>
+            <p:ph sz="quarter" idx="1"/>
+          </p:nvPr>
+        </p:nvSpPr>
+        <p:spPr/>
+        <p:txBody>
+          <a:bodyPr/>
+          <a:lstStyle/>
+          <a:p>
+            <a:r>
+              <a:rPr lang="pt-BR" dirty="0"/>
+              <a:t>Q3:</a:t>
+            </a:r>
+          </a:p>
+          <a:p>
+            <a:pPr lvl="1"/>
+            <a:r>
+              <a:rPr lang="pt-BR" dirty="0"/>
+              <a:t>LDR r0, =</a:t>
+            </a:r>
+            <a:r>
+              <a:rPr lang="en-US" dirty="0"/>
+              <a:t>0xFFFFC000</a:t>
+            </a:r>
+          </a:p>
+          <a:p>
+            <a:pPr lvl="1"/>
+            <a:r>
+              <a:rPr lang="pt-BR" dirty="0"/>
+              <a:t>MOV r0, r0, ASR 2</a:t>
+            </a:r>
+            <a:endParaRPr lang="en-US" dirty="0"/>
+          </a:p>
+          <a:p>
+            <a:r>
+              <a:rPr lang="pt-BR" dirty="0"/>
+              <a:t>ANS:</a:t>
+            </a:r>
+          </a:p>
+          <a:p>
+            <a:pPr lvl="1"/>
+            <a:r>
+              <a:rPr lang="en-US" dirty="0"/>
+              <a:t>Original r0 = 1111 1111 1111 1111 1111 1100 0000 0000</a:t>
+            </a:r>
+          </a:p>
+          <a:p>
+            <a:pPr lvl="1"/>
+            <a:r>
+              <a:rPr lang="en-US" dirty="0"/>
+              <a:t>After ASR 2, r0 = </a:t>
+            </a:r>
+            <a:r>
+              <a:rPr lang="en-US" dirty="0">
+                <a:solidFill>
+                  <a:srgbClr val="FF0000"/>
+                </a:solidFill>
+              </a:rPr>
+              <a:t>11</a:t>
+            </a:r>
+            <a:r>
+              <a:rPr lang="en-US" dirty="0"/>
+              <a:t>11 1111 1111 1111 1111 1111 0000 0000 = 0xFFFFFF00 (-256 in decimal)</a:t>
+            </a:r>
+          </a:p>
+          <a:p>
+            <a:pPr lvl="1"/>
+            <a:r>
+              <a:rPr lang="en-US" dirty="0"/>
+              <a:t>In decimal: -16384 ÷ 2² = -4096 (Not required for exam)</a:t>
+            </a:r>
+          </a:p>
+          <a:p>
+            <a:endParaRPr lang="pt-BR" dirty="0"/>
+          </a:p>
+          <a:p>
+            <a:endParaRPr lang="en-US" dirty="0"/>
+          </a:p>
+        </p:txBody>
+      </p:sp>
+    </p:spTree>
+    <p:extLst>
+      <p:ext uri="{BB962C8B-B14F-4D97-AF65-F5344CB8AC3E}">
+        <p14:creationId xmlns:p14="http://schemas.microsoft.com/office/powerpoint/2010/main" val="3348230435"/>
+      </p:ext>
+    </p:extLst>
+  </p:cSld>
+  <p:clrMapOvr>
+    <a:masterClrMapping/>
+  </p:clrMapOvr>
+</p:sld>
+</file>
+
+<file path=ppt/slides/slide26.xml><?xml version="1.0" encoding="utf-8"?>
+<p:sld xmlns:a="http://schemas.openxmlformats.org/drawingml/2006/main" xmlns:r="http://schemas.openxmlformats.org/officeDocument/2006/relationships" xmlns:p="http://schemas.openxmlformats.org/presentationml/2006/main">
+  <p:cSld>
+    <p:spTree>
+      <p:nvGrpSpPr>
+        <p:cNvPr id="1" name=""/>
+        <p:cNvGrpSpPr/>
+        <p:nvPr/>
+      </p:nvGrpSpPr>
+      <p:grpSpPr>
+        <a:xfrm>
+          <a:off x="0" y="0"/>
+          <a:ext cx="0" cy="0"/>
+          <a:chOff x="0" y="0"/>
+          <a:chExt cx="0" cy="0"/>
+        </a:xfrm>
+      </p:grpSpPr>
+      <p:sp>
+        <p:nvSpPr>
+          <p:cNvPr id="2" name="Title 1">
+            <a:extLst>
+              <a:ext uri="{FF2B5EF4-FFF2-40B4-BE49-F238E27FC236}">
+                <a16:creationId xmlns:a16="http://schemas.microsoft.com/office/drawing/2014/main" id="{2B394F7E-B72B-03F3-82BC-5ADF55A6D6EB}"/>
+              </a:ext>
+            </a:extLst>
+          </p:cNvPr>
+          <p:cNvSpPr>
+            <a:spLocks noGrp="1"/>
+          </p:cNvSpPr>
+          <p:nvPr>
+            <p:ph type="title"/>
+          </p:nvPr>
+        </p:nvSpPr>
+        <p:spPr/>
+        <p:txBody>
+          <a:bodyPr/>
+          <a:lstStyle/>
+          <a:p>
+            <a:r>
+              <a:rPr lang="en-US" dirty="0"/>
+              <a:t>Q5 ANS</a:t>
+            </a:r>
+          </a:p>
+        </p:txBody>
+      </p:sp>
+      <p:sp>
+        <p:nvSpPr>
+          <p:cNvPr id="3" name="Slide Number Placeholder 2">
+            <a:extLst>
+              <a:ext uri="{FF2B5EF4-FFF2-40B4-BE49-F238E27FC236}">
+                <a16:creationId xmlns:a16="http://schemas.microsoft.com/office/drawing/2014/main" id="{A95F2938-6A94-824D-979C-92A72D7A59D1}"/>
+              </a:ext>
+            </a:extLst>
+          </p:cNvPr>
+          <p:cNvSpPr>
+            <a:spLocks noGrp="1"/>
+          </p:cNvSpPr>
+          <p:nvPr>
+            <p:ph type="sldNum" sz="quarter" idx="12"/>
+          </p:nvPr>
+        </p:nvSpPr>
+        <p:spPr/>
+        <p:txBody>
+          <a:bodyPr/>
+          <a:lstStyle/>
+          <a:p>
+            <a:fld id="{EA7C8D44-3667-46F6-9772-CC52308E2A7F}" type="slidenum">
+              <a:rPr kumimoji="0" lang="en-US" smtClean="0"/>
+              <a:pPr/>
+              <a:t>26</a:t>
+            </a:fld>
+            <a:endParaRPr kumimoji="0" lang="en-US" dirty="0"/>
+          </a:p>
+        </p:txBody>
+      </p:sp>
+      <p:sp>
+        <p:nvSpPr>
+          <p:cNvPr id="4" name="Content Placeholder 3">
+            <a:extLst>
+              <a:ext uri="{FF2B5EF4-FFF2-40B4-BE49-F238E27FC236}">
+                <a16:creationId xmlns:a16="http://schemas.microsoft.com/office/drawing/2014/main" id="{69D7C57D-5681-1E7F-C90E-C2A6E62DD37D}"/>
+              </a:ext>
+            </a:extLst>
+          </p:cNvPr>
+          <p:cNvSpPr>
+            <a:spLocks noGrp="1"/>
+          </p:cNvSpPr>
+          <p:nvPr>
+            <p:ph sz="quarter" idx="1"/>
+          </p:nvPr>
+        </p:nvSpPr>
+        <p:spPr/>
+        <p:txBody>
+          <a:bodyPr/>
+          <a:lstStyle/>
+          <a:p>
+            <a:r>
+              <a:rPr lang="pt-BR" dirty="0"/>
+              <a:t>Q4:</a:t>
+            </a:r>
+          </a:p>
+          <a:p>
+            <a:pPr lvl="1"/>
+            <a:r>
+              <a:rPr lang="pt-BR" dirty="0"/>
+              <a:t>LDR r0, =0x00000007</a:t>
+            </a:r>
+          </a:p>
+          <a:p>
+            <a:pPr lvl="1"/>
+            <a:r>
+              <a:rPr lang="pt-BR" dirty="0"/>
+              <a:t>MOV r0, r0, ROR 2</a:t>
+            </a:r>
+          </a:p>
+          <a:p>
+            <a:r>
+              <a:rPr lang="pt-BR" dirty="0"/>
+              <a:t>ANS:</a:t>
+            </a:r>
+          </a:p>
+          <a:p>
+            <a:pPr lvl="1"/>
+            <a:r>
+              <a:rPr lang="en-US" dirty="0"/>
+              <a:t>Original r0 = 0000 0000 0000 0000 0000 0000 0000 0111</a:t>
+            </a:r>
+          </a:p>
+          <a:p>
+            <a:pPr lvl="1"/>
+            <a:r>
+              <a:rPr lang="en-US" dirty="0"/>
+              <a:t>After ROR r0 = 1100 0000 0000 0000 0000 0000 0000 0001 = 0xC0000001</a:t>
+            </a:r>
+          </a:p>
+          <a:p>
+            <a:endParaRPr lang="en-US" dirty="0"/>
+          </a:p>
+        </p:txBody>
+      </p:sp>
+    </p:spTree>
+    <p:extLst>
+      <p:ext uri="{BB962C8B-B14F-4D97-AF65-F5344CB8AC3E}">
+        <p14:creationId xmlns:p14="http://schemas.microsoft.com/office/powerpoint/2010/main" val="3895715509"/>
+      </p:ext>
+    </p:extLst>
+  </p:cSld>
+  <p:clrMapOvr>
+    <a:masterClrMapping/>
+  </p:clrMapOvr>
+</p:sld>
+</file>
+
+<file path=ppt/slides/slide27.xml><?xml version="1.0" encoding="utf-8"?>
+<p:sld xmlns:a="http://schemas.openxmlformats.org/drawingml/2006/main" xmlns:r="http://schemas.openxmlformats.org/officeDocument/2006/relationships" xmlns:p="http://schemas.openxmlformats.org/presentationml/2006/main">
+  <p:cSld>
+    <p:spTree>
+      <p:nvGrpSpPr>
+        <p:cNvPr id="1" name=""/>
+        <p:cNvGrpSpPr/>
+        <p:nvPr/>
+      </p:nvGrpSpPr>
+      <p:grpSpPr>
+        <a:xfrm>
+          <a:off x="0" y="0"/>
+          <a:ext cx="0" cy="0"/>
+          <a:chOff x="0" y="0"/>
+          <a:chExt cx="0" cy="0"/>
+        </a:xfrm>
+      </p:grpSpPr>
+      <p:sp>
+        <p:nvSpPr>
+          <p:cNvPr id="2" name="Title 1">
+            <a:extLst>
+              <a:ext uri="{FF2B5EF4-FFF2-40B4-BE49-F238E27FC236}">
+                <a16:creationId xmlns:a16="http://schemas.microsoft.com/office/drawing/2014/main" id="{DD9933DF-9610-809C-11B2-6E559AD6FCAA}"/>
+              </a:ext>
+            </a:extLst>
+          </p:cNvPr>
+          <p:cNvSpPr>
+            <a:spLocks noGrp="1"/>
+          </p:cNvSpPr>
+          <p:nvPr>
+            <p:ph type="title"/>
+          </p:nvPr>
+        </p:nvSpPr>
+        <p:spPr/>
+        <p:txBody>
+          <a:bodyPr/>
+          <a:lstStyle/>
+          <a:p>
+            <a:r>
+              <a:rPr lang="en-US" dirty="0"/>
+              <a:t>Assembly Programming</a:t>
+            </a:r>
+          </a:p>
+        </p:txBody>
+      </p:sp>
+      <p:sp>
+        <p:nvSpPr>
+          <p:cNvPr id="3" name="Slide Number Placeholder 2">
+            <a:extLst>
+              <a:ext uri="{FF2B5EF4-FFF2-40B4-BE49-F238E27FC236}">
+                <a16:creationId xmlns:a16="http://schemas.microsoft.com/office/drawing/2014/main" id="{D351F047-7DC1-1269-97CA-1BFB3E386E1A}"/>
+              </a:ext>
+            </a:extLst>
+          </p:cNvPr>
+          <p:cNvSpPr>
+            <a:spLocks noGrp="1"/>
+          </p:cNvSpPr>
+          <p:nvPr>
+            <p:ph type="sldNum" sz="quarter" idx="12"/>
+          </p:nvPr>
+        </p:nvSpPr>
+        <p:spPr/>
+        <p:txBody>
+          <a:bodyPr/>
+          <a:lstStyle/>
+          <a:p>
+            <a:fld id="{EA7C8D44-3667-46F6-9772-CC52308E2A7F}" type="slidenum">
+              <a:rPr kumimoji="0" lang="en-US" smtClean="0"/>
+              <a:pPr/>
+              <a:t>27</a:t>
+            </a:fld>
+            <a:endParaRPr kumimoji="0" lang="en-US" dirty="0"/>
+          </a:p>
+        </p:txBody>
+      </p:sp>
+      <p:sp>
+        <p:nvSpPr>
+          <p:cNvPr id="4" name="Content Placeholder 3">
+            <a:extLst>
+              <a:ext uri="{FF2B5EF4-FFF2-40B4-BE49-F238E27FC236}">
+                <a16:creationId xmlns:a16="http://schemas.microsoft.com/office/drawing/2014/main" id="{815194D1-447C-6A4E-281D-DAB9A59A84CD}"/>
+              </a:ext>
+            </a:extLst>
+          </p:cNvPr>
+          <p:cNvSpPr>
+            <a:spLocks noGrp="1"/>
+          </p:cNvSpPr>
+          <p:nvPr>
+            <p:ph sz="quarter" idx="1"/>
+          </p:nvPr>
+        </p:nvSpPr>
+        <p:spPr/>
+        <p:txBody>
+          <a:bodyPr/>
+          <a:lstStyle/>
+          <a:p>
+            <a:r>
+              <a:rPr lang="en-US" dirty="0"/>
+              <a:t>Write ARMv7 assembly for pseudocode</a:t>
+            </a:r>
+          </a:p>
+          <a:p>
+            <a:pPr lvl="1"/>
+            <a:r>
+              <a:rPr lang="en-US" dirty="0"/>
+              <a:t>r1 = (r0 &gt;&gt; 4) &amp; 15</a:t>
+            </a:r>
+          </a:p>
+        </p:txBody>
+      </p:sp>
+    </p:spTree>
+    <p:extLst>
+      <p:ext uri="{BB962C8B-B14F-4D97-AF65-F5344CB8AC3E}">
+        <p14:creationId xmlns:p14="http://schemas.microsoft.com/office/powerpoint/2010/main" val="544675658"/>
+      </p:ext>
+    </p:extLst>
+  </p:cSld>
+  <p:clrMapOvr>
+    <a:masterClrMapping/>
+  </p:clrMapOvr>
+</p:sld>
+</file>
+
+<file path=ppt/slides/slide28.xml><?xml version="1.0" encoding="utf-8"?>
+<p:sld xmlns:a="http://schemas.openxmlformats.org/drawingml/2006/main" xmlns:r="http://schemas.openxmlformats.org/officeDocument/2006/relationships" xmlns:p="http://schemas.openxmlformats.org/presentationml/2006/main">
+  <p:cSld>
+    <p:spTree>
+      <p:nvGrpSpPr>
+        <p:cNvPr id="1" name=""/>
+        <p:cNvGrpSpPr/>
+        <p:nvPr/>
+      </p:nvGrpSpPr>
+      <p:grpSpPr>
+        <a:xfrm>
+          <a:off x="0" y="0"/>
+          <a:ext cx="0" cy="0"/>
+          <a:chOff x="0" y="0"/>
+          <a:chExt cx="0" cy="0"/>
+        </a:xfrm>
+      </p:grpSpPr>
+      <p:sp>
+        <p:nvSpPr>
+          <p:cNvPr id="2" name="Title 1">
+            <a:extLst>
+              <a:ext uri="{FF2B5EF4-FFF2-40B4-BE49-F238E27FC236}">
+                <a16:creationId xmlns:a16="http://schemas.microsoft.com/office/drawing/2014/main" id="{8F445031-374F-3949-2E75-E92EE2E13893}"/>
+              </a:ext>
+            </a:extLst>
+          </p:cNvPr>
+          <p:cNvSpPr>
+            <a:spLocks noGrp="1"/>
+          </p:cNvSpPr>
+          <p:nvPr>
+            <p:ph type="title"/>
+          </p:nvPr>
+        </p:nvSpPr>
+        <p:spPr/>
+        <p:txBody>
+          <a:bodyPr/>
+          <a:lstStyle/>
+          <a:p>
+            <a:r>
+              <a:rPr lang="en-US" dirty="0"/>
+              <a:t>Assembly Programming ANS</a:t>
+            </a:r>
+          </a:p>
+        </p:txBody>
+      </p:sp>
+      <p:sp>
+        <p:nvSpPr>
+          <p:cNvPr id="3" name="Slide Number Placeholder 2">
+            <a:extLst>
+              <a:ext uri="{FF2B5EF4-FFF2-40B4-BE49-F238E27FC236}">
+                <a16:creationId xmlns:a16="http://schemas.microsoft.com/office/drawing/2014/main" id="{FF5611C0-FFA9-1E42-0C9B-E1F57360AA4B}"/>
+              </a:ext>
+            </a:extLst>
+          </p:cNvPr>
+          <p:cNvSpPr>
+            <a:spLocks noGrp="1"/>
+          </p:cNvSpPr>
+          <p:nvPr>
+            <p:ph type="sldNum" sz="quarter" idx="12"/>
+          </p:nvPr>
+        </p:nvSpPr>
+        <p:spPr/>
+        <p:txBody>
+          <a:bodyPr/>
+          <a:lstStyle/>
+          <a:p>
+            <a:fld id="{EA7C8D44-3667-46F6-9772-CC52308E2A7F}" type="slidenum">
+              <a:rPr kumimoji="0" lang="en-US" smtClean="0"/>
+              <a:pPr/>
+              <a:t>28</a:t>
+            </a:fld>
+            <a:endParaRPr kumimoji="0" lang="en-US" dirty="0"/>
+          </a:p>
+        </p:txBody>
+      </p:sp>
+      <p:sp>
+        <p:nvSpPr>
+          <p:cNvPr id="4" name="Content Placeholder 3">
+            <a:extLst>
+              <a:ext uri="{FF2B5EF4-FFF2-40B4-BE49-F238E27FC236}">
+                <a16:creationId xmlns:a16="http://schemas.microsoft.com/office/drawing/2014/main" id="{B4C3D2E6-2CBC-36E7-D723-501E1827F828}"/>
+              </a:ext>
+            </a:extLst>
+          </p:cNvPr>
+          <p:cNvSpPr>
+            <a:spLocks noGrp="1"/>
+          </p:cNvSpPr>
+          <p:nvPr>
+            <p:ph sz="quarter" idx="1"/>
+          </p:nvPr>
+        </p:nvSpPr>
+        <p:spPr/>
+        <p:txBody>
+          <a:bodyPr/>
+          <a:lstStyle/>
+          <a:p>
+            <a:r>
+              <a:rPr lang="en-US" dirty="0"/>
+              <a:t>Write ARMv7 assembly for pseudocode</a:t>
+            </a:r>
+          </a:p>
+          <a:p>
+            <a:pPr lvl="1"/>
+            <a:r>
+              <a:rPr lang="en-US" dirty="0"/>
+              <a:t>r1 = (r0 &gt;&gt; 4) &amp; 15</a:t>
+            </a:r>
+          </a:p>
+          <a:p>
+            <a:r>
+              <a:rPr lang="pt-BR"/>
+              <a:t>ANS:</a:t>
+            </a:r>
+          </a:p>
+          <a:p>
+            <a:pPr lvl="1"/>
+            <a:r>
+              <a:rPr lang="pt-BR" dirty="0"/>
+              <a:t>MOV r1, r0, LSR #4</a:t>
+            </a:r>
+          </a:p>
+          <a:p>
+            <a:pPr lvl="1"/>
+            <a:r>
+              <a:rPr lang="pt-BR" dirty="0"/>
+              <a:t>AND r1, r1, #15</a:t>
+            </a:r>
+            <a:endParaRPr lang="en-US" dirty="0"/>
+          </a:p>
+        </p:txBody>
+      </p:sp>
+    </p:spTree>
+    <p:extLst>
+      <p:ext uri="{BB962C8B-B14F-4D97-AF65-F5344CB8AC3E}">
+        <p14:creationId xmlns:p14="http://schemas.microsoft.com/office/powerpoint/2010/main" val="188395404"/>
+      </p:ext>
+    </p:extLst>
+  </p:cSld>
+  <p:clrMapOvr>
+    <a:masterClrMapping/>
+  </p:clrMapOvr>
+</p:sld>
+</file>
+
+<file path=ppt/slides/slide3.xml><?xml version="1.0" encoding="utf-8"?>
+<p:sld xmlns:a="http://schemas.openxmlformats.org/drawingml/2006/main" xmlns:r="http://schemas.openxmlformats.org/officeDocument/2006/relationships" xmlns:p="http://schemas.openxmlformats.org/presentationml/2006/main">
+  <p:cSld>
+    <p:spTree>
+      <p:nvGrpSpPr>
+        <p:cNvPr id="1" name="">
+          <a:extLst>
+            <a:ext uri="{FF2B5EF4-FFF2-40B4-BE49-F238E27FC236}">
+              <a16:creationId xmlns:a16="http://schemas.microsoft.com/office/drawing/2014/main" id="{5D8FCCDD-F534-1679-8F38-7DE37BF403B8}"/>
+            </a:ext>
+          </a:extLst>
+        </p:cNvPr>
+        <p:cNvGrpSpPr/>
+        <p:nvPr/>
+      </p:nvGrpSpPr>
+      <p:grpSpPr>
+        <a:xfrm>
+          <a:off x="0" y="0"/>
+          <a:ext cx="0" cy="0"/>
+          <a:chOff x="0" y="0"/>
+          <a:chExt cx="0" cy="0"/>
+        </a:xfrm>
+      </p:grpSpPr>
+      <p:sp>
+        <p:nvSpPr>
+          <p:cNvPr id="2" name="Title 1">
+            <a:extLst>
+              <a:ext uri="{FF2B5EF4-FFF2-40B4-BE49-F238E27FC236}">
+                <a16:creationId xmlns:a16="http://schemas.microsoft.com/office/drawing/2014/main" id="{92206104-88B9-F7DD-C7CF-BD3C5A8DDA25}"/>
+              </a:ext>
+            </a:extLst>
+          </p:cNvPr>
+          <p:cNvSpPr>
+            <a:spLocks noGrp="1"/>
+          </p:cNvSpPr>
+          <p:nvPr>
+            <p:ph type="title"/>
+          </p:nvPr>
+        </p:nvSpPr>
+        <p:spPr/>
+        <p:txBody>
+          <a:bodyPr/>
+          <a:lstStyle/>
+          <a:p>
+            <a:r>
+              <a:rPr lang="en-US" dirty="0"/>
+              <a:t>Bit Manipulations ANS</a:t>
+            </a:r>
+          </a:p>
+        </p:txBody>
+      </p:sp>
+      <p:sp>
+        <p:nvSpPr>
+          <p:cNvPr id="3" name="Slide Number Placeholder 2">
+            <a:extLst>
+              <a:ext uri="{FF2B5EF4-FFF2-40B4-BE49-F238E27FC236}">
+                <a16:creationId xmlns:a16="http://schemas.microsoft.com/office/drawing/2014/main" id="{836BEFCD-466A-CEA5-3D17-4D6AE99169C4}"/>
+              </a:ext>
+            </a:extLst>
+          </p:cNvPr>
+          <p:cNvSpPr>
+            <a:spLocks noGrp="1"/>
+          </p:cNvSpPr>
+          <p:nvPr>
+            <p:ph type="sldNum" sz="quarter" idx="12"/>
+          </p:nvPr>
+        </p:nvSpPr>
+        <p:spPr/>
+        <p:txBody>
+          <a:bodyPr/>
+          <a:lstStyle/>
+          <a:p>
+            <a:fld id="{EA7C8D44-3667-46F6-9772-CC52308E2A7F}" type="slidenum">
+              <a:rPr kumimoji="0" lang="en-US" smtClean="0"/>
+              <a:pPr/>
+              <a:t>3</a:t>
+            </a:fld>
+            <a:endParaRPr kumimoji="0" lang="en-US" dirty="0"/>
+          </a:p>
+        </p:txBody>
+      </p:sp>
+      <p:sp>
+        <p:nvSpPr>
+          <p:cNvPr id="4" name="Content Placeholder 3">
+            <a:extLst>
+              <a:ext uri="{FF2B5EF4-FFF2-40B4-BE49-F238E27FC236}">
+                <a16:creationId xmlns:a16="http://schemas.microsoft.com/office/drawing/2014/main" id="{26C07159-9E90-34FC-FD37-707ADD2978CD}"/>
+              </a:ext>
+            </a:extLst>
+          </p:cNvPr>
+          <p:cNvSpPr>
+            <a:spLocks noGrp="1"/>
+          </p:cNvSpPr>
+          <p:nvPr>
+            <p:ph sz="quarter" idx="1"/>
+          </p:nvPr>
+        </p:nvSpPr>
+        <p:spPr>
+          <a:xfrm>
+            <a:off x="457200" y="1219200"/>
+            <a:ext cx="3505200" cy="4557932"/>
+          </a:xfrm>
+        </p:spPr>
+        <p:txBody>
+          <a:bodyPr>
+            <a:normAutofit/>
+          </a:bodyPr>
+          <a:lstStyle/>
+          <a:p>
+            <a:r>
+              <a:rPr lang="pt-BR" dirty="0"/>
+              <a:t>MOV R0, #0xABC</a:t>
+            </a:r>
+          </a:p>
+          <a:p>
+            <a:r>
+              <a:rPr lang="pt-BR" dirty="0"/>
+              <a:t>MOV R1, #0xDEF</a:t>
+            </a:r>
+          </a:p>
+          <a:p>
+            <a:r>
+              <a:rPr lang="pt-BR" dirty="0"/>
+              <a:t>AND R2, R0, R1</a:t>
+            </a:r>
+          </a:p>
+          <a:p>
+            <a:r>
+              <a:rPr lang="pt-BR" dirty="0"/>
+              <a:t>ORR R3, R0, R1</a:t>
+            </a:r>
+          </a:p>
+          <a:p>
+            <a:r>
+              <a:rPr lang="pt-BR" dirty="0"/>
+              <a:t>EOR R4, R0, R1</a:t>
+            </a:r>
+          </a:p>
+          <a:p>
+            <a:r>
+              <a:rPr lang="pt-BR" dirty="0"/>
+              <a:t>ORN R5, R0, R1</a:t>
+            </a:r>
+          </a:p>
+          <a:p>
+            <a:r>
+              <a:rPr lang="pt-BR" dirty="0"/>
+              <a:t>BIC r6, R0, R1</a:t>
+            </a:r>
+            <a:endParaRPr lang="en-US" dirty="0"/>
+          </a:p>
+        </p:txBody>
+      </p:sp>
+      <p:sp>
+        <p:nvSpPr>
+          <p:cNvPr id="5" name="Content Placeholder 3">
+            <a:extLst>
+              <a:ext uri="{FF2B5EF4-FFF2-40B4-BE49-F238E27FC236}">
+                <a16:creationId xmlns:a16="http://schemas.microsoft.com/office/drawing/2014/main" id="{F62F52E9-C913-0809-7AFE-FB9B6517BE16}"/>
+              </a:ext>
+            </a:extLst>
+          </p:cNvPr>
+          <p:cNvSpPr txBox="1">
+            <a:spLocks/>
+          </p:cNvSpPr>
+          <p:nvPr/>
+        </p:nvSpPr>
+        <p:spPr>
+          <a:xfrm>
+            <a:off x="4038600" y="1219200"/>
+            <a:ext cx="4572000" cy="3657600"/>
+          </a:xfrm>
+          <a:prstGeom prst="rect">
+            <a:avLst/>
+          </a:prstGeom>
+        </p:spPr>
+        <p:txBody>
+          <a:bodyPr vert="horz">
+            <a:normAutofit fontScale="92500" lnSpcReduction="20000"/>
+          </a:bodyPr>
+          <a:lstStyle>
+            <a:lvl1pPr marL="274320" indent="-274320" algn="l" rtl="0" eaLnBrk="1" latinLnBrk="0" hangingPunct="1">
+              <a:spcBef>
+                <a:spcPts val="600"/>
+              </a:spcBef>
+              <a:buClr>
+                <a:schemeClr val="accent1"/>
+              </a:buClr>
+              <a:buSzPct val="76000"/>
+              <a:buFont typeface="Wingdings 3"/>
+              <a:buChar char=""/>
+              <a:defRPr kumimoji="0" sz="2600" kern="1200">
+                <a:solidFill>
+                  <a:schemeClr val="tx1"/>
+                </a:solidFill>
+                <a:latin typeface="+mn-lt"/>
+                <a:ea typeface="+mn-ea"/>
+                <a:cs typeface="+mn-cs"/>
+              </a:defRPr>
+            </a:lvl1pPr>
+            <a:lvl2pPr marL="548640" indent="-274320" algn="l" rtl="0" eaLnBrk="1" latinLnBrk="0" hangingPunct="1">
+              <a:spcBef>
+                <a:spcPts val="500"/>
+              </a:spcBef>
+              <a:buClr>
+                <a:schemeClr val="accent2"/>
+              </a:buClr>
+              <a:buSzPct val="76000"/>
+              <a:buFont typeface="Wingdings 3"/>
+              <a:buChar char=""/>
+              <a:defRPr kumimoji="0" sz="2300" kern="1200">
+                <a:solidFill>
+                  <a:schemeClr val="tx2"/>
+                </a:solidFill>
+                <a:latin typeface="+mn-lt"/>
+                <a:ea typeface="+mn-ea"/>
+                <a:cs typeface="+mn-cs"/>
+              </a:defRPr>
+            </a:lvl2pPr>
+            <a:lvl3pPr marL="822960" indent="-228600" algn="l" rtl="0" eaLnBrk="1" latinLnBrk="0" hangingPunct="1">
+              <a:spcBef>
+                <a:spcPts val="500"/>
+              </a:spcBef>
+              <a:buClr>
+                <a:schemeClr val="bg1">
+                  <a:shade val="50000"/>
+                </a:schemeClr>
+              </a:buClr>
+              <a:buSzPct val="76000"/>
+              <a:buFont typeface="Wingdings 3"/>
+              <a:buChar char=""/>
+              <a:defRPr kumimoji="0" sz="2000" kern="1200">
+                <a:solidFill>
+                  <a:schemeClr val="tx1"/>
+                </a:solidFill>
+                <a:latin typeface="+mn-lt"/>
+                <a:ea typeface="+mn-ea"/>
+                <a:cs typeface="+mn-cs"/>
+              </a:defRPr>
+            </a:lvl3pPr>
+            <a:lvl4pPr marL="1097280" indent="-228600" algn="l" rtl="0" eaLnBrk="1" latinLnBrk="0" hangingPunct="1">
+              <a:spcBef>
+                <a:spcPts val="400"/>
+              </a:spcBef>
+              <a:buClr>
+                <a:schemeClr val="accent2">
+                  <a:shade val="75000"/>
+                </a:schemeClr>
+              </a:buClr>
+              <a:buSzPct val="70000"/>
+              <a:buFont typeface="Wingdings"/>
+              <a:buChar char=""/>
+              <a:defRPr kumimoji="0" sz="1800" kern="1200">
+                <a:solidFill>
+                  <a:schemeClr val="tx1"/>
+                </a:solidFill>
+                <a:latin typeface="+mn-lt"/>
+                <a:ea typeface="+mn-ea"/>
+                <a:cs typeface="+mn-cs"/>
+              </a:defRPr>
+            </a:lvl4pPr>
+            <a:lvl5pPr marL="1371600" indent="-228600" algn="l" rtl="0" eaLnBrk="1" latinLnBrk="0" hangingPunct="1">
+              <a:spcBef>
+                <a:spcPts val="300"/>
+              </a:spcBef>
+              <a:buClr>
+                <a:schemeClr val="accent2"/>
+              </a:buClr>
+              <a:buSzPct val="70000"/>
+              <a:buFont typeface="Wingdings"/>
+              <a:buChar char=""/>
+              <a:defRPr kumimoji="0" sz="1600" kern="1200">
+                <a:solidFill>
+                  <a:schemeClr val="tx1"/>
+                </a:solidFill>
+                <a:latin typeface="+mn-lt"/>
+                <a:ea typeface="+mn-ea"/>
+                <a:cs typeface="+mn-cs"/>
+              </a:defRPr>
+            </a:lvl5pPr>
+            <a:lvl6pPr marL="1645920" indent="-182880" algn="l" rtl="0" eaLnBrk="1" latinLnBrk="0" hangingPunct="1">
+              <a:spcBef>
+                <a:spcPts val="300"/>
+              </a:spcBef>
+              <a:buClr>
+                <a:srgbClr val="9FB8CD">
+                  <a:shade val="75000"/>
+                </a:srgbClr>
+              </a:buClr>
+              <a:buSzPct val="75000"/>
+              <a:buFont typeface="Wingdings 3"/>
+              <a:buChar char=""/>
+              <a:defRPr kumimoji="0" lang="en-US" sz="1600" kern="1200" smtClean="0">
+                <a:solidFill>
+                  <a:schemeClr val="tx1"/>
+                </a:solidFill>
+                <a:latin typeface="+mn-lt"/>
+                <a:ea typeface="+mn-ea"/>
+                <a:cs typeface="+mn-cs"/>
+              </a:defRPr>
+            </a:lvl6pPr>
+            <a:lvl7pPr marL="1828800" indent="-182880" algn="l" rtl="0" eaLnBrk="1" latinLnBrk="0" hangingPunct="1">
+              <a:spcBef>
+                <a:spcPts val="300"/>
+              </a:spcBef>
+              <a:buClr>
+                <a:srgbClr val="727CA3">
+                  <a:shade val="75000"/>
+                </a:srgbClr>
+              </a:buClr>
+              <a:buSzPct val="75000"/>
+              <a:buFont typeface="Wingdings 3"/>
+              <a:buChar char=""/>
+              <a:defRPr kumimoji="0" lang="en-US" sz="1400" kern="1200" smtClean="0">
+                <a:solidFill>
+                  <a:schemeClr val="tx1"/>
+                </a:solidFill>
+                <a:latin typeface="+mn-lt"/>
+                <a:ea typeface="+mn-ea"/>
+                <a:cs typeface="+mn-cs"/>
+              </a:defRPr>
+            </a:lvl7pPr>
+            <a:lvl8pPr marL="2011680" indent="-182880" algn="l" rtl="0" eaLnBrk="1" latinLnBrk="0" hangingPunct="1">
+              <a:spcBef>
+                <a:spcPts val="300"/>
+              </a:spcBef>
+              <a:buClr>
+                <a:prstClr val="white">
+                  <a:shade val="50000"/>
+                </a:prstClr>
+              </a:buClr>
+              <a:buSzPct val="75000"/>
+              <a:buFont typeface="Wingdings 3"/>
+              <a:buChar char=""/>
+              <a:defRPr kumimoji="0" lang="en-US" sz="1400" kern="1200" smtClean="0">
+                <a:solidFill>
+                  <a:schemeClr val="tx1"/>
+                </a:solidFill>
+                <a:latin typeface="+mn-lt"/>
+                <a:ea typeface="+mn-ea"/>
+                <a:cs typeface="+mn-cs"/>
+              </a:defRPr>
+            </a:lvl8pPr>
+            <a:lvl9pPr marL="2194560" indent="-182880" algn="l" rtl="0" eaLnBrk="1" latinLnBrk="0" hangingPunct="1">
+              <a:spcBef>
+                <a:spcPts val="300"/>
+              </a:spcBef>
+              <a:buClr>
+                <a:srgbClr val="9FB8CD"/>
+              </a:buClr>
+              <a:buSzPct val="75000"/>
+              <a:buFont typeface="Wingdings 3"/>
+              <a:buChar char=""/>
+              <a:defRPr kumimoji="0" lang="en-US" sz="1200" kern="1200" smtClean="0">
+                <a:solidFill>
+                  <a:schemeClr val="tx1"/>
+                </a:solidFill>
+                <a:latin typeface="+mn-lt"/>
+                <a:ea typeface="+mn-ea"/>
+                <a:cs typeface="+mn-cs"/>
+              </a:defRPr>
+            </a:lvl9pPr>
+          </a:lstStyle>
+          <a:p>
+            <a:r>
+              <a:rPr lang="pt-BR" dirty="0"/>
+              <a:t>R0 = 0x0ABC</a:t>
+            </a:r>
+          </a:p>
+          <a:p>
+            <a:r>
+              <a:rPr lang="pt-BR" dirty="0"/>
+              <a:t>R1 = 0x0DEF</a:t>
+            </a:r>
+          </a:p>
+          <a:p>
+            <a:r>
+              <a:rPr lang="pt-BR" dirty="0"/>
+              <a:t>R2 = R0 AND R1 = 0x08AC</a:t>
+            </a:r>
+          </a:p>
+          <a:p>
+            <a:r>
+              <a:rPr lang="pt-BR" dirty="0"/>
+              <a:t>R3 = R0 ORR R1 = 0x0FFF</a:t>
+            </a:r>
+          </a:p>
+          <a:p>
+            <a:r>
+              <a:rPr lang="pt-BR" dirty="0"/>
+              <a:t>R4 = R0 EOR R1 = 0x0753</a:t>
+            </a:r>
+          </a:p>
+          <a:p>
+            <a:r>
+              <a:rPr lang="pt-BR" dirty="0"/>
+              <a:t>R5 = R0 ORN R1 = R0 | (~R1) = 0xF210 (assuming 32-bit registers)</a:t>
+            </a:r>
+          </a:p>
+          <a:p>
+            <a:r>
+              <a:rPr lang="pt-BR" dirty="0"/>
+              <a:t>r6 = r0 BIC R1 = r0 &amp; (~R1) = 0x0533</a:t>
+            </a:r>
+            <a:endParaRPr lang="en-US" dirty="0"/>
+          </a:p>
+        </p:txBody>
+      </p:sp>
+      <p:sp>
+        <p:nvSpPr>
+          <p:cNvPr id="6" name="内容占位符 2">
+            <a:extLst>
+              <a:ext uri="{FF2B5EF4-FFF2-40B4-BE49-F238E27FC236}">
+                <a16:creationId xmlns:a16="http://schemas.microsoft.com/office/drawing/2014/main" id="{A362AD7A-A16D-A5D7-1F8E-3C4D2AEFE54C}"/>
+              </a:ext>
+            </a:extLst>
+          </p:cNvPr>
+          <p:cNvSpPr txBox="1">
+            <a:spLocks/>
+          </p:cNvSpPr>
+          <p:nvPr/>
+        </p:nvSpPr>
+        <p:spPr bwMode="auto">
+          <a:xfrm>
+            <a:off x="1603248" y="4724400"/>
+            <a:ext cx="6285109" cy="1828800"/>
+          </a:xfrm>
+          <a:prstGeom prst="rect">
+            <a:avLst/>
+          </a:prstGeom>
+          <a:solidFill>
+            <a:schemeClr val="bg1">
+              <a:lumMod val="85000"/>
+            </a:schemeClr>
+          </a:solidFill>
+          <a:ln/>
+          <a:extLst>
+            <a:ext uri="{FAA26D3D-D897-4be2-8F04-BA451C77F1D7}">
+              <ma14:placeholderFlag xmlns="" xmlns:ma14="http://schemas.microsoft.com/office/mac/drawingml/2011/main" val="1"/>
+            </a:ext>
+            <a:ext uri="{909E8E84-426E-40dd-AFC4-6F175D3DCCD1}">
+              <a14:hiddenFill xmlns="" xmlns:a14="http://schemas.microsoft.com/office/drawing/2010/main">
+                <a:solidFill>
+                  <a:schemeClr val="bg1"/>
+                </a:solidFill>
+              </a14:hiddenFill>
+            </a:ext>
+            <a:ext uri="{91240B29-F687-4f45-9708-019B960494DF}">
+              <a14:hiddenLine xmlns="" xmlns:a14="http://schemas.microsoft.com/office/drawing/2010/main" w="12700">
+                <a:pattFill prst="narHorz">
+                  <a:fgClr>
+                    <a:schemeClr val="tx1"/>
+                  </a:fgClr>
+                  <a:bgClr>
+                    <a:schemeClr val="bg1"/>
+                  </a:bgClr>
+                </a:pattFill>
+                <a:miter lim="800000"/>
+                <a:headEnd/>
+                <a:tailEnd/>
+              </a14:hiddenLine>
+            </a:ext>
+            <a:ext uri="{AF507438-7753-43e0-B8FC-AC1667EBCBE1}">
+              <a14:hiddenEffects xmlns="" xmlns:a14="http://schemas.microsoft.com/office/drawing/2010/main">
+                <a:effectLst>
+                  <a:outerShdw blurRad="63500" dist="38099" dir="2700000" algn="ctr" rotWithShape="0">
+                    <a:schemeClr val="bg2">
+                      <a:alpha val="74998"/>
+                    </a:schemeClr>
+                  </a:outerShdw>
+                </a:effectLst>
+              </a14:hiddenEffects>
+            </a:ext>
+          </a:extLst>
+        </p:spPr>
+        <p:style>
+          <a:lnRef idx="1">
+            <a:schemeClr val="dk1"/>
+          </a:lnRef>
+          <a:fillRef idx="2">
+            <a:schemeClr val="dk1"/>
+          </a:fillRef>
+          <a:effectRef idx="1">
+            <a:schemeClr val="dk1"/>
+          </a:effectRef>
+          <a:fontRef idx="minor">
+            <a:schemeClr val="dk1"/>
+          </a:fontRef>
+        </p:style>
+        <p:txBody>
+          <a:bodyPr vert="horz" wrap="square" lIns="90478" tIns="44445" rIns="90478" bIns="44445" numCol="1" anchor="t" anchorCtr="0" compatLnSpc="1">
+            <a:prstTxWarp prst="textNoShape">
+              <a:avLst/>
+            </a:prstTxWarp>
+          </a:bodyPr>
+          <a:lstStyle>
+            <a:lvl1pPr marL="285750" indent="-285750" algn="l" rtl="0" eaLnBrk="0" fontAlgn="base" hangingPunct="0">
+              <a:lnSpc>
+                <a:spcPct val="90000"/>
+              </a:lnSpc>
+              <a:spcBef>
+                <a:spcPct val="30000"/>
+              </a:spcBef>
+              <a:spcAft>
+                <a:spcPct val="0"/>
+              </a:spcAft>
+              <a:buSzPct val="100000"/>
+              <a:buChar char="•"/>
+              <a:defRPr sz="2400">
+                <a:solidFill>
+                  <a:schemeClr val="tx1"/>
+                </a:solidFill>
+                <a:latin typeface="Gill Sans" charset="0"/>
+                <a:ea typeface="ＭＳ Ｐゴシック" charset="0"/>
+                <a:cs typeface="Gill Sans" charset="0"/>
+              </a:defRPr>
+            </a:lvl1pPr>
+            <a:lvl2pPr marL="685800" indent="-228600" algn="l" rtl="0" eaLnBrk="0" fontAlgn="base" hangingPunct="0">
+              <a:lnSpc>
+                <a:spcPct val="90000"/>
+              </a:lnSpc>
+              <a:spcBef>
+                <a:spcPct val="30000"/>
+              </a:spcBef>
+              <a:spcAft>
+                <a:spcPct val="0"/>
+              </a:spcAft>
+              <a:buSzPct val="100000"/>
+              <a:buChar char="–"/>
+              <a:defRPr sz="2200">
+                <a:solidFill>
+                  <a:schemeClr val="tx1"/>
+                </a:solidFill>
+                <a:latin typeface="Gill Sans" charset="0"/>
+                <a:ea typeface="Gill Sans" charset="0"/>
+                <a:cs typeface="Gill Sans" charset="0"/>
+              </a:defRPr>
+            </a:lvl2pPr>
+            <a:lvl3pPr marL="1143000" indent="-228600" algn="l" rtl="0" eaLnBrk="0" fontAlgn="base" hangingPunct="0">
+              <a:lnSpc>
+                <a:spcPct val="90000"/>
+              </a:lnSpc>
+              <a:spcBef>
+                <a:spcPct val="30000"/>
+              </a:spcBef>
+              <a:spcAft>
+                <a:spcPct val="0"/>
+              </a:spcAft>
+              <a:buSzPct val="100000"/>
+              <a:buChar char="»"/>
+              <a:defRPr sz="2000">
+                <a:solidFill>
+                  <a:schemeClr val="tx1"/>
+                </a:solidFill>
+                <a:latin typeface="Gill Sans" charset="0"/>
+                <a:ea typeface="Gill Sans" charset="0"/>
+                <a:cs typeface="Gill Sans" charset="0"/>
+              </a:defRPr>
+            </a:lvl3pPr>
+            <a:lvl4pPr marL="1543050" indent="-171450" algn="l" rtl="0" eaLnBrk="0" fontAlgn="base" hangingPunct="0">
+              <a:lnSpc>
+                <a:spcPct val="90000"/>
+              </a:lnSpc>
+              <a:spcBef>
+                <a:spcPct val="30000"/>
+              </a:spcBef>
+              <a:spcAft>
+                <a:spcPct val="0"/>
+              </a:spcAft>
+              <a:buSzPct val="100000"/>
+              <a:buChar char="•"/>
+              <a:defRPr sz="2000">
+                <a:solidFill>
+                  <a:schemeClr val="tx1"/>
+                </a:solidFill>
+                <a:latin typeface="Gill Sans" charset="0"/>
+                <a:ea typeface="Gill Sans" charset="0"/>
+                <a:cs typeface="Gill Sans" charset="0"/>
+              </a:defRPr>
+            </a:lvl4pPr>
+            <a:lvl5pPr marL="2000250" indent="-171450" algn="l" rtl="0" eaLnBrk="0" fontAlgn="base" hangingPunct="0">
+              <a:lnSpc>
+                <a:spcPct val="90000"/>
+              </a:lnSpc>
+              <a:spcBef>
+                <a:spcPct val="30000"/>
+              </a:spcBef>
+              <a:spcAft>
+                <a:spcPct val="0"/>
+              </a:spcAft>
+              <a:buSzPct val="100000"/>
+              <a:buChar char="–"/>
+              <a:defRPr sz="2000">
+                <a:solidFill>
+                  <a:schemeClr val="tx1"/>
+                </a:solidFill>
+                <a:latin typeface="Gill Sans" charset="0"/>
+                <a:ea typeface="Gill Sans" charset="0"/>
+                <a:cs typeface="Gill Sans" charset="0"/>
+              </a:defRPr>
+            </a:lvl5pPr>
+            <a:lvl6pPr marL="2457450" indent="-171450" algn="l" rtl="0" eaLnBrk="0" fontAlgn="base" hangingPunct="0">
+              <a:lnSpc>
+                <a:spcPct val="90000"/>
+              </a:lnSpc>
+              <a:spcBef>
+                <a:spcPct val="30000"/>
+              </a:spcBef>
+              <a:spcAft>
+                <a:spcPct val="0"/>
+              </a:spcAft>
+              <a:buSzPct val="100000"/>
+              <a:buChar char="–"/>
+              <a:defRPr sz="2000" b="1">
+                <a:solidFill>
+                  <a:schemeClr val="tx1"/>
+                </a:solidFill>
+                <a:latin typeface="+mn-lt"/>
+              </a:defRPr>
+            </a:lvl6pPr>
+            <a:lvl7pPr marL="2914650" indent="-171450" algn="l" rtl="0" eaLnBrk="0" fontAlgn="base" hangingPunct="0">
+              <a:lnSpc>
+                <a:spcPct val="90000"/>
+              </a:lnSpc>
+              <a:spcBef>
+                <a:spcPct val="30000"/>
+              </a:spcBef>
+              <a:spcAft>
+                <a:spcPct val="0"/>
+              </a:spcAft>
+              <a:buSzPct val="100000"/>
+              <a:buChar char="–"/>
+              <a:defRPr sz="2000" b="1">
+                <a:solidFill>
+                  <a:schemeClr val="tx1"/>
+                </a:solidFill>
+                <a:latin typeface="+mn-lt"/>
+              </a:defRPr>
+            </a:lvl7pPr>
+            <a:lvl8pPr marL="3371850" indent="-171450" algn="l" rtl="0" eaLnBrk="0" fontAlgn="base" hangingPunct="0">
+              <a:lnSpc>
+                <a:spcPct val="90000"/>
+              </a:lnSpc>
+              <a:spcBef>
+                <a:spcPct val="30000"/>
+              </a:spcBef>
+              <a:spcAft>
+                <a:spcPct val="0"/>
+              </a:spcAft>
+              <a:buSzPct val="100000"/>
+              <a:buChar char="–"/>
+              <a:defRPr sz="2000" b="1">
+                <a:solidFill>
+                  <a:schemeClr val="tx1"/>
+                </a:solidFill>
+                <a:latin typeface="+mn-lt"/>
+              </a:defRPr>
+            </a:lvl8pPr>
+            <a:lvl9pPr marL="3829050" indent="-171450" algn="l" rtl="0" eaLnBrk="0" fontAlgn="base" hangingPunct="0">
+              <a:lnSpc>
+                <a:spcPct val="90000"/>
+              </a:lnSpc>
+              <a:spcBef>
+                <a:spcPct val="30000"/>
+              </a:spcBef>
+              <a:spcAft>
+                <a:spcPct val="0"/>
+              </a:spcAft>
+              <a:buSzPct val="100000"/>
+              <a:buChar char="–"/>
+              <a:defRPr sz="2000" b="1">
+                <a:solidFill>
+                  <a:schemeClr val="tx1"/>
+                </a:solidFill>
+                <a:latin typeface="+mn-lt"/>
+              </a:defRPr>
+            </a:lvl9pPr>
+          </a:lstStyle>
+          <a:p>
+            <a:pPr marL="0" indent="0">
+              <a:buNone/>
+            </a:pPr>
+            <a:r>
+              <a:rPr lang="en-US" sz="1600" dirty="0"/>
+              <a:t>AND Rn Operand2 performs bitwise conjunction on Rn and Operand2.</a:t>
+            </a:r>
+          </a:p>
+          <a:p>
+            <a:pPr marL="0" indent="0">
+              <a:buNone/>
+            </a:pPr>
+            <a:r>
+              <a:rPr lang="en-US" sz="1600" dirty="0"/>
+              <a:t>ORR performs bitwise OR on Rn and Operand2.</a:t>
+            </a:r>
+          </a:p>
+          <a:p>
+            <a:pPr marL="0" indent="0">
+              <a:buNone/>
+            </a:pPr>
+            <a:r>
+              <a:rPr lang="en-US" sz="1600" dirty="0"/>
+              <a:t>EOR performs bitwise XOR on Rn and Operand2.</a:t>
+            </a:r>
+          </a:p>
+          <a:p>
+            <a:pPr marL="0" indent="0">
+              <a:buNone/>
+            </a:pPr>
+            <a:r>
+              <a:rPr lang="en-US" sz="1600" dirty="0"/>
+              <a:t>ORN computes Rn OR NOT Operand2, i.e., Rn | (~Rm). </a:t>
+            </a:r>
+          </a:p>
+          <a:p>
+            <a:pPr marL="0" indent="0">
+              <a:buNone/>
+            </a:pPr>
+            <a:r>
+              <a:rPr lang="en-US" sz="1600" dirty="0"/>
+              <a:t>BIC computes Rn AND NOT Operand2, i.e., Rn &amp; (~Rm).</a:t>
+            </a:r>
+          </a:p>
+          <a:p>
+            <a:pPr marL="0" indent="0">
+              <a:buNone/>
+            </a:pPr>
+            <a:r>
+              <a:rPr lang="en-US" sz="1600" dirty="0"/>
+              <a:t>(Hint: convert hex to binary, perform operation, and convert back to hex.)</a:t>
+            </a:r>
+          </a:p>
+        </p:txBody>
+      </p:sp>
+    </p:spTree>
+    <p:extLst>
+      <p:ext uri="{BB962C8B-B14F-4D97-AF65-F5344CB8AC3E}">
+        <p14:creationId xmlns:p14="http://schemas.microsoft.com/office/powerpoint/2010/main" val="3198797166"/>
+      </p:ext>
+    </p:extLst>
+  </p:cSld>
+  <p:clrMapOvr>
+    <a:masterClrMapping/>
+  </p:clrMapOvr>
+</p:sld>
+</file>
+
+<file path=ppt/slides/slide4.xml><?xml version="1.0" encoding="utf-8"?>
+<p:sld xmlns:a="http://schemas.openxmlformats.org/drawingml/2006/main" xmlns:r="http://schemas.openxmlformats.org/officeDocument/2006/relationships" xmlns:p="http://schemas.openxmlformats.org/presentationml/2006/main">
+  <p:cSld>
+    <p:spTree>
+      <p:nvGrpSpPr>
+        <p:cNvPr id="1" name=""/>
+        <p:cNvGrpSpPr/>
+        <p:nvPr/>
+      </p:nvGrpSpPr>
+      <p:grpSpPr>
+        <a:xfrm>
+          <a:off x="0" y="0"/>
+          <a:ext cx="0" cy="0"/>
+          <a:chOff x="0" y="0"/>
+          <a:chExt cx="0" cy="0"/>
+        </a:xfrm>
+      </p:grpSpPr>
+      <p:sp>
+        <p:nvSpPr>
+          <p:cNvPr id="2" name="Title 1">
+            <a:extLst>
+              <a:ext uri="{FF2B5EF4-FFF2-40B4-BE49-F238E27FC236}">
+                <a16:creationId xmlns:a16="http://schemas.microsoft.com/office/drawing/2014/main" id="{FB628AA0-0F84-7DF4-92EB-BAB974776EB4}"/>
+              </a:ext>
+            </a:extLst>
+          </p:cNvPr>
+          <p:cNvSpPr>
+            <a:spLocks noGrp="1"/>
+          </p:cNvSpPr>
+          <p:nvPr>
+            <p:ph type="title"/>
+          </p:nvPr>
+        </p:nvSpPr>
+        <p:spPr/>
+        <p:txBody>
+          <a:bodyPr/>
+          <a:lstStyle/>
+          <a:p>
+            <a:r>
+              <a:rPr lang="en-US" dirty="0"/>
+              <a:t>Bit Manipulations</a:t>
+            </a:r>
+          </a:p>
+        </p:txBody>
+      </p:sp>
+      <p:sp>
+        <p:nvSpPr>
+          <p:cNvPr id="3" name="Slide Number Placeholder 2">
+            <a:extLst>
+              <a:ext uri="{FF2B5EF4-FFF2-40B4-BE49-F238E27FC236}">
+                <a16:creationId xmlns:a16="http://schemas.microsoft.com/office/drawing/2014/main" id="{340E95F9-96B3-6E8B-DE8A-BBFC8F51F841}"/>
+              </a:ext>
+            </a:extLst>
+          </p:cNvPr>
+          <p:cNvSpPr>
+            <a:spLocks noGrp="1"/>
+          </p:cNvSpPr>
+          <p:nvPr>
+            <p:ph type="sldNum" sz="quarter" idx="12"/>
+          </p:nvPr>
+        </p:nvSpPr>
+        <p:spPr/>
+        <p:txBody>
+          <a:bodyPr/>
+          <a:lstStyle/>
+          <a:p>
+            <a:fld id="{EA7C8D44-3667-46F6-9772-CC52308E2A7F}" type="slidenum">
+              <a:rPr kumimoji="0" lang="en-US" smtClean="0"/>
+              <a:pPr/>
+              <a:t>4</a:t>
+            </a:fld>
+            <a:endParaRPr kumimoji="0" lang="en-US" dirty="0"/>
+          </a:p>
+        </p:txBody>
+      </p:sp>
+      <p:sp>
+        <p:nvSpPr>
+          <p:cNvPr id="4" name="Content Placeholder 3">
+            <a:extLst>
+              <a:ext uri="{FF2B5EF4-FFF2-40B4-BE49-F238E27FC236}">
+                <a16:creationId xmlns:a16="http://schemas.microsoft.com/office/drawing/2014/main" id="{DCB60A19-0F6C-A6C2-28CD-C5006FC4799E}"/>
+              </a:ext>
+            </a:extLst>
+          </p:cNvPr>
+          <p:cNvSpPr>
+            <a:spLocks noGrp="1"/>
+          </p:cNvSpPr>
+          <p:nvPr>
+            <p:ph sz="quarter" idx="1"/>
+          </p:nvPr>
+        </p:nvSpPr>
+        <p:spPr/>
+        <p:txBody>
+          <a:bodyPr/>
+          <a:lstStyle/>
+          <a:p>
+            <a:r>
+              <a:rPr lang="en-US" dirty="0"/>
+              <a:t>Find the Register Value to Complement, CLEAR &amp; SET 5th, 7th, 12th bit of the given value and also find the result: 0xDECB.</a:t>
+            </a:r>
+          </a:p>
+        </p:txBody>
+      </p:sp>
+    </p:spTree>
+    <p:extLst>
+      <p:ext uri="{BB962C8B-B14F-4D97-AF65-F5344CB8AC3E}">
+        <p14:creationId xmlns:p14="http://schemas.microsoft.com/office/powerpoint/2010/main" val="3231632688"/>
+      </p:ext>
+    </p:extLst>
+  </p:cSld>
+  <p:clrMapOvr>
+    <a:masterClrMapping/>
+  </p:clrMapOvr>
+</p:sld>
+</file>
+
+<file path=ppt/slides/slide5.xml><?xml version="1.0" encoding="utf-8"?>
+<p:sld xmlns:a="http://schemas.openxmlformats.org/drawingml/2006/main" xmlns:r="http://schemas.openxmlformats.org/officeDocument/2006/relationships" xmlns:p="http://schemas.openxmlformats.org/presentationml/2006/main">
+  <p:cSld>
+    <p:spTree>
+      <p:nvGrpSpPr>
+        <p:cNvPr id="1" name="">
+          <a:extLst>
+            <a:ext uri="{FF2B5EF4-FFF2-40B4-BE49-F238E27FC236}">
+              <a16:creationId xmlns:a16="http://schemas.microsoft.com/office/drawing/2014/main" id="{C532D76F-A387-28AA-7D80-1357E328F26F}"/>
+            </a:ext>
+          </a:extLst>
+        </p:cNvPr>
+        <p:cNvGrpSpPr/>
+        <p:nvPr/>
+      </p:nvGrpSpPr>
+      <p:grpSpPr>
+        <a:xfrm>
+          <a:off x="0" y="0"/>
+          <a:ext cx="0" cy="0"/>
+          <a:chOff x="0" y="0"/>
+          <a:chExt cx="0" cy="0"/>
+        </a:xfrm>
+      </p:grpSpPr>
+      <p:sp>
+        <p:nvSpPr>
+          <p:cNvPr id="2" name="Title 1">
+            <a:extLst>
+              <a:ext uri="{FF2B5EF4-FFF2-40B4-BE49-F238E27FC236}">
+                <a16:creationId xmlns:a16="http://schemas.microsoft.com/office/drawing/2014/main" id="{8E96AA65-B209-1287-7606-ED7A0C24505B}"/>
+              </a:ext>
+            </a:extLst>
+          </p:cNvPr>
+          <p:cNvSpPr>
+            <a:spLocks noGrp="1"/>
+          </p:cNvSpPr>
+          <p:nvPr>
+            <p:ph type="title"/>
+          </p:nvPr>
+        </p:nvSpPr>
+        <p:spPr/>
+        <p:txBody>
+          <a:bodyPr/>
+          <a:lstStyle/>
+          <a:p>
+            <a:r>
+              <a:rPr lang="en-US" dirty="0"/>
+              <a:t>Bit Manipulations ANS</a:t>
+            </a:r>
+          </a:p>
+        </p:txBody>
+      </p:sp>
+      <p:sp>
+        <p:nvSpPr>
+          <p:cNvPr id="3" name="Slide Number Placeholder 2">
+            <a:extLst>
+              <a:ext uri="{FF2B5EF4-FFF2-40B4-BE49-F238E27FC236}">
+                <a16:creationId xmlns:a16="http://schemas.microsoft.com/office/drawing/2014/main" id="{28605C08-0E9F-A61E-3D89-FD0DE9CFB668}"/>
+              </a:ext>
+            </a:extLst>
+          </p:cNvPr>
+          <p:cNvSpPr>
+            <a:spLocks noGrp="1"/>
+          </p:cNvSpPr>
+          <p:nvPr>
+            <p:ph type="sldNum" sz="quarter" idx="12"/>
+          </p:nvPr>
+        </p:nvSpPr>
+        <p:spPr/>
+        <p:txBody>
+          <a:bodyPr/>
+          <a:lstStyle/>
+          <a:p>
+            <a:fld id="{EA7C8D44-3667-46F6-9772-CC52308E2A7F}" type="slidenum">
+              <a:rPr kumimoji="0" lang="en-US" smtClean="0"/>
+              <a:pPr/>
+              <a:t>5</a:t>
+            </a:fld>
+            <a:endParaRPr kumimoji="0" lang="en-US" dirty="0"/>
+          </a:p>
+        </p:txBody>
+      </p:sp>
+      <p:sp>
+        <p:nvSpPr>
+          <p:cNvPr id="4" name="Content Placeholder 3">
+            <a:extLst>
+              <a:ext uri="{FF2B5EF4-FFF2-40B4-BE49-F238E27FC236}">
+                <a16:creationId xmlns:a16="http://schemas.microsoft.com/office/drawing/2014/main" id="{65B1C0D2-DA1A-E3F6-EAF4-BA1DF53BEE99}"/>
+              </a:ext>
+            </a:extLst>
+          </p:cNvPr>
+          <p:cNvSpPr>
+            <a:spLocks noGrp="1"/>
+          </p:cNvSpPr>
+          <p:nvPr>
+            <p:ph sz="quarter" idx="1"/>
+          </p:nvPr>
+        </p:nvSpPr>
+        <p:spPr/>
+        <p:txBody>
+          <a:bodyPr>
+            <a:normAutofit fontScale="70000" lnSpcReduction="20000"/>
+          </a:bodyPr>
+          <a:lstStyle/>
+          <a:p>
+            <a:r>
+              <a:rPr lang="en-US" dirty="0"/>
+              <a:t>Find the Register Value to Complement, CLEAR &amp; SET 5th, 7th, 12th bit of the given value and also find the result: 0xDECB.</a:t>
+            </a:r>
+          </a:p>
+          <a:p>
+            <a:r>
+              <a:rPr lang="en-US" dirty="0"/>
+              <a:t>ANS: </a:t>
+            </a:r>
+          </a:p>
+          <a:p>
+            <a:r>
+              <a:rPr lang="en-US" dirty="0"/>
+              <a:t>Set/Clear/Complement</a:t>
+            </a:r>
+          </a:p>
+          <a:p>
+            <a:pPr lvl="1"/>
+            <a:r>
+              <a:rPr lang="en-US" dirty="0"/>
+              <a:t>Set a bit: x |= mask, which forces those bit positions to 1 without changing others. (| is OR)</a:t>
+            </a:r>
+          </a:p>
+          <a:p>
+            <a:pPr lvl="1"/>
+            <a:r>
+              <a:rPr lang="en-US" dirty="0"/>
+              <a:t>Clear a bit: x &amp;= ~mask, which forces those bit positions to 0. (&amp; is AND)</a:t>
+            </a:r>
+          </a:p>
+          <a:p>
+            <a:pPr lvl="1"/>
+            <a:r>
+              <a:rPr lang="en-US" dirty="0"/>
+              <a:t>Complement (toggle) a bit: x ^= mask, which flips those bit positions. (^ is XOR)</a:t>
+            </a:r>
+          </a:p>
+          <a:p>
+            <a:r>
+              <a:rPr lang="en-US" dirty="0"/>
+              <a:t>Masks for 5th, 7th, 12th</a:t>
+            </a:r>
+          </a:p>
+          <a:p>
+            <a:pPr lvl="1"/>
+            <a:r>
+              <a:rPr lang="en-US" dirty="0"/>
+              <a:t>Bit 5 → 1&lt;&lt;5 = 0x20.</a:t>
+            </a:r>
+          </a:p>
+          <a:p>
+            <a:pPr lvl="1"/>
+            <a:r>
+              <a:rPr lang="en-US" dirty="0"/>
+              <a:t>Bit 7 → 1&lt;&lt;7 = 0x80.</a:t>
+            </a:r>
+          </a:p>
+          <a:p>
+            <a:pPr lvl="1"/>
+            <a:r>
+              <a:rPr lang="en-US" dirty="0"/>
+              <a:t>Bit 12 → 1&lt;&lt;12 = 0x1000.</a:t>
+            </a:r>
+          </a:p>
+          <a:p>
+            <a:r>
+              <a:rPr lang="en-US" dirty="0"/>
+              <a:t>Combined mask = 0x1000 | 0x80 | 0x20 = 0x10A0 = 0b0001 0000 1010 0000 </a:t>
+            </a:r>
+          </a:p>
+          <a:p>
+            <a:r>
+              <a:rPr lang="en-US" dirty="0"/>
+              <a:t>Apply to 0xDECB</a:t>
+            </a:r>
+          </a:p>
+          <a:p>
+            <a:pPr lvl="1"/>
+            <a:r>
+              <a:rPr lang="en-US" dirty="0"/>
+              <a:t>Set: 0xDECB | 0x10A0 = 0xEEEB. </a:t>
+            </a:r>
+          </a:p>
+          <a:p>
+            <a:pPr lvl="1"/>
+            <a:r>
+              <a:rPr lang="en-US" dirty="0"/>
+              <a:t>Clear: 0xDECB &amp; ~0x10A0 = 0xD84B.</a:t>
+            </a:r>
+          </a:p>
+          <a:p>
+            <a:pPr lvl="1"/>
+            <a:r>
+              <a:rPr lang="en-US" dirty="0"/>
+              <a:t>Complement: 0xDECB ^ 0x10A0 = 0xC46B</a:t>
+            </a:r>
+          </a:p>
+        </p:txBody>
+      </p:sp>
+    </p:spTree>
+    <p:extLst>
+      <p:ext uri="{BB962C8B-B14F-4D97-AF65-F5344CB8AC3E}">
+        <p14:creationId xmlns:p14="http://schemas.microsoft.com/office/powerpoint/2010/main" val="3001218416"/>
+      </p:ext>
+    </p:extLst>
+  </p:cSld>
+  <p:clrMapOvr>
+    <a:masterClrMapping/>
+  </p:clrMapOvr>
+</p:sld>
+</file>
+
+<file path=ppt/slides/slide6.xml><?xml version="1.0" encoding="utf-8"?>
+<p:sld xmlns:a="http://schemas.openxmlformats.org/drawingml/2006/main" xmlns:r="http://schemas.openxmlformats.org/officeDocument/2006/relationships" xmlns:p="http://schemas.openxmlformats.org/presentationml/2006/main">
+  <p:cSld>
+    <p:spTree>
+      <p:nvGrpSpPr>
+        <p:cNvPr id="1" name=""/>
+        <p:cNvGrpSpPr/>
+        <p:nvPr/>
+      </p:nvGrpSpPr>
+      <p:grpSpPr>
+        <a:xfrm>
+          <a:off x="0" y="0"/>
+          <a:ext cx="0" cy="0"/>
+          <a:chOff x="0" y="0"/>
+          <a:chExt cx="0" cy="0"/>
+        </a:xfrm>
+      </p:grpSpPr>
+      <p:sp>
+        <p:nvSpPr>
+          <p:cNvPr id="2" name="Title 1">
+            <a:extLst>
+              <a:ext uri="{FF2B5EF4-FFF2-40B4-BE49-F238E27FC236}">
+                <a16:creationId xmlns:a16="http://schemas.microsoft.com/office/drawing/2014/main" id="{629A276C-A661-6DC1-DE38-563A3E2C7AF2}"/>
+              </a:ext>
+            </a:extLst>
+          </p:cNvPr>
+          <p:cNvSpPr>
+            <a:spLocks noGrp="1"/>
+          </p:cNvSpPr>
+          <p:nvPr>
+            <p:ph type="title"/>
+          </p:nvPr>
+        </p:nvSpPr>
+        <p:spPr/>
+        <p:txBody>
+          <a:bodyPr/>
+          <a:lstStyle/>
+          <a:p>
+            <a:r>
+              <a:rPr lang="en-US" dirty="0"/>
+              <a:t>Shift LSL</a:t>
+            </a:r>
+          </a:p>
+        </p:txBody>
+      </p:sp>
+      <p:sp>
+        <p:nvSpPr>
+          <p:cNvPr id="3" name="Slide Number Placeholder 2">
+            <a:extLst>
+              <a:ext uri="{FF2B5EF4-FFF2-40B4-BE49-F238E27FC236}">
+                <a16:creationId xmlns:a16="http://schemas.microsoft.com/office/drawing/2014/main" id="{69C51E37-E0A0-F2D9-EFE6-91A91F49584A}"/>
+              </a:ext>
+            </a:extLst>
+          </p:cNvPr>
+          <p:cNvSpPr>
+            <a:spLocks noGrp="1"/>
+          </p:cNvSpPr>
+          <p:nvPr>
+            <p:ph type="sldNum" sz="quarter" idx="12"/>
+          </p:nvPr>
+        </p:nvSpPr>
+        <p:spPr/>
+        <p:txBody>
+          <a:bodyPr/>
+          <a:lstStyle/>
+          <a:p>
+            <a:fld id="{EA7C8D44-3667-46F6-9772-CC52308E2A7F}" type="slidenum">
+              <a:rPr kumimoji="0" lang="en-US" smtClean="0"/>
+              <a:pPr/>
+              <a:t>6</a:t>
+            </a:fld>
+            <a:endParaRPr kumimoji="0" lang="en-US" dirty="0"/>
+          </a:p>
+        </p:txBody>
+      </p:sp>
+      <p:sp>
+        <p:nvSpPr>
+          <p:cNvPr id="4" name="Content Placeholder 3">
+            <a:extLst>
+              <a:ext uri="{FF2B5EF4-FFF2-40B4-BE49-F238E27FC236}">
+                <a16:creationId xmlns:a16="http://schemas.microsoft.com/office/drawing/2014/main" id="{3CAEC62D-8983-5B00-CA77-5B8D7EF4098B}"/>
+              </a:ext>
+            </a:extLst>
+          </p:cNvPr>
+          <p:cNvSpPr>
+            <a:spLocks noGrp="1"/>
+          </p:cNvSpPr>
+          <p:nvPr>
+            <p:ph sz="quarter" idx="1"/>
+          </p:nvPr>
+        </p:nvSpPr>
+        <p:spPr>
+          <a:xfrm>
+            <a:off x="457200" y="1219200"/>
+            <a:ext cx="8229600" cy="5257800"/>
+          </a:xfrm>
+        </p:spPr>
+        <p:txBody>
+          <a:bodyPr>
+            <a:normAutofit/>
+          </a:bodyPr>
+          <a:lstStyle/>
+          <a:p>
+            <a:r>
+              <a:rPr lang="pt-BR" dirty="0"/>
+              <a:t>Compute register values:</a:t>
+            </a:r>
+          </a:p>
+          <a:p>
+            <a:pPr lvl="1"/>
+            <a:r>
+              <a:rPr lang="pt-BR" dirty="0"/>
+              <a:t>LDR R1, =0X11223344</a:t>
+            </a:r>
+          </a:p>
+          <a:p>
+            <a:pPr lvl="1"/>
+            <a:r>
+              <a:rPr lang="pt-BR" dirty="0"/>
+              <a:t>MOV R2, R1, LSL #4</a:t>
+            </a:r>
+          </a:p>
+          <a:p>
+            <a:pPr lvl="1"/>
+            <a:r>
+              <a:rPr lang="pt-BR" dirty="0"/>
+              <a:t>MOV R3, R1, LSL #8</a:t>
+            </a:r>
+          </a:p>
+          <a:p>
+            <a:pPr lvl="1"/>
+            <a:r>
+              <a:rPr lang="pt-BR" dirty="0"/>
+              <a:t>MOV R4, R1, LSL #16</a:t>
+            </a:r>
+          </a:p>
+          <a:p>
+            <a:pPr lvl="1"/>
+            <a:r>
+              <a:rPr lang="en-US" dirty="0"/>
+              <a:t>MOV R5, R1, LSL #6</a:t>
+            </a:r>
+            <a:endParaRPr lang="pt-BR" dirty="0"/>
+          </a:p>
+        </p:txBody>
+      </p:sp>
+    </p:spTree>
+    <p:extLst>
+      <p:ext uri="{BB962C8B-B14F-4D97-AF65-F5344CB8AC3E}">
+        <p14:creationId xmlns:p14="http://schemas.microsoft.com/office/powerpoint/2010/main" val="1899289889"/>
+      </p:ext>
+    </p:extLst>
+  </p:cSld>
+  <p:clrMapOvr>
+    <a:masterClrMapping/>
+  </p:clrMapOvr>
+</p:sld>
+</file>
+
+<file path=ppt/slides/slide7.xml><?xml version="1.0" encoding="utf-8"?>
+<p:sld xmlns:a="http://schemas.openxmlformats.org/drawingml/2006/main" xmlns:r="http://schemas.openxmlformats.org/officeDocument/2006/relationships" xmlns:p="http://schemas.openxmlformats.org/presentationml/2006/main">
+  <p:cSld>
+    <p:spTree>
+      <p:nvGrpSpPr>
+        <p:cNvPr id="1" name="">
+          <a:extLst>
+            <a:ext uri="{FF2B5EF4-FFF2-40B4-BE49-F238E27FC236}">
+              <a16:creationId xmlns:a16="http://schemas.microsoft.com/office/drawing/2014/main" id="{D33FBB5F-8CF5-FEDE-3113-D15C58A401A1}"/>
+            </a:ext>
+          </a:extLst>
+        </p:cNvPr>
+        <p:cNvGrpSpPr/>
+        <p:nvPr/>
+      </p:nvGrpSpPr>
+      <p:grpSpPr>
+        <a:xfrm>
+          <a:off x="0" y="0"/>
+          <a:ext cx="0" cy="0"/>
+          <a:chOff x="0" y="0"/>
+          <a:chExt cx="0" cy="0"/>
+        </a:xfrm>
+      </p:grpSpPr>
+      <p:sp>
+        <p:nvSpPr>
+          <p:cNvPr id="2" name="Title 1">
+            <a:extLst>
+              <a:ext uri="{FF2B5EF4-FFF2-40B4-BE49-F238E27FC236}">
+                <a16:creationId xmlns:a16="http://schemas.microsoft.com/office/drawing/2014/main" id="{AF60BD31-36DB-8B14-43C7-875373D2BC3D}"/>
+              </a:ext>
+            </a:extLst>
+          </p:cNvPr>
+          <p:cNvSpPr>
+            <a:spLocks noGrp="1"/>
+          </p:cNvSpPr>
+          <p:nvPr>
+            <p:ph type="title"/>
+          </p:nvPr>
+        </p:nvSpPr>
+        <p:spPr/>
+        <p:txBody>
+          <a:bodyPr/>
+          <a:lstStyle/>
+          <a:p>
+            <a:r>
+              <a:rPr lang="en-US" dirty="0"/>
+              <a:t>Shift LSL ANS</a:t>
+            </a:r>
+          </a:p>
+        </p:txBody>
+      </p:sp>
+      <p:sp>
+        <p:nvSpPr>
+          <p:cNvPr id="3" name="Slide Number Placeholder 2">
+            <a:extLst>
+              <a:ext uri="{FF2B5EF4-FFF2-40B4-BE49-F238E27FC236}">
+                <a16:creationId xmlns:a16="http://schemas.microsoft.com/office/drawing/2014/main" id="{6AE66FCC-3D4C-1AF2-16FA-EB082CA014EB}"/>
+              </a:ext>
+            </a:extLst>
+          </p:cNvPr>
+          <p:cNvSpPr>
+            <a:spLocks noGrp="1"/>
+          </p:cNvSpPr>
+          <p:nvPr>
+            <p:ph type="sldNum" sz="quarter" idx="12"/>
+          </p:nvPr>
+        </p:nvSpPr>
+        <p:spPr/>
+        <p:txBody>
+          <a:bodyPr/>
+          <a:lstStyle/>
+          <a:p>
+            <a:fld id="{EA7C8D44-3667-46F6-9772-CC52308E2A7F}" type="slidenum">
+              <a:rPr kumimoji="0" lang="en-US" smtClean="0"/>
+              <a:pPr/>
+              <a:t>7</a:t>
+            </a:fld>
+            <a:endParaRPr kumimoji="0" lang="en-US" dirty="0"/>
+          </a:p>
+        </p:txBody>
+      </p:sp>
+      <p:sp>
+        <p:nvSpPr>
+          <p:cNvPr id="4" name="Content Placeholder 3">
+            <a:extLst>
+              <a:ext uri="{FF2B5EF4-FFF2-40B4-BE49-F238E27FC236}">
+                <a16:creationId xmlns:a16="http://schemas.microsoft.com/office/drawing/2014/main" id="{4D005CE6-6347-A24A-DCDF-0579A282CE42}"/>
+              </a:ext>
+            </a:extLst>
+          </p:cNvPr>
+          <p:cNvSpPr>
+            <a:spLocks noGrp="1"/>
+          </p:cNvSpPr>
+          <p:nvPr>
+            <p:ph sz="quarter" idx="1"/>
+          </p:nvPr>
+        </p:nvSpPr>
+        <p:spPr>
+          <a:xfrm>
+            <a:off x="457200" y="1219200"/>
+            <a:ext cx="8229600" cy="5257800"/>
+          </a:xfrm>
+        </p:spPr>
+        <p:txBody>
+          <a:bodyPr>
+            <a:normAutofit fontScale="85000" lnSpcReduction="20000"/>
+          </a:bodyPr>
+          <a:lstStyle/>
+          <a:p>
+            <a:r>
+              <a:rPr lang="pt-BR" dirty="0"/>
+              <a:t>Compute register values:</a:t>
+            </a:r>
+          </a:p>
+          <a:p>
+            <a:pPr lvl="1"/>
+            <a:r>
+              <a:rPr lang="pt-BR" dirty="0"/>
+              <a:t>LDR R1, =0X11223344</a:t>
+            </a:r>
+          </a:p>
+          <a:p>
+            <a:pPr lvl="1"/>
+            <a:r>
+              <a:rPr lang="pt-BR" dirty="0"/>
+              <a:t>MOV R2, R1, LSL #4</a:t>
+            </a:r>
+          </a:p>
+          <a:p>
+            <a:pPr lvl="1"/>
+            <a:r>
+              <a:rPr lang="pt-BR" dirty="0"/>
+              <a:t>MOV R3, R1, LSL #8</a:t>
+            </a:r>
+          </a:p>
+          <a:p>
+            <a:pPr lvl="1"/>
+            <a:r>
+              <a:rPr lang="pt-BR" dirty="0"/>
+              <a:t>MOV R4, R1, LSL #16</a:t>
+            </a:r>
+          </a:p>
+          <a:p>
+            <a:r>
+              <a:rPr lang="pt-BR" dirty="0"/>
+              <a:t>ANS:</a:t>
+            </a:r>
+          </a:p>
+          <a:p>
+            <a:pPr lvl="1"/>
+            <a:r>
+              <a:rPr lang="en-US" dirty="0"/>
+              <a:t>Pseudo-instruction LDR R1, =0x11223344 loads 32-bit constant 0x11223344 into R1.</a:t>
+            </a:r>
+          </a:p>
+          <a:p>
+            <a:pPr lvl="1"/>
+            <a:r>
+              <a:rPr lang="en-US" dirty="0"/>
+              <a:t>LSL performs a logical left shift of Rm by the immediate count and writes the result to Rd, zero-filling low bits and discarding overflow in 32-bit registers</a:t>
+            </a:r>
+          </a:p>
+          <a:p>
+            <a:pPr lvl="1"/>
+            <a:r>
+              <a:rPr lang="en-US" dirty="0"/>
+              <a:t>MOV R2, R1, LSL #4 performs a logical left shift of R1 by 4 bits, inserting zeros; 0x11223344 &lt;&lt; 4 = 0x12233440.</a:t>
+            </a:r>
+          </a:p>
+          <a:p>
+            <a:pPr lvl="1"/>
+            <a:r>
+              <a:rPr lang="en-US" dirty="0"/>
+              <a:t>MOV R3, R1, LSL #8 shifts by 8 bits; 0x11223344 &lt;&lt; 8 = 0x22334400.</a:t>
+            </a:r>
+          </a:p>
+          <a:p>
+            <a:pPr lvl="1"/>
+            <a:r>
+              <a:rPr lang="en-US" dirty="0"/>
+              <a:t>MOV R4, R1, LSL #16 shifts by 16 bits; 0x11223344 &lt;&lt; 16 = 0x33440000.</a:t>
+            </a:r>
+          </a:p>
+          <a:p>
+            <a:pPr lvl="1"/>
+            <a:r>
+              <a:rPr lang="en-US" dirty="0"/>
+              <a:t>MOV R5, R1, LSL #6 shifts by 6 bits; 0x11223344 &lt;&lt; 6 = 0x488CD100. (convert to binary and back)</a:t>
+            </a:r>
+          </a:p>
+          <a:p>
+            <a:pPr lvl="1"/>
+            <a:endParaRPr lang="en-US" dirty="0"/>
+          </a:p>
+        </p:txBody>
+      </p:sp>
+    </p:spTree>
+    <p:extLst>
+      <p:ext uri="{BB962C8B-B14F-4D97-AF65-F5344CB8AC3E}">
+        <p14:creationId xmlns:p14="http://schemas.microsoft.com/office/powerpoint/2010/main" val="1329116476"/>
+      </p:ext>
+    </p:extLst>
+  </p:cSld>
+  <p:clrMapOvr>
+    <a:masterClrMapping/>
+  </p:clrMapOvr>
+</p:sld>
+</file>
+
+<file path=ppt/slides/slide8.xml><?xml version="1.0" encoding="utf-8"?>
+<p:sld xmlns:a="http://schemas.openxmlformats.org/drawingml/2006/main" xmlns:r="http://schemas.openxmlformats.org/officeDocument/2006/relationships" xmlns:p="http://schemas.openxmlformats.org/presentationml/2006/main">
+  <p:cSld>
+    <p:spTree>
+      <p:nvGrpSpPr>
+        <p:cNvPr id="1" name="">
+          <a:extLst>
+            <a:ext uri="{FF2B5EF4-FFF2-40B4-BE49-F238E27FC236}">
+              <a16:creationId xmlns:a16="http://schemas.microsoft.com/office/drawing/2014/main" id="{F5E06A51-A439-F103-49BD-FDEA556B41D2}"/>
+            </a:ext>
+          </a:extLst>
+        </p:cNvPr>
+        <p:cNvGrpSpPr/>
+        <p:nvPr/>
+      </p:nvGrpSpPr>
+      <p:grpSpPr>
+        <a:xfrm>
+          <a:off x="0" y="0"/>
+          <a:ext cx="0" cy="0"/>
+          <a:chOff x="0" y="0"/>
+          <a:chExt cx="0" cy="0"/>
+        </a:xfrm>
+      </p:grpSpPr>
+      <p:sp>
+        <p:nvSpPr>
+          <p:cNvPr id="2" name="Title 1">
+            <a:extLst>
+              <a:ext uri="{FF2B5EF4-FFF2-40B4-BE49-F238E27FC236}">
+                <a16:creationId xmlns:a16="http://schemas.microsoft.com/office/drawing/2014/main" id="{3C452DBC-650F-2FD6-D799-9D9632A6EF51}"/>
+              </a:ext>
+            </a:extLst>
+          </p:cNvPr>
+          <p:cNvSpPr>
+            <a:spLocks noGrp="1"/>
+          </p:cNvSpPr>
+          <p:nvPr>
+            <p:ph type="title"/>
+          </p:nvPr>
+        </p:nvSpPr>
+        <p:spPr/>
+        <p:txBody>
+          <a:bodyPr/>
+          <a:lstStyle/>
+          <a:p>
+            <a:r>
+              <a:rPr lang="en-US" dirty="0"/>
+              <a:t>Shift LSR ASR ANS</a:t>
+            </a:r>
+          </a:p>
+        </p:txBody>
+      </p:sp>
+      <p:sp>
+        <p:nvSpPr>
+          <p:cNvPr id="3" name="Slide Number Placeholder 2">
+            <a:extLst>
+              <a:ext uri="{FF2B5EF4-FFF2-40B4-BE49-F238E27FC236}">
+                <a16:creationId xmlns:a16="http://schemas.microsoft.com/office/drawing/2014/main" id="{A991C5B6-51F3-7333-86A4-FA1F19558C24}"/>
+              </a:ext>
+            </a:extLst>
+          </p:cNvPr>
+          <p:cNvSpPr>
+            <a:spLocks noGrp="1"/>
+          </p:cNvSpPr>
+          <p:nvPr>
+            <p:ph type="sldNum" sz="quarter" idx="12"/>
+          </p:nvPr>
+        </p:nvSpPr>
+        <p:spPr/>
+        <p:txBody>
+          <a:bodyPr/>
+          <a:lstStyle/>
+          <a:p>
+            <a:fld id="{EA7C8D44-3667-46F6-9772-CC52308E2A7F}" type="slidenum">
+              <a:rPr kumimoji="0" lang="en-US" smtClean="0"/>
+              <a:pPr/>
+              <a:t>8</a:t>
+            </a:fld>
+            <a:endParaRPr kumimoji="0" lang="en-US" dirty="0"/>
+          </a:p>
+        </p:txBody>
+      </p:sp>
+      <p:sp>
+        <p:nvSpPr>
+          <p:cNvPr id="4" name="Content Placeholder 3">
+            <a:extLst>
+              <a:ext uri="{FF2B5EF4-FFF2-40B4-BE49-F238E27FC236}">
+                <a16:creationId xmlns:a16="http://schemas.microsoft.com/office/drawing/2014/main" id="{8B96A0C6-9296-BA88-C598-6B260416FC42}"/>
+              </a:ext>
+            </a:extLst>
+          </p:cNvPr>
+          <p:cNvSpPr>
+            <a:spLocks noGrp="1"/>
+          </p:cNvSpPr>
+          <p:nvPr>
+            <p:ph sz="quarter" idx="1"/>
+          </p:nvPr>
+        </p:nvSpPr>
+        <p:spPr>
+          <a:xfrm>
+            <a:off x="457200" y="1219200"/>
+            <a:ext cx="8229600" cy="5638800"/>
+          </a:xfrm>
+        </p:spPr>
+        <p:txBody>
+          <a:bodyPr>
+            <a:normAutofit fontScale="77500" lnSpcReduction="20000"/>
+          </a:bodyPr>
+          <a:lstStyle/>
+          <a:p>
+            <a:r>
+              <a:rPr lang="pt-BR" dirty="0"/>
+              <a:t>Compute register values:</a:t>
+            </a:r>
+          </a:p>
+          <a:p>
+            <a:pPr lvl="1"/>
+            <a:r>
+              <a:rPr lang="pt-BR" dirty="0"/>
+              <a:t>LDR R1, =0X11223344</a:t>
+            </a:r>
+          </a:p>
+          <a:p>
+            <a:pPr lvl="1"/>
+            <a:r>
+              <a:rPr lang="pt-BR" dirty="0"/>
+              <a:t>MOV R2, R1, LSR #4</a:t>
+            </a:r>
+          </a:p>
+          <a:p>
+            <a:pPr lvl="1"/>
+            <a:r>
+              <a:rPr lang="pt-BR" dirty="0"/>
+              <a:t>MOV R3, R1, LSR #8</a:t>
+            </a:r>
+          </a:p>
+          <a:p>
+            <a:pPr lvl="1"/>
+            <a:r>
+              <a:rPr lang="pt-BR" dirty="0"/>
+              <a:t>MOV R4, R1, LSR #16</a:t>
+            </a:r>
+          </a:p>
+          <a:p>
+            <a:pPr lvl="1"/>
+            <a:r>
+              <a:rPr lang="pt-BR" dirty="0"/>
+              <a:t>MOV R5, R1, </a:t>
+            </a:r>
+            <a:r>
+              <a:rPr lang="en-US" altLang="zh-CN" dirty="0"/>
+              <a:t>A</a:t>
+            </a:r>
+            <a:r>
+              <a:rPr lang="pt-BR" dirty="0"/>
+              <a:t>SR #4</a:t>
+            </a:r>
+          </a:p>
+          <a:p>
+            <a:pPr lvl="1"/>
+            <a:r>
+              <a:rPr lang="pt-BR" dirty="0"/>
+              <a:t>MOV R6, R1, ASR #8</a:t>
+            </a:r>
+          </a:p>
+          <a:p>
+            <a:pPr lvl="1"/>
+            <a:r>
+              <a:rPr lang="pt-BR" dirty="0"/>
+              <a:t>MOV R7, R1, ASR #16</a:t>
+            </a:r>
+          </a:p>
+          <a:p>
+            <a:r>
+              <a:rPr lang="pt-BR" dirty="0"/>
+              <a:t>ANS: </a:t>
+            </a:r>
+          </a:p>
+          <a:p>
+            <a:pPr lvl="1"/>
+            <a:r>
+              <a:rPr lang="en-US" dirty="0"/>
+              <a:t>Pseudo-instruction LDR R1, =0x11223344 loads 32-bit constant 0x11223344 into R1.</a:t>
+            </a:r>
+          </a:p>
+          <a:p>
+            <a:pPr lvl="1"/>
+            <a:r>
+              <a:rPr lang="pt-BR" dirty="0"/>
+              <a:t>LSR #4: R2 = 0x11223344 &gt;&gt; 4 = 0x01122334.</a:t>
+            </a:r>
+          </a:p>
+          <a:p>
+            <a:pPr lvl="1"/>
+            <a:r>
+              <a:rPr lang="pt-BR" dirty="0"/>
+              <a:t>LSR #8: R3 = 0x11223344 &gt;&gt; 8 = 0x00112233.</a:t>
+            </a:r>
+          </a:p>
+          <a:p>
+            <a:pPr lvl="1"/>
+            <a:r>
+              <a:rPr lang="pt-BR" dirty="0"/>
+              <a:t>LSR #16: R4 = 0x11223344 &gt;&gt; 16 = 0x00001122.</a:t>
+            </a:r>
+          </a:p>
+          <a:p>
+            <a:pPr lvl="1"/>
+            <a:r>
+              <a:rPr lang="pt-BR" dirty="0"/>
+              <a:t>ASR #4: R5 = 0x11223344 &gt;&gt; 4 = 0x01122334.</a:t>
+            </a:r>
+          </a:p>
+          <a:p>
+            <a:pPr lvl="1"/>
+            <a:r>
+              <a:rPr lang="pt-BR" dirty="0"/>
+              <a:t>ASR #8: R6 = 0x11223344 &gt;&gt; 8 = 0x00112233.</a:t>
+            </a:r>
+          </a:p>
+          <a:p>
+            <a:pPr lvl="1"/>
+            <a:r>
+              <a:rPr lang="pt-BR" dirty="0"/>
+              <a:t>ASR #16: R7 = 0x11223344 &gt;&gt; 16 = 0x00001122.</a:t>
+            </a:r>
+          </a:p>
+          <a:p>
+            <a:pPr lvl="1"/>
+            <a:r>
+              <a:rPr lang="en-US" dirty="0"/>
+              <a:t>ASR (arithmetic shift right) replicates the sign bit; for a positive value like 0x11223344 (bit 31 is 0), ASR behaves exactly like LSR and shifts in zeros.</a:t>
+            </a:r>
+            <a:endParaRPr lang="pt-BR" dirty="0"/>
+          </a:p>
+          <a:p>
+            <a:pPr lvl="1"/>
+            <a:endParaRPr lang="pt-BR" dirty="0"/>
+          </a:p>
+        </p:txBody>
+      </p:sp>
+    </p:spTree>
+    <p:extLst>
+      <p:ext uri="{BB962C8B-B14F-4D97-AF65-F5344CB8AC3E}">
+        <p14:creationId xmlns:p14="http://schemas.microsoft.com/office/powerpoint/2010/main" val="3280752258"/>
+      </p:ext>
+    </p:extLst>
+  </p:cSld>
+  <p:clrMapOvr>
+    <a:masterClrMapping/>
+  </p:clrMapOvr>
+</p:sld>
+</file>
+
+<file path=ppt/slides/slide9.xml><?xml version="1.0" encoding="utf-8"?>
+<p:sld xmlns:a="http://schemas.openxmlformats.org/drawingml/2006/main" xmlns:r="http://schemas.openxmlformats.org/officeDocument/2006/relationships" xmlns:p="http://schemas.openxmlformats.org/presentationml/2006/main">
+  <p:cSld>
+    <p:spTree>
+      <p:nvGrpSpPr>
+        <p:cNvPr id="1" name="">
+          <a:extLst>
+            <a:ext uri="{FF2B5EF4-FFF2-40B4-BE49-F238E27FC236}">
+              <a16:creationId xmlns:a16="http://schemas.microsoft.com/office/drawing/2014/main" id="{9D91839C-F6D4-9964-61E4-7718ED85E7FC}"/>
+            </a:ext>
+          </a:extLst>
+        </p:cNvPr>
+        <p:cNvGrpSpPr/>
+        <p:nvPr/>
+      </p:nvGrpSpPr>
+      <p:grpSpPr>
+        <a:xfrm>
+          <a:off x="0" y="0"/>
+          <a:ext cx="0" cy="0"/>
+          <a:chOff x="0" y="0"/>
+          <a:chExt cx="0" cy="0"/>
+        </a:xfrm>
+      </p:grpSpPr>
+      <p:sp>
+        <p:nvSpPr>
+          <p:cNvPr id="2" name="Title 1">
+            <a:extLst>
+              <a:ext uri="{FF2B5EF4-FFF2-40B4-BE49-F238E27FC236}">
+                <a16:creationId xmlns:a16="http://schemas.microsoft.com/office/drawing/2014/main" id="{A7F4A20A-F498-3EB6-F940-C1894F1C54B4}"/>
+              </a:ext>
+            </a:extLst>
+          </p:cNvPr>
+          <p:cNvSpPr>
+            <a:spLocks noGrp="1"/>
+          </p:cNvSpPr>
+          <p:nvPr>
+            <p:ph type="title"/>
+          </p:nvPr>
+        </p:nvSpPr>
+        <p:spPr/>
+        <p:txBody>
+          <a:bodyPr/>
+          <a:lstStyle/>
+          <a:p>
+            <a:r>
+              <a:rPr lang="en-US" dirty="0"/>
+              <a:t>Shift ASR</a:t>
+            </a:r>
+          </a:p>
+        </p:txBody>
+      </p:sp>
+      <p:sp>
+        <p:nvSpPr>
+          <p:cNvPr id="3" name="Slide Number Placeholder 2">
+            <a:extLst>
+              <a:ext uri="{FF2B5EF4-FFF2-40B4-BE49-F238E27FC236}">
+                <a16:creationId xmlns:a16="http://schemas.microsoft.com/office/drawing/2014/main" id="{98B4EF46-F247-D5D5-B0F5-6E0D20018A59}"/>
+              </a:ext>
+            </a:extLst>
+          </p:cNvPr>
+          <p:cNvSpPr>
+            <a:spLocks noGrp="1"/>
+          </p:cNvSpPr>
+          <p:nvPr>
+            <p:ph type="sldNum" sz="quarter" idx="12"/>
+          </p:nvPr>
+        </p:nvSpPr>
+        <p:spPr/>
+        <p:txBody>
+          <a:bodyPr/>
+          <a:lstStyle/>
+          <a:p>
+            <a:fld id="{EA7C8D44-3667-46F6-9772-CC52308E2A7F}" type="slidenum">
+              <a:rPr kumimoji="0" lang="en-US" smtClean="0"/>
+              <a:pPr/>
+              <a:t>9</a:t>
+            </a:fld>
+            <a:endParaRPr kumimoji="0" lang="en-US" dirty="0"/>
+          </a:p>
+        </p:txBody>
+      </p:sp>
+      <p:sp>
+        <p:nvSpPr>
+          <p:cNvPr id="4" name="Content Placeholder 3">
+            <a:extLst>
+              <a:ext uri="{FF2B5EF4-FFF2-40B4-BE49-F238E27FC236}">
+                <a16:creationId xmlns:a16="http://schemas.microsoft.com/office/drawing/2014/main" id="{EEE383C9-4457-CE5C-9276-DDEA44D3054E}"/>
+              </a:ext>
+            </a:extLst>
+          </p:cNvPr>
+          <p:cNvSpPr>
+            <a:spLocks noGrp="1"/>
+          </p:cNvSpPr>
+          <p:nvPr>
+            <p:ph sz="quarter" idx="1"/>
+          </p:nvPr>
+        </p:nvSpPr>
+        <p:spPr/>
+        <p:txBody>
+          <a:bodyPr>
+            <a:normAutofit/>
+          </a:bodyPr>
+          <a:lstStyle/>
+          <a:p>
+            <a:r>
+              <a:rPr lang="pt-BR" dirty="0"/>
+              <a:t>Compute register values:</a:t>
+            </a:r>
+          </a:p>
+          <a:p>
+            <a:r>
+              <a:rPr lang="pt-BR" dirty="0"/>
+              <a:t>LDR R1, =0x81223344</a:t>
+            </a:r>
+          </a:p>
+          <a:p>
+            <a:r>
+              <a:rPr lang="pt-BR" dirty="0"/>
+              <a:t>MOV R2, R1, ASR #4</a:t>
+            </a:r>
+          </a:p>
+          <a:p>
+            <a:r>
+              <a:rPr lang="pt-BR" dirty="0"/>
+              <a:t>MOV R3, R1, ASR #8</a:t>
+            </a:r>
+          </a:p>
+          <a:p>
+            <a:r>
+              <a:rPr lang="pt-BR" dirty="0"/>
+              <a:t>MOV R4, R1, ASR #16</a:t>
+            </a:r>
+          </a:p>
+        </p:txBody>
+      </p:sp>
+    </p:spTree>
+    <p:extLst>
+      <p:ext uri="{BB962C8B-B14F-4D97-AF65-F5344CB8AC3E}">
+        <p14:creationId xmlns:p14="http://schemas.microsoft.com/office/powerpoint/2010/main" val="1151160017"/>
       </p:ext>
     </p:extLst>
   </p:cSld>

--- a/PPTs/Ch4_ARM_Arithmetic_Logic_Exercises_ANS.pptx
+++ b/PPTs/Ch4_ARM_Arithmetic_Logic_Exercises_ANS.pptx
@@ -183,7 +183,7 @@
   <pc:docChgLst>
     <pc:chgData name="Zonghua Gu" userId="9a7e1853e1951ef5" providerId="LiveId" clId="{CF1FAA12-072C-4ED5-BA76-0FFFAEFDB88A}"/>
     <pc:docChg chg="undo redo custSel addSld delSld modSld sldOrd">
-      <pc:chgData name="Zonghua Gu" userId="9a7e1853e1951ef5" providerId="LiveId" clId="{CF1FAA12-072C-4ED5-BA76-0FFFAEFDB88A}" dt="2025-09-25T01:46:33.923" v="3590" actId="47"/>
+      <pc:chgData name="Zonghua Gu" userId="9a7e1853e1951ef5" providerId="LiveId" clId="{CF1FAA12-072C-4ED5-BA76-0FFFAEFDB88A}" dt="2025-09-26T20:52:33.122" v="3592" actId="2696"/>
       <pc:docMkLst>
         <pc:docMk/>
       </pc:docMkLst>
@@ -1085,28 +1085,12 @@
           </ac:graphicFrameMkLst>
         </pc:graphicFrameChg>
       </pc:sldChg>
-      <pc:sldChg chg="addSp modSp add mod">
-        <pc:chgData name="Zonghua Gu" userId="9a7e1853e1951ef5" providerId="LiveId" clId="{CF1FAA12-072C-4ED5-BA76-0FFFAEFDB88A}" dt="2025-09-22T02:09:58.088" v="1613" actId="6549"/>
+      <pc:sldChg chg="addSp modSp add del mod">
+        <pc:chgData name="Zonghua Gu" userId="9a7e1853e1951ef5" providerId="LiveId" clId="{CF1FAA12-072C-4ED5-BA76-0FFFAEFDB88A}" dt="2025-09-26T20:52:33.122" v="3592" actId="2696"/>
         <pc:sldMkLst>
           <pc:docMk/>
           <pc:sldMk cId="4009754153" sldId="554"/>
         </pc:sldMkLst>
-        <pc:spChg chg="mod">
-          <ac:chgData name="Zonghua Gu" userId="9a7e1853e1951ef5" providerId="LiveId" clId="{CF1FAA12-072C-4ED5-BA76-0FFFAEFDB88A}" dt="2025-09-22T02:09:58.088" v="1613" actId="6549"/>
-          <ac:spMkLst>
-            <pc:docMk/>
-            <pc:sldMk cId="4009754153" sldId="554"/>
-            <ac:spMk id="3" creationId="{88866A56-D44E-D648-C861-46FA398FDE43}"/>
-          </ac:spMkLst>
-        </pc:spChg>
-        <pc:spChg chg="add mod">
-          <ac:chgData name="Zonghua Gu" userId="9a7e1853e1951ef5" providerId="LiveId" clId="{CF1FAA12-072C-4ED5-BA76-0FFFAEFDB88A}" dt="2025-09-22T02:09:49.994" v="1612"/>
-          <ac:spMkLst>
-            <pc:docMk/>
-            <pc:sldMk cId="4009754153" sldId="554"/>
-            <ac:spMk id="4" creationId="{91B1BB63-1586-6983-A850-9ABE39B4AF7D}"/>
-          </ac:spMkLst>
-        </pc:spChg>
       </pc:sldChg>
       <pc:sldChg chg="modSp new mod">
         <pc:chgData name="Zonghua Gu" userId="9a7e1853e1951ef5" providerId="LiveId" clId="{CF1FAA12-072C-4ED5-BA76-0FFFAEFDB88A}" dt="2025-09-23T01:22:34.780" v="2371" actId="20577"/>
@@ -1360,14 +1344,6 @@
             <ac:spMk id="2" creationId="{AA489A8F-E6AE-D7A6-6FBF-16368A2F65FD}"/>
           </ac:spMkLst>
         </pc:spChg>
-        <pc:picChg chg="add del mod">
-          <ac:chgData name="Zonghua Gu" userId="9a7e1853e1951ef5" providerId="LiveId" clId="{CF1FAA12-072C-4ED5-BA76-0FFFAEFDB88A}" dt="2025-09-24T02:05:08.635" v="3087" actId="478"/>
-          <ac:picMkLst>
-            <pc:docMk/>
-            <pc:sldMk cId="3678485956" sldId="565"/>
-            <ac:picMk id="6" creationId="{C623AF27-5D56-8113-461B-D5EAF9CDCDCD}"/>
-          </ac:picMkLst>
-        </pc:picChg>
       </pc:sldChg>
       <pc:sldChg chg="modSp new mod">
         <pc:chgData name="Zonghua Gu" userId="9a7e1853e1951ef5" providerId="LiveId" clId="{CF1FAA12-072C-4ED5-BA76-0FFFAEFDB88A}" dt="2025-09-24T01:21:53.250" v="2491"/>
@@ -1444,22 +1420,6 @@
           <pc:docMk/>
           <pc:sldMk cId="979784967" sldId="569"/>
         </pc:sldMkLst>
-        <pc:spChg chg="mod">
-          <ac:chgData name="Zonghua Gu" userId="9a7e1853e1951ef5" providerId="LiveId" clId="{CF1FAA12-072C-4ED5-BA76-0FFFAEFDB88A}" dt="2025-09-24T01:38:57.424" v="2680" actId="20577"/>
-          <ac:spMkLst>
-            <pc:docMk/>
-            <pc:sldMk cId="979784967" sldId="569"/>
-            <ac:spMk id="2" creationId="{483BECC7-0AFD-F482-D568-513FA20F7B73}"/>
-          </ac:spMkLst>
-        </pc:spChg>
-        <pc:spChg chg="mod">
-          <ac:chgData name="Zonghua Gu" userId="9a7e1853e1951ef5" providerId="LiveId" clId="{CF1FAA12-072C-4ED5-BA76-0FFFAEFDB88A}" dt="2025-09-24T01:39:12.924" v="2687" actId="6549"/>
-          <ac:spMkLst>
-            <pc:docMk/>
-            <pc:sldMk cId="979784967" sldId="569"/>
-            <ac:spMk id="4" creationId="{2A2D50DA-B489-DFAA-D4D9-E5C90A02F79D}"/>
-          </ac:spMkLst>
-        </pc:spChg>
       </pc:sldChg>
       <pc:sldChg chg="modSp add mod">
         <pc:chgData name="Zonghua Gu" userId="9a7e1853e1951ef5" providerId="LiveId" clId="{CF1FAA12-072C-4ED5-BA76-0FFFAEFDB88A}" dt="2025-09-24T01:42:22.327" v="2758" actId="20577"/>
@@ -1565,14 +1525,6 @@
             <pc:docMk/>
             <pc:sldMk cId="2952282065" sldId="574"/>
             <ac:spMk id="4" creationId="{F7E59F7F-A91F-C3AC-6F2E-7E041BC2CCCA}"/>
-          </ac:spMkLst>
-        </pc:spChg>
-        <pc:spChg chg="del">
-          <ac:chgData name="Zonghua Gu" userId="9a7e1853e1951ef5" providerId="LiveId" clId="{CF1FAA12-072C-4ED5-BA76-0FFFAEFDB88A}" dt="2025-09-24T02:04:15.434" v="3080" actId="478"/>
-          <ac:spMkLst>
-            <pc:docMk/>
-            <pc:sldMk cId="2952282065" sldId="574"/>
-            <ac:spMk id="5" creationId="{92F19039-8717-0BE8-F6C7-CF14EA7352BA}"/>
           </ac:spMkLst>
         </pc:spChg>
       </pc:sldChg>
@@ -1960,7 +1912,7 @@
             <a:fld id="{3AC3A17A-95E8-4381-B66B-5D6DE2B3048A}" type="datetimeFigureOut">
               <a:rPr lang="en-US" smtClean="0"/>
               <a:pPr/>
-              <a:t>9/24/2025</a:t>
+              <a:t>9/26/2025</a:t>
             </a:fld>
             <a:endParaRPr lang="en-US"/>
           </a:p>
@@ -3635,7 +3587,7 @@
             <a:fld id="{966FEA0E-C2DF-4252-97AD-54F2B7E07EAC}" type="datetime1">
               <a:rPr lang="en-US" smtClean="0"/>
               <a:pPr eaLnBrk="1" latinLnBrk="0" hangingPunct="1"/>
-              <a:t>9/24/2025</a:t>
+              <a:t>9/26/2025</a:t>
             </a:fld>
             <a:endParaRPr lang="en-US" sz="1600" dirty="0"/>
           </a:p>
@@ -3996,7 +3948,7 @@
             <a:fld id="{69EF9524-0CAA-4F98-BAC2-CE6B712F5E94}" type="datetime1">
               <a:rPr lang="en-US" smtClean="0"/>
               <a:pPr eaLnBrk="1" latinLnBrk="0" hangingPunct="1"/>
-              <a:t>9/24/2025</a:t>
+              <a:t>9/26/2025</a:t>
             </a:fld>
             <a:endParaRPr lang="en-US"/>
           </a:p>
@@ -4173,7 +4125,7 @@
             <a:fld id="{CB20516D-6F89-4C89-8307-32A716E22875}" type="datetime1">
               <a:rPr lang="en-US" smtClean="0"/>
               <a:pPr eaLnBrk="1" latinLnBrk="0" hangingPunct="1"/>
-              <a:t>9/24/2025</a:t>
+              <a:t>9/26/2025</a:t>
             </a:fld>
             <a:endParaRPr lang="en-US"/>
           </a:p>
@@ -4410,7 +4362,7 @@
             <a:fld id="{0CD88620-7329-4FC3-B65D-4EA691138F1B}" type="datetime1">
               <a:rPr lang="en-US" smtClean="0"/>
               <a:pPr eaLnBrk="1" latinLnBrk="0" hangingPunct="1"/>
-              <a:t>9/24/2025</a:t>
+              <a:t>9/26/2025</a:t>
             </a:fld>
             <a:endParaRPr lang="en-US" dirty="0"/>
           </a:p>
@@ -4681,7 +4633,7 @@
             <a:fld id="{0E46F3A1-5653-427D-9F78-56077401431A}" type="datetime1">
               <a:rPr lang="en-US" smtClean="0"/>
               <a:pPr eaLnBrk="1" latinLnBrk="0" hangingPunct="1"/>
-              <a:t>9/24/2025</a:t>
+              <a:t>9/26/2025</a:t>
             </a:fld>
             <a:endParaRPr lang="en-US" dirty="0"/>
           </a:p>
@@ -4903,7 +4855,7 @@
             <a:fld id="{CB67FC03-415A-45F0-B002-DF181377F7DC}" type="datetime1">
               <a:rPr lang="en-US" smtClean="0"/>
               <a:pPr eaLnBrk="1" latinLnBrk="0" hangingPunct="1"/>
-              <a:t>9/24/2025</a:t>
+              <a:t>9/26/2025</a:t>
             </a:fld>
             <a:endParaRPr lang="en-US"/>
           </a:p>
@@ -5257,7 +5209,7 @@
             <a:fld id="{1B6FC726-A0B4-4FC7-90F5-F17415A5C1A3}" type="datetime1">
               <a:rPr lang="en-US" smtClean="0"/>
               <a:pPr eaLnBrk="1" latinLnBrk="0" hangingPunct="1"/>
-              <a:t>9/24/2025</a:t>
+              <a:t>9/26/2025</a:t>
             </a:fld>
             <a:endParaRPr lang="en-US"/>
           </a:p>
@@ -5491,7 +5443,7 @@
             <a:fld id="{BE217211-C3F9-4892-9CC3-C7105638567D}" type="datetime1">
               <a:rPr lang="en-US" smtClean="0"/>
               <a:pPr eaLnBrk="1" latinLnBrk="0" hangingPunct="1"/>
-              <a:t>9/24/2025</a:t>
+              <a:t>9/26/2025</a:t>
             </a:fld>
             <a:endParaRPr lang="en-US"/>
           </a:p>
@@ -5634,7 +5586,7 @@
             <a:fld id="{BA713E6A-6B26-4373-A75B-EF395DC64F9E}" type="datetime1">
               <a:rPr lang="en-US" smtClean="0"/>
               <a:pPr eaLnBrk="1" latinLnBrk="0" hangingPunct="1"/>
-              <a:t>9/24/2025</a:t>
+              <a:t>9/26/2025</a:t>
             </a:fld>
             <a:endParaRPr lang="en-US"/>
           </a:p>
@@ -5913,7 +5865,7 @@
             <a:fld id="{57EB41EF-4260-415A-8DD6-FEDCC46E7EFC}" type="datetime1">
               <a:rPr lang="en-US" smtClean="0"/>
               <a:pPr eaLnBrk="1" latinLnBrk="0" hangingPunct="1"/>
-              <a:t>9/24/2025</a:t>
+              <a:t>9/26/2025</a:t>
             </a:fld>
             <a:endParaRPr lang="en-US"/>
           </a:p>
@@ -6322,7 +6274,7 @@
             <a:fld id="{6BDA80A0-06CC-4492-94A0-E8516751045E}" type="datetime1">
               <a:rPr lang="en-US" smtClean="0"/>
               <a:pPr eaLnBrk="1" latinLnBrk="0" hangingPunct="1"/>
-              <a:t>9/24/2025</a:t>
+              <a:t>9/26/2025</a:t>
             </a:fld>
             <a:endParaRPr lang="en-US"/>
           </a:p>
@@ -6661,7 +6613,7 @@
             <a:fld id="{A25B5B4B-57EE-495D-8E74-A657CFD8BB6C}" type="datetime1">
               <a:rPr lang="en-US" smtClean="0"/>
               <a:pPr eaLnBrk="1" latinLnBrk="0" hangingPunct="1"/>
-              <a:t>9/24/2025</a:t>
+              <a:t>9/26/2025</a:t>
             </a:fld>
             <a:endParaRPr lang="en-US" sz="1400" dirty="0">
               <a:solidFill>
@@ -11809,17 +11761,17 @@
           <a:ln/>
           <a:extLst>
             <a:ext uri="{FAA26D3D-D897-4be2-8F04-BA451C77F1D7}">
-              <ma14:placeholderFlag xmlns="" xmlns:ma14="http://schemas.microsoft.com/office/mac/drawingml/2011/main" val="1"/>
+              <ma14:placeholderFlag xmlns:ma14="http://schemas.microsoft.com/office/mac/drawingml/2011/main" xmlns="" val="1"/>
             </a:ext>
             <a:ext uri="{909E8E84-426E-40dd-AFC4-6F175D3DCCD1}">
-              <a14:hiddenFill xmlns="" xmlns:a14="http://schemas.microsoft.com/office/drawing/2010/main">
+              <a14:hiddenFill xmlns:a14="http://schemas.microsoft.com/office/drawing/2010/main" xmlns="">
                 <a:solidFill>
                   <a:schemeClr val="bg1"/>
                 </a:solidFill>
               </a14:hiddenFill>
             </a:ext>
             <a:ext uri="{91240B29-F687-4f45-9708-019B960494DF}">
-              <a14:hiddenLine xmlns="" xmlns:a14="http://schemas.microsoft.com/office/drawing/2010/main" w="12700">
+              <a14:hiddenLine xmlns:a14="http://schemas.microsoft.com/office/drawing/2010/main" xmlns="" w="12700">
                 <a:pattFill prst="narHorz">
                   <a:fgClr>
                     <a:schemeClr val="tx1"/>
@@ -11834,7 +11786,7 @@
               </a14:hiddenLine>
             </a:ext>
             <a:ext uri="{AF507438-7753-43e0-B8FC-AC1667EBCBE1}">
-              <a14:hiddenEffects xmlns="" xmlns:a14="http://schemas.microsoft.com/office/drawing/2010/main">
+              <a14:hiddenEffects xmlns:a14="http://schemas.microsoft.com/office/drawing/2010/main" xmlns="">
                 <a:effectLst>
                   <a:outerShdw blurRad="63500" dist="38099" dir="2700000" algn="ctr" rotWithShape="0">
                     <a:schemeClr val="bg2">
